--- a/IPM_Mockup.pptx
+++ b/IPM_Mockup.pptx
@@ -294,7 +294,7 @@
           <a:p>
             <a:fld id="{ACB0442B-F23F-4FD9-9DD5-6FB15E01333B}" type="datetimeFigureOut">
               <a:rPr lang="en-US" smtClean="0"/>
-              <a:t>12/3/2015</a:t>
+              <a:t>12/4/2015</a:t>
             </a:fld>
             <a:endParaRPr lang="en-US"/>
           </a:p>
@@ -459,7 +459,7 @@
           <a:p>
             <a:fld id="{ACB0442B-F23F-4FD9-9DD5-6FB15E01333B}" type="datetimeFigureOut">
               <a:rPr lang="en-US" smtClean="0"/>
-              <a:t>12/3/2015</a:t>
+              <a:t>12/4/2015</a:t>
             </a:fld>
             <a:endParaRPr lang="en-US"/>
           </a:p>
@@ -634,7 +634,7 @@
           <a:p>
             <a:fld id="{ACB0442B-F23F-4FD9-9DD5-6FB15E01333B}" type="datetimeFigureOut">
               <a:rPr lang="en-US" smtClean="0"/>
-              <a:t>12/3/2015</a:t>
+              <a:t>12/4/2015</a:t>
             </a:fld>
             <a:endParaRPr lang="en-US"/>
           </a:p>
@@ -799,7 +799,7 @@
           <a:p>
             <a:fld id="{ACB0442B-F23F-4FD9-9DD5-6FB15E01333B}" type="datetimeFigureOut">
               <a:rPr lang="en-US" smtClean="0"/>
-              <a:t>12/3/2015</a:t>
+              <a:t>12/4/2015</a:t>
             </a:fld>
             <a:endParaRPr lang="en-US"/>
           </a:p>
@@ -1040,7 +1040,7 @@
           <a:p>
             <a:fld id="{ACB0442B-F23F-4FD9-9DD5-6FB15E01333B}" type="datetimeFigureOut">
               <a:rPr lang="en-US" smtClean="0"/>
-              <a:t>12/3/2015</a:t>
+              <a:t>12/4/2015</a:t>
             </a:fld>
             <a:endParaRPr lang="en-US"/>
           </a:p>
@@ -1323,7 +1323,7 @@
           <a:p>
             <a:fld id="{ACB0442B-F23F-4FD9-9DD5-6FB15E01333B}" type="datetimeFigureOut">
               <a:rPr lang="en-US" smtClean="0"/>
-              <a:t>12/3/2015</a:t>
+              <a:t>12/4/2015</a:t>
             </a:fld>
             <a:endParaRPr lang="en-US"/>
           </a:p>
@@ -1740,7 +1740,7 @@
           <a:p>
             <a:fld id="{ACB0442B-F23F-4FD9-9DD5-6FB15E01333B}" type="datetimeFigureOut">
               <a:rPr lang="en-US" smtClean="0"/>
-              <a:t>12/3/2015</a:t>
+              <a:t>12/4/2015</a:t>
             </a:fld>
             <a:endParaRPr lang="en-US"/>
           </a:p>
@@ -1853,7 +1853,7 @@
           <a:p>
             <a:fld id="{ACB0442B-F23F-4FD9-9DD5-6FB15E01333B}" type="datetimeFigureOut">
               <a:rPr lang="en-US" smtClean="0"/>
-              <a:t>12/3/2015</a:t>
+              <a:t>12/4/2015</a:t>
             </a:fld>
             <a:endParaRPr lang="en-US"/>
           </a:p>
@@ -1943,7 +1943,7 @@
           <a:p>
             <a:fld id="{ACB0442B-F23F-4FD9-9DD5-6FB15E01333B}" type="datetimeFigureOut">
               <a:rPr lang="en-US" smtClean="0"/>
-              <a:t>12/3/2015</a:t>
+              <a:t>12/4/2015</a:t>
             </a:fld>
             <a:endParaRPr lang="en-US"/>
           </a:p>
@@ -2215,7 +2215,7 @@
           <a:p>
             <a:fld id="{ACB0442B-F23F-4FD9-9DD5-6FB15E01333B}" type="datetimeFigureOut">
               <a:rPr lang="en-US" smtClean="0"/>
-              <a:t>12/3/2015</a:t>
+              <a:t>12/4/2015</a:t>
             </a:fld>
             <a:endParaRPr lang="en-US"/>
           </a:p>
@@ -2463,7 +2463,7 @@
           <a:p>
             <a:fld id="{ACB0442B-F23F-4FD9-9DD5-6FB15E01333B}" type="datetimeFigureOut">
               <a:rPr lang="en-US" smtClean="0"/>
-              <a:t>12/3/2015</a:t>
+              <a:t>12/4/2015</a:t>
             </a:fld>
             <a:endParaRPr lang="en-US"/>
           </a:p>
@@ -2671,7 +2671,7 @@
           <a:p>
             <a:fld id="{ACB0442B-F23F-4FD9-9DD5-6FB15E01333B}" type="datetimeFigureOut">
               <a:rPr lang="en-US" smtClean="0"/>
-              <a:t>12/3/2015</a:t>
+              <a:t>12/4/2015</a:t>
             </a:fld>
             <a:endParaRPr lang="en-US"/>
           </a:p>
@@ -10507,7 +10507,7 @@
         <p:spPr>
           <a:xfrm>
             <a:off x="152400" y="685800"/>
-            <a:ext cx="1905000" cy="369332"/>
+            <a:ext cx="1905000" cy="307777"/>
           </a:xfrm>
           <a:prstGeom prst="rect">
             <a:avLst/>
@@ -10523,10 +10523,10 @@
           <a:lstStyle/>
           <a:p>
             <a:r>
-              <a:rPr lang="en-US" dirty="0" smtClean="0"/>
+              <a:rPr lang="en-US" sz="1400" dirty="0" smtClean="0"/>
               <a:t>Balance book</a:t>
             </a:r>
-            <a:endParaRPr lang="en-US" dirty="0"/>
+            <a:endParaRPr lang="en-US" sz="1400" dirty="0"/>
           </a:p>
         </p:txBody>
       </p:sp>
@@ -10834,15 +10834,7 @@
                   <a:srgbClr val="FF0000"/>
                 </a:solidFill>
               </a:rPr>
-              <a:t>-$</a:t>
-            </a:r>
-            <a:r>
-              <a:rPr lang="en-US" sz="1000" dirty="0" smtClean="0">
-                <a:solidFill>
-                  <a:srgbClr val="FF0000"/>
-                </a:solidFill>
-              </a:rPr>
-              <a:t>17,898.95</a:t>
+              <a:t>-$17,898.95</a:t>
             </a:r>
           </a:p>
         </p:txBody>
@@ -10855,7 +10847,7 @@
         </p:nvSpPr>
         <p:spPr>
           <a:xfrm>
-            <a:off x="5638800" y="914400"/>
+            <a:off x="6134100" y="914400"/>
             <a:ext cx="609600" cy="246221"/>
           </a:xfrm>
           <a:prstGeom prst="rect">
@@ -10916,7 +10908,7 @@
         </p:nvSpPr>
         <p:spPr>
           <a:xfrm>
-            <a:off x="6172200" y="914400"/>
+            <a:off x="6667500" y="914400"/>
             <a:ext cx="533400" cy="246221"/>
           </a:xfrm>
           <a:prstGeom prst="rect">
@@ -10947,7 +10939,7 @@
         </p:nvSpPr>
         <p:spPr>
           <a:xfrm>
-            <a:off x="6705600" y="914400"/>
+            <a:off x="7200900" y="914400"/>
             <a:ext cx="685800" cy="246221"/>
           </a:xfrm>
           <a:prstGeom prst="rect">
@@ -11496,7 +11488,7 @@
             <a:pPr algn="r"/>
             <a:r>
               <a:rPr lang="en-US" sz="1200" b="1" dirty="0" smtClean="0"/>
-              <a:t>182,102.00</a:t>
+              <a:t>$182,102.00</a:t>
             </a:r>
             <a:endParaRPr lang="en-US" sz="1200" b="1" dirty="0"/>
           </a:p>
@@ -11557,7 +11549,7 @@
             <a:pPr algn="r"/>
             <a:r>
               <a:rPr lang="en-US" sz="1200" b="1" dirty="0" smtClean="0"/>
-              <a:t>17,898.95</a:t>
+              <a:t>$17,898.95</a:t>
             </a:r>
             <a:endParaRPr lang="en-US" sz="1200" b="1" dirty="0"/>
           </a:p>
@@ -11572,7 +11564,7 @@
         <p:spPr>
           <a:xfrm>
             <a:off x="152400" y="1066800"/>
-            <a:ext cx="1905000" cy="369332"/>
+            <a:ext cx="1905000" cy="307777"/>
           </a:xfrm>
           <a:prstGeom prst="rect">
             <a:avLst/>
@@ -11586,14 +11578,14 @@
           <a:lstStyle/>
           <a:p>
             <a:r>
-              <a:rPr lang="en-US" dirty="0" smtClean="0">
+              <a:rPr lang="en-US" sz="1400" dirty="0" smtClean="0">
                 <a:solidFill>
                   <a:schemeClr val="bg1"/>
                 </a:solidFill>
               </a:rPr>
-              <a:t>Cash</a:t>
-            </a:r>
-            <a:endParaRPr lang="en-US" dirty="0">
+              <a:t>Cash transactions</a:t>
+            </a:r>
+            <a:endParaRPr lang="en-US" sz="1400" dirty="0">
               <a:solidFill>
                 <a:schemeClr val="bg1"/>
               </a:solidFill>
@@ -11610,7 +11602,7 @@
         <p:spPr>
           <a:xfrm>
             <a:off x="152400" y="1447800"/>
-            <a:ext cx="1905000" cy="369332"/>
+            <a:ext cx="1905000" cy="307777"/>
           </a:xfrm>
           <a:prstGeom prst="rect">
             <a:avLst/>
@@ -11624,16 +11616,904 @@
           <a:lstStyle/>
           <a:p>
             <a:r>
-              <a:rPr lang="en-US" dirty="0" smtClean="0">
+              <a:rPr lang="en-US" sz="1400" dirty="0" smtClean="0">
                 <a:solidFill>
                   <a:schemeClr val="bg1"/>
                 </a:solidFill>
               </a:rPr>
-              <a:t>Assets</a:t>
-            </a:r>
-            <a:endParaRPr lang="en-US" dirty="0">
+              <a:t>Asset transactions</a:t>
+            </a:r>
+            <a:endParaRPr lang="en-US" sz="1400" dirty="0">
               <a:solidFill>
                 <a:schemeClr val="bg1"/>
+              </a:solidFill>
+            </a:endParaRPr>
+          </a:p>
+        </p:txBody>
+      </p:sp>
+      <p:sp>
+        <p:nvSpPr>
+          <p:cNvPr id="38" name="TextBox 37"/>
+          <p:cNvSpPr txBox="1"/>
+          <p:nvPr/>
+        </p:nvSpPr>
+        <p:spPr>
+          <a:xfrm>
+            <a:off x="6134100" y="1143000"/>
+            <a:ext cx="609600" cy="246221"/>
+          </a:xfrm>
+          <a:prstGeom prst="rect">
+            <a:avLst/>
+          </a:prstGeom>
+          <a:noFill/>
+        </p:spPr>
+        <p:txBody>
+          <a:bodyPr wrap="square" rtlCol="0">
+            <a:spAutoFit/>
+          </a:bodyPr>
+          <a:lstStyle/>
+          <a:p>
+            <a:r>
+              <a:rPr lang="en-US" sz="1000" dirty="0" smtClean="0"/>
+              <a:t>MSFT</a:t>
+            </a:r>
+            <a:endParaRPr lang="en-US" sz="1000" dirty="0"/>
+          </a:p>
+        </p:txBody>
+      </p:sp>
+      <p:sp>
+        <p:nvSpPr>
+          <p:cNvPr id="39" name="TextBox 38"/>
+          <p:cNvSpPr txBox="1"/>
+          <p:nvPr/>
+        </p:nvSpPr>
+        <p:spPr>
+          <a:xfrm>
+            <a:off x="7772400" y="1143000"/>
+            <a:ext cx="914400" cy="246221"/>
+          </a:xfrm>
+          <a:prstGeom prst="rect">
+            <a:avLst/>
+          </a:prstGeom>
+          <a:noFill/>
+        </p:spPr>
+        <p:txBody>
+          <a:bodyPr wrap="square" rtlCol="0">
+            <a:spAutoFit/>
+          </a:bodyPr>
+          <a:lstStyle/>
+          <a:p>
+            <a:pPr algn="r"/>
+            <a:r>
+              <a:rPr lang="en-US" sz="1000" dirty="0" smtClean="0"/>
+              <a:t>$489.00</a:t>
+            </a:r>
+            <a:endParaRPr lang="en-US" sz="1000" dirty="0"/>
+          </a:p>
+        </p:txBody>
+      </p:sp>
+      <p:sp>
+        <p:nvSpPr>
+          <p:cNvPr id="40" name="TextBox 39"/>
+          <p:cNvSpPr txBox="1"/>
+          <p:nvPr/>
+        </p:nvSpPr>
+        <p:spPr>
+          <a:xfrm>
+            <a:off x="6667500" y="1143000"/>
+            <a:ext cx="533400" cy="246221"/>
+          </a:xfrm>
+          <a:prstGeom prst="rect">
+            <a:avLst/>
+          </a:prstGeom>
+          <a:noFill/>
+        </p:spPr>
+        <p:txBody>
+          <a:bodyPr wrap="square" rtlCol="0">
+            <a:spAutoFit/>
+          </a:bodyPr>
+          <a:lstStyle/>
+          <a:p>
+            <a:pPr algn="r"/>
+            <a:r>
+              <a:rPr lang="en-US" sz="1000" dirty="0" smtClean="0"/>
+              <a:t>300</a:t>
+            </a:r>
+            <a:endParaRPr lang="en-US" sz="1000" dirty="0"/>
+          </a:p>
+        </p:txBody>
+      </p:sp>
+      <p:sp>
+        <p:nvSpPr>
+          <p:cNvPr id="41" name="TextBox 40"/>
+          <p:cNvSpPr txBox="1"/>
+          <p:nvPr/>
+        </p:nvSpPr>
+        <p:spPr>
+          <a:xfrm>
+            <a:off x="7200900" y="1143000"/>
+            <a:ext cx="685800" cy="246221"/>
+          </a:xfrm>
+          <a:prstGeom prst="rect">
+            <a:avLst/>
+          </a:prstGeom>
+          <a:noFill/>
+        </p:spPr>
+        <p:txBody>
+          <a:bodyPr wrap="square" rtlCol="0">
+            <a:spAutoFit/>
+          </a:bodyPr>
+          <a:lstStyle/>
+          <a:p>
+            <a:pPr algn="r"/>
+            <a:r>
+              <a:rPr lang="en-US" sz="1000" dirty="0" smtClean="0"/>
+              <a:t>$1.63</a:t>
+            </a:r>
+            <a:endParaRPr lang="en-US" sz="1000" dirty="0"/>
+          </a:p>
+        </p:txBody>
+      </p:sp>
+      <p:sp>
+        <p:nvSpPr>
+          <p:cNvPr id="42" name="TextBox 41"/>
+          <p:cNvSpPr txBox="1"/>
+          <p:nvPr/>
+        </p:nvSpPr>
+        <p:spPr>
+          <a:xfrm>
+            <a:off x="2133600" y="1141214"/>
+            <a:ext cx="838200" cy="246221"/>
+          </a:xfrm>
+          <a:prstGeom prst="rect">
+            <a:avLst/>
+          </a:prstGeom>
+          <a:noFill/>
+        </p:spPr>
+        <p:txBody>
+          <a:bodyPr wrap="square" rtlCol="0">
+            <a:spAutoFit/>
+          </a:bodyPr>
+          <a:lstStyle/>
+          <a:p>
+            <a:r>
+              <a:rPr lang="en-US" sz="1000" dirty="0" smtClean="0"/>
+              <a:t>12/04/2015</a:t>
+            </a:r>
+            <a:endParaRPr lang="en-US" sz="1000" dirty="0"/>
+          </a:p>
+        </p:txBody>
+      </p:sp>
+      <p:sp>
+        <p:nvSpPr>
+          <p:cNvPr id="43" name="TextBox 42"/>
+          <p:cNvSpPr txBox="1"/>
+          <p:nvPr/>
+        </p:nvSpPr>
+        <p:spPr>
+          <a:xfrm>
+            <a:off x="5638800" y="914400"/>
+            <a:ext cx="495300" cy="246221"/>
+          </a:xfrm>
+          <a:prstGeom prst="rect">
+            <a:avLst/>
+          </a:prstGeom>
+          <a:noFill/>
+        </p:spPr>
+        <p:txBody>
+          <a:bodyPr wrap="square" rtlCol="0">
+            <a:spAutoFit/>
+          </a:bodyPr>
+          <a:lstStyle/>
+          <a:p>
+            <a:r>
+              <a:rPr lang="en-US" sz="1000" dirty="0" smtClean="0"/>
+              <a:t>BUY</a:t>
+            </a:r>
+            <a:endParaRPr lang="en-US" sz="1000" dirty="0"/>
+          </a:p>
+        </p:txBody>
+      </p:sp>
+      <p:sp>
+        <p:nvSpPr>
+          <p:cNvPr id="44" name="TextBox 43"/>
+          <p:cNvSpPr txBox="1"/>
+          <p:nvPr/>
+        </p:nvSpPr>
+        <p:spPr>
+          <a:xfrm>
+            <a:off x="5657850" y="1150382"/>
+            <a:ext cx="495300" cy="246221"/>
+          </a:xfrm>
+          <a:prstGeom prst="rect">
+            <a:avLst/>
+          </a:prstGeom>
+          <a:noFill/>
+        </p:spPr>
+        <p:txBody>
+          <a:bodyPr wrap="square" rtlCol="0">
+            <a:spAutoFit/>
+          </a:bodyPr>
+          <a:lstStyle/>
+          <a:p>
+            <a:r>
+              <a:rPr lang="en-US" sz="1000" dirty="0" smtClean="0"/>
+              <a:t>DIV</a:t>
+            </a:r>
+            <a:endParaRPr lang="en-US" sz="1000" dirty="0"/>
+          </a:p>
+        </p:txBody>
+      </p:sp>
+      <p:sp>
+        <p:nvSpPr>
+          <p:cNvPr id="45" name="TextBox 44"/>
+          <p:cNvSpPr txBox="1"/>
+          <p:nvPr/>
+        </p:nvSpPr>
+        <p:spPr>
+          <a:xfrm>
+            <a:off x="2895600" y="1150381"/>
+            <a:ext cx="1295400" cy="246221"/>
+          </a:xfrm>
+          <a:prstGeom prst="rect">
+            <a:avLst/>
+          </a:prstGeom>
+          <a:noFill/>
+        </p:spPr>
+        <p:txBody>
+          <a:bodyPr wrap="square" rtlCol="0">
+            <a:spAutoFit/>
+          </a:bodyPr>
+          <a:lstStyle/>
+          <a:p>
+            <a:r>
+              <a:rPr lang="en-US" sz="1000" dirty="0" smtClean="0"/>
+              <a:t>MSFT </a:t>
+            </a:r>
+            <a:r>
+              <a:rPr lang="en-US" sz="1000" dirty="0" smtClean="0"/>
+              <a:t>dividend</a:t>
+            </a:r>
+            <a:endParaRPr lang="en-US" sz="1000" dirty="0"/>
+          </a:p>
+        </p:txBody>
+      </p:sp>
+      <p:sp>
+        <p:nvSpPr>
+          <p:cNvPr id="46" name="TextBox 45"/>
+          <p:cNvSpPr txBox="1"/>
+          <p:nvPr/>
+        </p:nvSpPr>
+        <p:spPr>
+          <a:xfrm>
+            <a:off x="4495800" y="1150381"/>
+            <a:ext cx="914400" cy="246221"/>
+          </a:xfrm>
+          <a:prstGeom prst="rect">
+            <a:avLst/>
+          </a:prstGeom>
+          <a:noFill/>
+        </p:spPr>
+        <p:txBody>
+          <a:bodyPr wrap="square" rtlCol="0">
+            <a:spAutoFit/>
+          </a:bodyPr>
+          <a:lstStyle/>
+          <a:p>
+            <a:pPr algn="r"/>
+            <a:r>
+              <a:rPr lang="en-US" sz="1000" dirty="0" smtClean="0"/>
+              <a:t>$489.00</a:t>
+            </a:r>
+            <a:endParaRPr lang="en-US" sz="1000" dirty="0" smtClean="0"/>
+          </a:p>
+        </p:txBody>
+      </p:sp>
+      <p:sp>
+        <p:nvSpPr>
+          <p:cNvPr id="2" name="Right Arrow 1"/>
+          <p:cNvSpPr/>
+          <p:nvPr/>
+        </p:nvSpPr>
+        <p:spPr>
+          <a:xfrm>
+            <a:off x="5491162" y="1008221"/>
+            <a:ext cx="76200" cy="58579"/>
+          </a:xfrm>
+          <a:prstGeom prst="rightArrow">
+            <a:avLst/>
+          </a:prstGeom>
+        </p:spPr>
+        <p:style>
+          <a:lnRef idx="1">
+            <a:schemeClr val="accent6"/>
+          </a:lnRef>
+          <a:fillRef idx="3">
+            <a:schemeClr val="accent6"/>
+          </a:fillRef>
+          <a:effectRef idx="2">
+            <a:schemeClr val="accent6"/>
+          </a:effectRef>
+          <a:fontRef idx="minor">
+            <a:schemeClr val="lt1"/>
+          </a:fontRef>
+        </p:style>
+        <p:txBody>
+          <a:bodyPr rtlCol="0" anchor="ctr"/>
+          <a:lstStyle/>
+          <a:p>
+            <a:pPr algn="ctr"/>
+            <a:endParaRPr lang="en-US"/>
+          </a:p>
+        </p:txBody>
+      </p:sp>
+      <p:sp>
+        <p:nvSpPr>
+          <p:cNvPr id="48" name="Right Arrow 47"/>
+          <p:cNvSpPr/>
+          <p:nvPr/>
+        </p:nvSpPr>
+        <p:spPr>
+          <a:xfrm flipH="1">
+            <a:off x="5481637" y="1236820"/>
+            <a:ext cx="76200" cy="58579"/>
+          </a:xfrm>
+          <a:prstGeom prst="rightArrow">
+            <a:avLst/>
+          </a:prstGeom>
+        </p:spPr>
+        <p:style>
+          <a:lnRef idx="1">
+            <a:schemeClr val="accent3"/>
+          </a:lnRef>
+          <a:fillRef idx="3">
+            <a:schemeClr val="accent3"/>
+          </a:fillRef>
+          <a:effectRef idx="2">
+            <a:schemeClr val="accent3"/>
+          </a:effectRef>
+          <a:fontRef idx="minor">
+            <a:schemeClr val="lt1"/>
+          </a:fontRef>
+        </p:style>
+        <p:txBody>
+          <a:bodyPr rtlCol="0" anchor="ctr"/>
+          <a:lstStyle/>
+          <a:p>
+            <a:pPr algn="ctr"/>
+            <a:endParaRPr lang="en-US"/>
+          </a:p>
+        </p:txBody>
+      </p:sp>
+      <p:sp>
+        <p:nvSpPr>
+          <p:cNvPr id="49" name="TextBox 48"/>
+          <p:cNvSpPr txBox="1"/>
+          <p:nvPr/>
+        </p:nvSpPr>
+        <p:spPr>
+          <a:xfrm>
+            <a:off x="152400" y="5486400"/>
+            <a:ext cx="1905000" cy="307777"/>
+          </a:xfrm>
+          <a:prstGeom prst="rect">
+            <a:avLst/>
+          </a:prstGeom>
+          <a:noFill/>
+        </p:spPr>
+        <p:txBody>
+          <a:bodyPr wrap="square" rtlCol="0">
+            <a:spAutoFit/>
+          </a:bodyPr>
+          <a:lstStyle/>
+          <a:p>
+            <a:r>
+              <a:rPr lang="en-US" sz="1400" dirty="0" smtClean="0">
+                <a:solidFill>
+                  <a:schemeClr val="bg1"/>
+                </a:solidFill>
+              </a:rPr>
+              <a:t>Cash transaction…</a:t>
+            </a:r>
+            <a:endParaRPr lang="en-US" sz="1400" dirty="0">
+              <a:solidFill>
+                <a:schemeClr val="bg1"/>
+              </a:solidFill>
+            </a:endParaRPr>
+          </a:p>
+        </p:txBody>
+      </p:sp>
+      <p:sp>
+        <p:nvSpPr>
+          <p:cNvPr id="50" name="TextBox 49"/>
+          <p:cNvSpPr txBox="1"/>
+          <p:nvPr/>
+        </p:nvSpPr>
+        <p:spPr>
+          <a:xfrm>
+            <a:off x="152400" y="5867400"/>
+            <a:ext cx="1905000" cy="307777"/>
+          </a:xfrm>
+          <a:prstGeom prst="rect">
+            <a:avLst/>
+          </a:prstGeom>
+          <a:noFill/>
+        </p:spPr>
+        <p:txBody>
+          <a:bodyPr wrap="square" rtlCol="0">
+            <a:spAutoFit/>
+          </a:bodyPr>
+          <a:lstStyle/>
+          <a:p>
+            <a:r>
+              <a:rPr lang="en-US" sz="1400" dirty="0" smtClean="0">
+                <a:solidFill>
+                  <a:schemeClr val="bg1"/>
+                </a:solidFill>
+              </a:rPr>
+              <a:t>Buy/Sell assets…</a:t>
+            </a:r>
+            <a:endParaRPr lang="en-US" sz="1400" dirty="0">
+              <a:solidFill>
+                <a:schemeClr val="bg1"/>
+              </a:solidFill>
+            </a:endParaRPr>
+          </a:p>
+        </p:txBody>
+      </p:sp>
+      <p:sp>
+        <p:nvSpPr>
+          <p:cNvPr id="51" name="TextBox 50"/>
+          <p:cNvSpPr txBox="1"/>
+          <p:nvPr/>
+        </p:nvSpPr>
+        <p:spPr>
+          <a:xfrm>
+            <a:off x="152400" y="6247368"/>
+            <a:ext cx="1905000" cy="307777"/>
+          </a:xfrm>
+          <a:prstGeom prst="rect">
+            <a:avLst/>
+          </a:prstGeom>
+          <a:noFill/>
+        </p:spPr>
+        <p:txBody>
+          <a:bodyPr wrap="square" rtlCol="0">
+            <a:spAutoFit/>
+          </a:bodyPr>
+          <a:lstStyle/>
+          <a:p>
+            <a:r>
+              <a:rPr lang="en-US" sz="1400" dirty="0" smtClean="0">
+                <a:solidFill>
+                  <a:schemeClr val="bg1"/>
+                </a:solidFill>
+              </a:rPr>
+              <a:t>Other transactions…</a:t>
+            </a:r>
+            <a:endParaRPr lang="en-US" sz="1400" dirty="0">
+              <a:solidFill>
+                <a:schemeClr val="bg1"/>
+              </a:solidFill>
+            </a:endParaRPr>
+          </a:p>
+        </p:txBody>
+      </p:sp>
+      <p:cxnSp>
+        <p:nvCxnSpPr>
+          <p:cNvPr id="9" name="Straight Connector 8"/>
+          <p:cNvCxnSpPr/>
+          <p:nvPr/>
+        </p:nvCxnSpPr>
+        <p:spPr>
+          <a:xfrm>
+            <a:off x="228600" y="5410200"/>
+            <a:ext cx="1752600" cy="0"/>
+          </a:xfrm>
+          <a:prstGeom prst="line">
+            <a:avLst/>
+          </a:prstGeom>
+          <a:ln w="19050">
+            <a:solidFill>
+              <a:schemeClr val="bg1"/>
+            </a:solidFill>
+          </a:ln>
+        </p:spPr>
+        <p:style>
+          <a:lnRef idx="1">
+            <a:schemeClr val="accent1"/>
+          </a:lnRef>
+          <a:fillRef idx="0">
+            <a:schemeClr val="accent1"/>
+          </a:fillRef>
+          <a:effectRef idx="0">
+            <a:schemeClr val="accent1"/>
+          </a:effectRef>
+          <a:fontRef idx="minor">
+            <a:schemeClr val="tx1"/>
+          </a:fontRef>
+        </p:style>
+      </p:cxnSp>
+      <p:sp>
+        <p:nvSpPr>
+          <p:cNvPr id="67" name="TextBox 66"/>
+          <p:cNvSpPr txBox="1"/>
+          <p:nvPr/>
+        </p:nvSpPr>
+        <p:spPr>
+          <a:xfrm>
+            <a:off x="6134100" y="1373742"/>
+            <a:ext cx="609600" cy="246221"/>
+          </a:xfrm>
+          <a:prstGeom prst="rect">
+            <a:avLst/>
+          </a:prstGeom>
+          <a:noFill/>
+        </p:spPr>
+        <p:txBody>
+          <a:bodyPr wrap="square" rtlCol="0">
+            <a:spAutoFit/>
+          </a:bodyPr>
+          <a:lstStyle/>
+          <a:p>
+            <a:r>
+              <a:rPr lang="en-US" sz="1000" dirty="0" smtClean="0"/>
+              <a:t>MSFT</a:t>
+            </a:r>
+            <a:endParaRPr lang="en-US" sz="1000" dirty="0"/>
+          </a:p>
+        </p:txBody>
+      </p:sp>
+      <p:sp>
+        <p:nvSpPr>
+          <p:cNvPr id="68" name="TextBox 67"/>
+          <p:cNvSpPr txBox="1"/>
+          <p:nvPr/>
+        </p:nvSpPr>
+        <p:spPr>
+          <a:xfrm>
+            <a:off x="7772400" y="1373742"/>
+            <a:ext cx="914400" cy="246221"/>
+          </a:xfrm>
+          <a:prstGeom prst="rect">
+            <a:avLst/>
+          </a:prstGeom>
+          <a:noFill/>
+        </p:spPr>
+        <p:txBody>
+          <a:bodyPr wrap="square" rtlCol="0">
+            <a:spAutoFit/>
+          </a:bodyPr>
+          <a:lstStyle/>
+          <a:p>
+            <a:pPr algn="r"/>
+            <a:r>
+              <a:rPr lang="en-US" sz="1000" dirty="0" smtClean="0"/>
+              <a:t>$6,422.00</a:t>
+            </a:r>
+            <a:endParaRPr lang="en-US" sz="1000" dirty="0"/>
+          </a:p>
+        </p:txBody>
+      </p:sp>
+      <p:sp>
+        <p:nvSpPr>
+          <p:cNvPr id="69" name="TextBox 68"/>
+          <p:cNvSpPr txBox="1"/>
+          <p:nvPr/>
+        </p:nvSpPr>
+        <p:spPr>
+          <a:xfrm>
+            <a:off x="6667500" y="1373742"/>
+            <a:ext cx="533400" cy="246221"/>
+          </a:xfrm>
+          <a:prstGeom prst="rect">
+            <a:avLst/>
+          </a:prstGeom>
+          <a:noFill/>
+        </p:spPr>
+        <p:txBody>
+          <a:bodyPr wrap="square" rtlCol="0">
+            <a:spAutoFit/>
+          </a:bodyPr>
+          <a:lstStyle/>
+          <a:p>
+            <a:pPr algn="r"/>
+            <a:r>
+              <a:rPr lang="en-US" sz="1000" dirty="0" smtClean="0"/>
+              <a:t>100</a:t>
+            </a:r>
+            <a:endParaRPr lang="en-US" sz="1000" dirty="0"/>
+          </a:p>
+        </p:txBody>
+      </p:sp>
+      <p:sp>
+        <p:nvSpPr>
+          <p:cNvPr id="70" name="TextBox 69"/>
+          <p:cNvSpPr txBox="1"/>
+          <p:nvPr/>
+        </p:nvSpPr>
+        <p:spPr>
+          <a:xfrm>
+            <a:off x="7200900" y="1373742"/>
+            <a:ext cx="685800" cy="246221"/>
+          </a:xfrm>
+          <a:prstGeom prst="rect">
+            <a:avLst/>
+          </a:prstGeom>
+          <a:noFill/>
+        </p:spPr>
+        <p:txBody>
+          <a:bodyPr wrap="square" rtlCol="0">
+            <a:spAutoFit/>
+          </a:bodyPr>
+          <a:lstStyle/>
+          <a:p>
+            <a:pPr algn="r"/>
+            <a:r>
+              <a:rPr lang="en-US" sz="1000" dirty="0" smtClean="0"/>
+              <a:t>$64.22</a:t>
+            </a:r>
+            <a:endParaRPr lang="en-US" sz="1000" dirty="0"/>
+          </a:p>
+        </p:txBody>
+      </p:sp>
+      <p:sp>
+        <p:nvSpPr>
+          <p:cNvPr id="71" name="TextBox 70"/>
+          <p:cNvSpPr txBox="1"/>
+          <p:nvPr/>
+        </p:nvSpPr>
+        <p:spPr>
+          <a:xfrm>
+            <a:off x="2146300" y="1353979"/>
+            <a:ext cx="838200" cy="246221"/>
+          </a:xfrm>
+          <a:prstGeom prst="rect">
+            <a:avLst/>
+          </a:prstGeom>
+          <a:noFill/>
+        </p:spPr>
+        <p:txBody>
+          <a:bodyPr wrap="square" rtlCol="0">
+            <a:spAutoFit/>
+          </a:bodyPr>
+          <a:lstStyle/>
+          <a:p>
+            <a:r>
+              <a:rPr lang="en-US" sz="1000" dirty="0" smtClean="0"/>
+              <a:t>17/04/2015</a:t>
+            </a:r>
+            <a:endParaRPr lang="en-US" sz="1000" dirty="0"/>
+          </a:p>
+        </p:txBody>
+      </p:sp>
+      <p:sp>
+        <p:nvSpPr>
+          <p:cNvPr id="72" name="TextBox 71"/>
+          <p:cNvSpPr txBox="1"/>
+          <p:nvPr/>
+        </p:nvSpPr>
+        <p:spPr>
+          <a:xfrm>
+            <a:off x="5657850" y="1381124"/>
+            <a:ext cx="495300" cy="246221"/>
+          </a:xfrm>
+          <a:prstGeom prst="rect">
+            <a:avLst/>
+          </a:prstGeom>
+          <a:noFill/>
+        </p:spPr>
+        <p:txBody>
+          <a:bodyPr wrap="square" rtlCol="0">
+            <a:spAutoFit/>
+          </a:bodyPr>
+          <a:lstStyle/>
+          <a:p>
+            <a:r>
+              <a:rPr lang="en-US" sz="1000" dirty="0" smtClean="0"/>
+              <a:t>SELL</a:t>
+            </a:r>
+            <a:endParaRPr lang="en-US" sz="1000" dirty="0"/>
+          </a:p>
+        </p:txBody>
+      </p:sp>
+      <p:sp>
+        <p:nvSpPr>
+          <p:cNvPr id="73" name="TextBox 72"/>
+          <p:cNvSpPr txBox="1"/>
+          <p:nvPr/>
+        </p:nvSpPr>
+        <p:spPr>
+          <a:xfrm>
+            <a:off x="2895600" y="1381123"/>
+            <a:ext cx="1295400" cy="246221"/>
+          </a:xfrm>
+          <a:prstGeom prst="rect">
+            <a:avLst/>
+          </a:prstGeom>
+          <a:noFill/>
+        </p:spPr>
+        <p:txBody>
+          <a:bodyPr wrap="square" rtlCol="0">
+            <a:spAutoFit/>
+          </a:bodyPr>
+          <a:lstStyle/>
+          <a:p>
+            <a:r>
+              <a:rPr lang="en-US" sz="1000" dirty="0" smtClean="0"/>
+              <a:t>MSFT </a:t>
+            </a:r>
+            <a:r>
+              <a:rPr lang="en-US" sz="1000" dirty="0" smtClean="0"/>
+              <a:t>sell</a:t>
+            </a:r>
+            <a:endParaRPr lang="en-US" sz="1000" dirty="0"/>
+          </a:p>
+        </p:txBody>
+      </p:sp>
+      <p:sp>
+        <p:nvSpPr>
+          <p:cNvPr id="74" name="TextBox 73"/>
+          <p:cNvSpPr txBox="1"/>
+          <p:nvPr/>
+        </p:nvSpPr>
+        <p:spPr>
+          <a:xfrm>
+            <a:off x="4495800" y="1381123"/>
+            <a:ext cx="914400" cy="246221"/>
+          </a:xfrm>
+          <a:prstGeom prst="rect">
+            <a:avLst/>
+          </a:prstGeom>
+          <a:noFill/>
+        </p:spPr>
+        <p:txBody>
+          <a:bodyPr wrap="square" rtlCol="0">
+            <a:spAutoFit/>
+          </a:bodyPr>
+          <a:lstStyle/>
+          <a:p>
+            <a:pPr algn="r"/>
+            <a:r>
+              <a:rPr lang="en-US" sz="1000" dirty="0" smtClean="0"/>
+              <a:t>$6,422.00</a:t>
+            </a:r>
+            <a:endParaRPr lang="en-US" sz="1000" dirty="0" smtClean="0"/>
+          </a:p>
+        </p:txBody>
+      </p:sp>
+      <p:sp>
+        <p:nvSpPr>
+          <p:cNvPr id="75" name="Right Arrow 74"/>
+          <p:cNvSpPr/>
+          <p:nvPr/>
+        </p:nvSpPr>
+        <p:spPr>
+          <a:xfrm flipH="1">
+            <a:off x="5481637" y="1467562"/>
+            <a:ext cx="76200" cy="58579"/>
+          </a:xfrm>
+          <a:prstGeom prst="rightArrow">
+            <a:avLst/>
+          </a:prstGeom>
+        </p:spPr>
+        <p:style>
+          <a:lnRef idx="1">
+            <a:schemeClr val="accent3"/>
+          </a:lnRef>
+          <a:fillRef idx="3">
+            <a:schemeClr val="accent3"/>
+          </a:fillRef>
+          <a:effectRef idx="2">
+            <a:schemeClr val="accent3"/>
+          </a:effectRef>
+          <a:fontRef idx="minor">
+            <a:schemeClr val="lt1"/>
+          </a:fontRef>
+        </p:style>
+        <p:txBody>
+          <a:bodyPr rtlCol="0" anchor="ctr"/>
+          <a:lstStyle/>
+          <a:p>
+            <a:pPr algn="ctr"/>
+            <a:endParaRPr lang="en-US"/>
+          </a:p>
+        </p:txBody>
+      </p:sp>
+      <p:sp>
+        <p:nvSpPr>
+          <p:cNvPr id="76" name="TextBox 75"/>
+          <p:cNvSpPr txBox="1"/>
+          <p:nvPr/>
+        </p:nvSpPr>
+        <p:spPr>
+          <a:xfrm>
+            <a:off x="2150533" y="1600200"/>
+            <a:ext cx="838200" cy="246221"/>
+          </a:xfrm>
+          <a:prstGeom prst="rect">
+            <a:avLst/>
+          </a:prstGeom>
+          <a:noFill/>
+        </p:spPr>
+        <p:txBody>
+          <a:bodyPr wrap="square" rtlCol="0">
+            <a:spAutoFit/>
+          </a:bodyPr>
+          <a:lstStyle/>
+          <a:p>
+            <a:r>
+              <a:rPr lang="en-US" sz="1000" dirty="0" smtClean="0"/>
+              <a:t>10/10/2015</a:t>
+            </a:r>
+            <a:endParaRPr lang="en-US" sz="1000" dirty="0"/>
+          </a:p>
+        </p:txBody>
+      </p:sp>
+      <p:sp>
+        <p:nvSpPr>
+          <p:cNvPr id="77" name="TextBox 76"/>
+          <p:cNvSpPr txBox="1"/>
+          <p:nvPr/>
+        </p:nvSpPr>
+        <p:spPr>
+          <a:xfrm>
+            <a:off x="2912533" y="1600200"/>
+            <a:ext cx="1295400" cy="246221"/>
+          </a:xfrm>
+          <a:prstGeom prst="rect">
+            <a:avLst/>
+          </a:prstGeom>
+          <a:noFill/>
+        </p:spPr>
+        <p:txBody>
+          <a:bodyPr wrap="square" rtlCol="0">
+            <a:spAutoFit/>
+          </a:bodyPr>
+          <a:lstStyle/>
+          <a:p>
+            <a:r>
+              <a:rPr lang="en-US" sz="1000" dirty="0" smtClean="0"/>
+              <a:t>Withdraw</a:t>
+            </a:r>
+            <a:endParaRPr lang="en-US" sz="1000" dirty="0"/>
+          </a:p>
+        </p:txBody>
+      </p:sp>
+      <p:sp>
+        <p:nvSpPr>
+          <p:cNvPr id="79" name="TextBox 78"/>
+          <p:cNvSpPr txBox="1"/>
+          <p:nvPr/>
+        </p:nvSpPr>
+        <p:spPr>
+          <a:xfrm>
+            <a:off x="4512733" y="1600200"/>
+            <a:ext cx="914400" cy="246221"/>
+          </a:xfrm>
+          <a:prstGeom prst="rect">
+            <a:avLst/>
+          </a:prstGeom>
+          <a:noFill/>
+        </p:spPr>
+        <p:txBody>
+          <a:bodyPr wrap="square" rtlCol="0">
+            <a:spAutoFit/>
+          </a:bodyPr>
+          <a:lstStyle/>
+          <a:p>
+            <a:pPr algn="r"/>
+            <a:r>
+              <a:rPr lang="en-US" sz="1000" dirty="0" smtClean="0">
+                <a:solidFill>
+                  <a:srgbClr val="FF0000"/>
+                </a:solidFill>
+              </a:rPr>
+              <a:t>-$100,000.00</a:t>
+            </a:r>
+            <a:endParaRPr lang="en-US" sz="1000" dirty="0">
+              <a:solidFill>
+                <a:srgbClr val="FF0000"/>
               </a:solidFill>
             </a:endParaRPr>
           </a:p>

--- a/IPM_Mockup.pptx
+++ b/IPM_Mockup.pptx
@@ -4,6 +4,9 @@
   <p:sldMasterIdLst>
     <p:sldMasterId id="2147483648" r:id="rId1"/>
   </p:sldMasterIdLst>
+  <p:notesMasterIdLst>
+    <p:notesMasterId r:id="rId11"/>
+  </p:notesMasterIdLst>
   <p:sldIdLst>
     <p:sldId id="256" r:id="rId2"/>
     <p:sldId id="257" r:id="rId3"/>
@@ -12,6 +15,8 @@
     <p:sldId id="260" r:id="rId6"/>
     <p:sldId id="261" r:id="rId7"/>
     <p:sldId id="262" r:id="rId8"/>
+    <p:sldId id="263" r:id="rId9"/>
+    <p:sldId id="264" r:id="rId10"/>
   </p:sldIdLst>
   <p:sldSz cx="9144000" cy="6858000" type="screen4x3"/>
   <p:notesSz cx="6858000" cy="9144000"/>
@@ -111,6 +116,440 @@
     </a:lvl9pPr>
   </p:defaultTextStyle>
 </p:presentation>
+</file>
+
+<file path=ppt/notesMasters/notesMaster1.xml><?xml version="1.0" encoding="utf-8"?>
+<p:notesMaster xmlns:a="http://schemas.openxmlformats.org/drawingml/2006/main" xmlns:r="http://schemas.openxmlformats.org/officeDocument/2006/relationships" xmlns:p="http://schemas.openxmlformats.org/presentationml/2006/main">
+  <p:cSld>
+    <p:bg>
+      <p:bgRef idx="1001">
+        <a:schemeClr val="bg1"/>
+      </p:bgRef>
+    </p:bg>
+    <p:spTree>
+      <p:nvGrpSpPr>
+        <p:cNvPr id="1" name=""/>
+        <p:cNvGrpSpPr/>
+        <p:nvPr/>
+      </p:nvGrpSpPr>
+      <p:grpSpPr>
+        <a:xfrm>
+          <a:off x="0" y="0"/>
+          <a:ext cx="0" cy="0"/>
+          <a:chOff x="0" y="0"/>
+          <a:chExt cx="0" cy="0"/>
+        </a:xfrm>
+      </p:grpSpPr>
+      <p:sp>
+        <p:nvSpPr>
+          <p:cNvPr id="2" name="Header Placeholder 1"/>
+          <p:cNvSpPr>
+            <a:spLocks noGrp="1"/>
+          </p:cNvSpPr>
+          <p:nvPr>
+            <p:ph type="hdr" sz="quarter"/>
+          </p:nvPr>
+        </p:nvSpPr>
+        <p:spPr>
+          <a:xfrm>
+            <a:off x="0" y="0"/>
+            <a:ext cx="2971800" cy="457200"/>
+          </a:xfrm>
+          <a:prstGeom prst="rect">
+            <a:avLst/>
+          </a:prstGeom>
+        </p:spPr>
+        <p:txBody>
+          <a:bodyPr vert="horz" lIns="91440" tIns="45720" rIns="91440" bIns="45720" rtlCol="0"/>
+          <a:lstStyle>
+            <a:lvl1pPr algn="l">
+              <a:defRPr sz="1200"/>
+            </a:lvl1pPr>
+          </a:lstStyle>
+          <a:p>
+            <a:endParaRPr lang="en-US"/>
+          </a:p>
+        </p:txBody>
+      </p:sp>
+      <p:sp>
+        <p:nvSpPr>
+          <p:cNvPr id="3" name="Date Placeholder 2"/>
+          <p:cNvSpPr>
+            <a:spLocks noGrp="1"/>
+          </p:cNvSpPr>
+          <p:nvPr>
+            <p:ph type="dt" idx="1"/>
+          </p:nvPr>
+        </p:nvSpPr>
+        <p:spPr>
+          <a:xfrm>
+            <a:off x="3884613" y="0"/>
+            <a:ext cx="2971800" cy="457200"/>
+          </a:xfrm>
+          <a:prstGeom prst="rect">
+            <a:avLst/>
+          </a:prstGeom>
+        </p:spPr>
+        <p:txBody>
+          <a:bodyPr vert="horz" lIns="91440" tIns="45720" rIns="91440" bIns="45720" rtlCol="0"/>
+          <a:lstStyle>
+            <a:lvl1pPr algn="r">
+              <a:defRPr sz="1200"/>
+            </a:lvl1pPr>
+          </a:lstStyle>
+          <a:p>
+            <a:fld id="{642EBFA8-2302-4239-AB49-C5D0BEEAEFA2}" type="datetimeFigureOut">
+              <a:rPr lang="en-US" smtClean="0"/>
+              <a:t>12/4/2015</a:t>
+            </a:fld>
+            <a:endParaRPr lang="en-US"/>
+          </a:p>
+        </p:txBody>
+      </p:sp>
+      <p:sp>
+        <p:nvSpPr>
+          <p:cNvPr id="4" name="Slide Image Placeholder 3"/>
+          <p:cNvSpPr>
+            <a:spLocks noGrp="1" noRot="1" noChangeAspect="1"/>
+          </p:cNvSpPr>
+          <p:nvPr>
+            <p:ph type="sldImg" idx="2"/>
+          </p:nvPr>
+        </p:nvSpPr>
+        <p:spPr>
+          <a:xfrm>
+            <a:off x="1143000" y="685800"/>
+            <a:ext cx="4572000" cy="3429000"/>
+          </a:xfrm>
+          <a:prstGeom prst="rect">
+            <a:avLst/>
+          </a:prstGeom>
+          <a:noFill/>
+          <a:ln w="12700">
+            <a:solidFill>
+              <a:prstClr val="black"/>
+            </a:solidFill>
+          </a:ln>
+        </p:spPr>
+        <p:txBody>
+          <a:bodyPr vert="horz" lIns="91440" tIns="45720" rIns="91440" bIns="45720" rtlCol="0" anchor="ctr"/>
+          <a:lstStyle/>
+          <a:p>
+            <a:endParaRPr lang="en-US"/>
+          </a:p>
+        </p:txBody>
+      </p:sp>
+      <p:sp>
+        <p:nvSpPr>
+          <p:cNvPr id="5" name="Notes Placeholder 4"/>
+          <p:cNvSpPr>
+            <a:spLocks noGrp="1"/>
+          </p:cNvSpPr>
+          <p:nvPr>
+            <p:ph type="body" sz="quarter" idx="3"/>
+          </p:nvPr>
+        </p:nvSpPr>
+        <p:spPr>
+          <a:xfrm>
+            <a:off x="685800" y="4343400"/>
+            <a:ext cx="5486400" cy="4114800"/>
+          </a:xfrm>
+          <a:prstGeom prst="rect">
+            <a:avLst/>
+          </a:prstGeom>
+        </p:spPr>
+        <p:txBody>
+          <a:bodyPr vert="horz" lIns="91440" tIns="45720" rIns="91440" bIns="45720" rtlCol="0"/>
+          <a:lstStyle/>
+          <a:p>
+            <a:pPr lvl="0"/>
+            <a:r>
+              <a:rPr lang="en-US" smtClean="0"/>
+              <a:t>Click to edit Master text styles</a:t>
+            </a:r>
+          </a:p>
+          <a:p>
+            <a:pPr lvl="1"/>
+            <a:r>
+              <a:rPr lang="en-US" smtClean="0"/>
+              <a:t>Second level</a:t>
+            </a:r>
+          </a:p>
+          <a:p>
+            <a:pPr lvl="2"/>
+            <a:r>
+              <a:rPr lang="en-US" smtClean="0"/>
+              <a:t>Third level</a:t>
+            </a:r>
+          </a:p>
+          <a:p>
+            <a:pPr lvl="3"/>
+            <a:r>
+              <a:rPr lang="en-US" smtClean="0"/>
+              <a:t>Fourth level</a:t>
+            </a:r>
+          </a:p>
+          <a:p>
+            <a:pPr lvl="4"/>
+            <a:r>
+              <a:rPr lang="en-US" smtClean="0"/>
+              <a:t>Fifth level</a:t>
+            </a:r>
+            <a:endParaRPr lang="en-US"/>
+          </a:p>
+        </p:txBody>
+      </p:sp>
+      <p:sp>
+        <p:nvSpPr>
+          <p:cNvPr id="6" name="Footer Placeholder 5"/>
+          <p:cNvSpPr>
+            <a:spLocks noGrp="1"/>
+          </p:cNvSpPr>
+          <p:nvPr>
+            <p:ph type="ftr" sz="quarter" idx="4"/>
+          </p:nvPr>
+        </p:nvSpPr>
+        <p:spPr>
+          <a:xfrm>
+            <a:off x="0" y="8685213"/>
+            <a:ext cx="2971800" cy="457200"/>
+          </a:xfrm>
+          <a:prstGeom prst="rect">
+            <a:avLst/>
+          </a:prstGeom>
+        </p:spPr>
+        <p:txBody>
+          <a:bodyPr vert="horz" lIns="91440" tIns="45720" rIns="91440" bIns="45720" rtlCol="0" anchor="b"/>
+          <a:lstStyle>
+            <a:lvl1pPr algn="l">
+              <a:defRPr sz="1200"/>
+            </a:lvl1pPr>
+          </a:lstStyle>
+          <a:p>
+            <a:endParaRPr lang="en-US"/>
+          </a:p>
+        </p:txBody>
+      </p:sp>
+      <p:sp>
+        <p:nvSpPr>
+          <p:cNvPr id="7" name="Slide Number Placeholder 6"/>
+          <p:cNvSpPr>
+            <a:spLocks noGrp="1"/>
+          </p:cNvSpPr>
+          <p:nvPr>
+            <p:ph type="sldNum" sz="quarter" idx="5"/>
+          </p:nvPr>
+        </p:nvSpPr>
+        <p:spPr>
+          <a:xfrm>
+            <a:off x="3884613" y="8685213"/>
+            <a:ext cx="2971800" cy="457200"/>
+          </a:xfrm>
+          <a:prstGeom prst="rect">
+            <a:avLst/>
+          </a:prstGeom>
+        </p:spPr>
+        <p:txBody>
+          <a:bodyPr vert="horz" lIns="91440" tIns="45720" rIns="91440" bIns="45720" rtlCol="0" anchor="b"/>
+          <a:lstStyle>
+            <a:lvl1pPr algn="r">
+              <a:defRPr sz="1200"/>
+            </a:lvl1pPr>
+          </a:lstStyle>
+          <a:p>
+            <a:fld id="{5FAEEF06-D3EC-4005-A66E-EB23D30F4A21}" type="slidenum">
+              <a:rPr lang="en-US" smtClean="0"/>
+              <a:t>‹#›</a:t>
+            </a:fld>
+            <a:endParaRPr lang="en-US"/>
+          </a:p>
+        </p:txBody>
+      </p:sp>
+    </p:spTree>
+    <p:extLst>
+      <p:ext uri="{BB962C8B-B14F-4D97-AF65-F5344CB8AC3E}">
+        <p14:creationId xmlns:p14="http://schemas.microsoft.com/office/powerpoint/2010/main" val="2171530603"/>
+      </p:ext>
+    </p:extLst>
+  </p:cSld>
+  <p:clrMap bg1="lt1" tx1="dk1" bg2="lt2" tx2="dk2" accent1="accent1" accent2="accent2" accent3="accent3" accent4="accent4" accent5="accent5" accent6="accent6" hlink="hlink" folHlink="folHlink"/>
+  <p:notesStyle>
+    <a:lvl1pPr marL="0" algn="l" defTabSz="914400" rtl="0" eaLnBrk="1" latinLnBrk="0" hangingPunct="1">
+      <a:defRPr sz="1200" kern="1200">
+        <a:solidFill>
+          <a:schemeClr val="tx1"/>
+        </a:solidFill>
+        <a:latin typeface="+mn-lt"/>
+        <a:ea typeface="+mn-ea"/>
+        <a:cs typeface="+mn-cs"/>
+      </a:defRPr>
+    </a:lvl1pPr>
+    <a:lvl2pPr marL="457200" algn="l" defTabSz="914400" rtl="0" eaLnBrk="1" latinLnBrk="0" hangingPunct="1">
+      <a:defRPr sz="1200" kern="1200">
+        <a:solidFill>
+          <a:schemeClr val="tx1"/>
+        </a:solidFill>
+        <a:latin typeface="+mn-lt"/>
+        <a:ea typeface="+mn-ea"/>
+        <a:cs typeface="+mn-cs"/>
+      </a:defRPr>
+    </a:lvl2pPr>
+    <a:lvl3pPr marL="914400" algn="l" defTabSz="914400" rtl="0" eaLnBrk="1" latinLnBrk="0" hangingPunct="1">
+      <a:defRPr sz="1200" kern="1200">
+        <a:solidFill>
+          <a:schemeClr val="tx1"/>
+        </a:solidFill>
+        <a:latin typeface="+mn-lt"/>
+        <a:ea typeface="+mn-ea"/>
+        <a:cs typeface="+mn-cs"/>
+      </a:defRPr>
+    </a:lvl3pPr>
+    <a:lvl4pPr marL="1371600" algn="l" defTabSz="914400" rtl="0" eaLnBrk="1" latinLnBrk="0" hangingPunct="1">
+      <a:defRPr sz="1200" kern="1200">
+        <a:solidFill>
+          <a:schemeClr val="tx1"/>
+        </a:solidFill>
+        <a:latin typeface="+mn-lt"/>
+        <a:ea typeface="+mn-ea"/>
+        <a:cs typeface="+mn-cs"/>
+      </a:defRPr>
+    </a:lvl4pPr>
+    <a:lvl5pPr marL="1828800" algn="l" defTabSz="914400" rtl="0" eaLnBrk="1" latinLnBrk="0" hangingPunct="1">
+      <a:defRPr sz="1200" kern="1200">
+        <a:solidFill>
+          <a:schemeClr val="tx1"/>
+        </a:solidFill>
+        <a:latin typeface="+mn-lt"/>
+        <a:ea typeface="+mn-ea"/>
+        <a:cs typeface="+mn-cs"/>
+      </a:defRPr>
+    </a:lvl5pPr>
+    <a:lvl6pPr marL="2286000" algn="l" defTabSz="914400" rtl="0" eaLnBrk="1" latinLnBrk="0" hangingPunct="1">
+      <a:defRPr sz="1200" kern="1200">
+        <a:solidFill>
+          <a:schemeClr val="tx1"/>
+        </a:solidFill>
+        <a:latin typeface="+mn-lt"/>
+        <a:ea typeface="+mn-ea"/>
+        <a:cs typeface="+mn-cs"/>
+      </a:defRPr>
+    </a:lvl6pPr>
+    <a:lvl7pPr marL="2743200" algn="l" defTabSz="914400" rtl="0" eaLnBrk="1" latinLnBrk="0" hangingPunct="1">
+      <a:defRPr sz="1200" kern="1200">
+        <a:solidFill>
+          <a:schemeClr val="tx1"/>
+        </a:solidFill>
+        <a:latin typeface="+mn-lt"/>
+        <a:ea typeface="+mn-ea"/>
+        <a:cs typeface="+mn-cs"/>
+      </a:defRPr>
+    </a:lvl7pPr>
+    <a:lvl8pPr marL="3200400" algn="l" defTabSz="914400" rtl="0" eaLnBrk="1" latinLnBrk="0" hangingPunct="1">
+      <a:defRPr sz="1200" kern="1200">
+        <a:solidFill>
+          <a:schemeClr val="tx1"/>
+        </a:solidFill>
+        <a:latin typeface="+mn-lt"/>
+        <a:ea typeface="+mn-ea"/>
+        <a:cs typeface="+mn-cs"/>
+      </a:defRPr>
+    </a:lvl8pPr>
+    <a:lvl9pPr marL="3657600" algn="l" defTabSz="914400" rtl="0" eaLnBrk="1" latinLnBrk="0" hangingPunct="1">
+      <a:defRPr sz="1200" kern="1200">
+        <a:solidFill>
+          <a:schemeClr val="tx1"/>
+        </a:solidFill>
+        <a:latin typeface="+mn-lt"/>
+        <a:ea typeface="+mn-ea"/>
+        <a:cs typeface="+mn-cs"/>
+      </a:defRPr>
+    </a:lvl9pPr>
+  </p:notesStyle>
+</p:notesMaster>
+</file>
+
+<file path=ppt/notesSlides/notesSlide1.xml><?xml version="1.0" encoding="utf-8"?>
+<p:notes xmlns:a="http://schemas.openxmlformats.org/drawingml/2006/main" xmlns:r="http://schemas.openxmlformats.org/officeDocument/2006/relationships" xmlns:p="http://schemas.openxmlformats.org/presentationml/2006/main">
+  <p:cSld>
+    <p:spTree>
+      <p:nvGrpSpPr>
+        <p:cNvPr id="1" name=""/>
+        <p:cNvGrpSpPr/>
+        <p:nvPr/>
+      </p:nvGrpSpPr>
+      <p:grpSpPr>
+        <a:xfrm>
+          <a:off x="0" y="0"/>
+          <a:ext cx="0" cy="0"/>
+          <a:chOff x="0" y="0"/>
+          <a:chExt cx="0" cy="0"/>
+        </a:xfrm>
+      </p:grpSpPr>
+      <p:sp>
+        <p:nvSpPr>
+          <p:cNvPr id="2" name="Slide Image Placeholder 1"/>
+          <p:cNvSpPr>
+            <a:spLocks noGrp="1" noRot="1" noChangeAspect="1"/>
+          </p:cNvSpPr>
+          <p:nvPr>
+            <p:ph type="sldImg"/>
+          </p:nvPr>
+        </p:nvSpPr>
+        <p:spPr/>
+      </p:sp>
+      <p:sp>
+        <p:nvSpPr>
+          <p:cNvPr id="3" name="Notes Placeholder 2"/>
+          <p:cNvSpPr>
+            <a:spLocks noGrp="1"/>
+          </p:cNvSpPr>
+          <p:nvPr>
+            <p:ph type="body" idx="1"/>
+          </p:nvPr>
+        </p:nvSpPr>
+        <p:spPr/>
+        <p:txBody>
+          <a:bodyPr/>
+          <a:lstStyle/>
+          <a:p>
+            <a:endParaRPr lang="en-US" dirty="0"/>
+          </a:p>
+        </p:txBody>
+      </p:sp>
+      <p:sp>
+        <p:nvSpPr>
+          <p:cNvPr id="4" name="Slide Number Placeholder 3"/>
+          <p:cNvSpPr>
+            <a:spLocks noGrp="1"/>
+          </p:cNvSpPr>
+          <p:nvPr>
+            <p:ph type="sldNum" sz="quarter" idx="10"/>
+          </p:nvPr>
+        </p:nvSpPr>
+        <p:spPr/>
+        <p:txBody>
+          <a:bodyPr/>
+          <a:lstStyle/>
+          <a:p>
+            <a:fld id="{5FAEEF06-D3EC-4005-A66E-EB23D30F4A21}" type="slidenum">
+              <a:rPr lang="en-US" smtClean="0"/>
+              <a:t>8</a:t>
+            </a:fld>
+            <a:endParaRPr lang="en-US"/>
+          </a:p>
+        </p:txBody>
+      </p:sp>
+    </p:spTree>
+    <p:extLst>
+      <p:ext uri="{BB962C8B-B14F-4D97-AF65-F5344CB8AC3E}">
+        <p14:creationId xmlns:p14="http://schemas.microsoft.com/office/powerpoint/2010/main" val="1373754612"/>
+      </p:ext>
+    </p:extLst>
+  </p:cSld>
+  <p:clrMapOvr>
+    <a:masterClrMapping/>
+  </p:clrMapOvr>
+</p:notes>
 </file>
 
 <file path=ppt/slideLayouts/slideLayout1.xml><?xml version="1.0" encoding="utf-8"?>
@@ -5991,7 +6430,7 @@
         </p:nvSpPr>
         <p:spPr>
           <a:xfrm>
-            <a:off x="6781800" y="4182070"/>
+            <a:off x="6819900" y="4191000"/>
             <a:ext cx="838200" cy="369332"/>
           </a:xfrm>
           <a:prstGeom prst="rect">
@@ -11868,11 +12307,7 @@
           <a:p>
             <a:r>
               <a:rPr lang="en-US" sz="1000" dirty="0" smtClean="0"/>
-              <a:t>MSFT </a:t>
-            </a:r>
-            <a:r>
-              <a:rPr lang="en-US" sz="1000" dirty="0" smtClean="0"/>
-              <a:t>dividend</a:t>
+              <a:t>MSFT dividend</a:t>
             </a:r>
             <a:endParaRPr lang="en-US" sz="1000" dirty="0"/>
           </a:p>
@@ -11905,7 +12340,6 @@
               <a:rPr lang="en-US" sz="1000" dirty="0" smtClean="0"/>
               <a:t>$489.00</a:t>
             </a:r>
-            <a:endParaRPr lang="en-US" sz="1000" dirty="0" smtClean="0"/>
           </a:p>
         </p:txBody>
       </p:sp>
@@ -11987,44 +12421,6 @@
       </p:sp>
       <p:sp>
         <p:nvSpPr>
-          <p:cNvPr id="49" name="TextBox 48"/>
-          <p:cNvSpPr txBox="1"/>
-          <p:nvPr/>
-        </p:nvSpPr>
-        <p:spPr>
-          <a:xfrm>
-            <a:off x="152400" y="5486400"/>
-            <a:ext cx="1905000" cy="307777"/>
-          </a:xfrm>
-          <a:prstGeom prst="rect">
-            <a:avLst/>
-          </a:prstGeom>
-          <a:noFill/>
-        </p:spPr>
-        <p:txBody>
-          <a:bodyPr wrap="square" rtlCol="0">
-            <a:spAutoFit/>
-          </a:bodyPr>
-          <a:lstStyle/>
-          <a:p>
-            <a:r>
-              <a:rPr lang="en-US" sz="1400" dirty="0" smtClean="0">
-                <a:solidFill>
-                  <a:schemeClr val="bg1"/>
-                </a:solidFill>
-              </a:rPr>
-              <a:t>Cash transaction…</a:t>
-            </a:r>
-            <a:endParaRPr lang="en-US" sz="1400" dirty="0">
-              <a:solidFill>
-                <a:schemeClr val="bg1"/>
-              </a:solidFill>
-            </a:endParaRPr>
-          </a:p>
-        </p:txBody>
-      </p:sp>
-      <p:sp>
-        <p:nvSpPr>
           <p:cNvPr id="50" name="TextBox 49"/>
           <p:cNvSpPr txBox="1"/>
           <p:nvPr/>
@@ -12107,7 +12503,7 @@
         </p:nvCxnSpPr>
         <p:spPr>
           <a:xfrm>
-            <a:off x="228600" y="5410200"/>
+            <a:off x="228600" y="5791200"/>
             <a:ext cx="1752600" cy="0"/>
           </a:xfrm>
           <a:prstGeom prst="line">
@@ -12341,11 +12737,7 @@
           <a:p>
             <a:r>
               <a:rPr lang="en-US" sz="1000" dirty="0" smtClean="0"/>
-              <a:t>MSFT </a:t>
-            </a:r>
-            <a:r>
-              <a:rPr lang="en-US" sz="1000" dirty="0" smtClean="0"/>
-              <a:t>sell</a:t>
+              <a:t>MSFT sell</a:t>
             </a:r>
             <a:endParaRPr lang="en-US" sz="1000" dirty="0"/>
           </a:p>
@@ -12378,7 +12770,6 @@
               <a:rPr lang="en-US" sz="1000" dirty="0" smtClean="0"/>
               <a:t>$6,422.00</a:t>
             </a:r>
-            <a:endParaRPr lang="en-US" sz="1000" dirty="0" smtClean="0"/>
           </a:p>
         </p:txBody>
       </p:sp>
@@ -12519,7 +12910,6063 @@
           </a:p>
         </p:txBody>
       </p:sp>
+      <p:sp>
+        <p:nvSpPr>
+          <p:cNvPr id="65" name="Rectangle 64"/>
+          <p:cNvSpPr/>
+          <p:nvPr/>
+        </p:nvSpPr>
+        <p:spPr>
+          <a:xfrm>
+            <a:off x="2895600" y="3200400"/>
+            <a:ext cx="5791200" cy="228600"/>
+          </a:xfrm>
+          <a:prstGeom prst="rect">
+            <a:avLst/>
+          </a:prstGeom>
+          <a:solidFill>
+            <a:srgbClr val="C6D9F1">
+              <a:alpha val="30196"/>
+            </a:srgbClr>
+          </a:solidFill>
+          <a:ln>
+            <a:noFill/>
+          </a:ln>
+        </p:spPr>
+        <p:style>
+          <a:lnRef idx="2">
+            <a:schemeClr val="accent1">
+              <a:shade val="50000"/>
+            </a:schemeClr>
+          </a:lnRef>
+          <a:fillRef idx="1">
+            <a:schemeClr val="accent1"/>
+          </a:fillRef>
+          <a:effectRef idx="0">
+            <a:schemeClr val="accent1"/>
+          </a:effectRef>
+          <a:fontRef idx="minor">
+            <a:schemeClr val="lt1"/>
+          </a:fontRef>
+        </p:style>
+        <p:txBody>
+          <a:bodyPr rtlCol="0" anchor="ctr"/>
+          <a:lstStyle/>
+          <a:p>
+            <a:pPr algn="ctr"/>
+            <a:endParaRPr lang="en-US"/>
+          </a:p>
+        </p:txBody>
+      </p:sp>
+      <p:sp>
+        <p:nvSpPr>
+          <p:cNvPr id="66" name="Rectangle 65"/>
+          <p:cNvSpPr/>
+          <p:nvPr/>
+        </p:nvSpPr>
+        <p:spPr>
+          <a:xfrm>
+            <a:off x="2895600" y="3657600"/>
+            <a:ext cx="5791200" cy="228600"/>
+          </a:xfrm>
+          <a:prstGeom prst="rect">
+            <a:avLst/>
+          </a:prstGeom>
+          <a:solidFill>
+            <a:srgbClr val="C6D9F1">
+              <a:alpha val="30196"/>
+            </a:srgbClr>
+          </a:solidFill>
+          <a:ln>
+            <a:noFill/>
+          </a:ln>
+        </p:spPr>
+        <p:style>
+          <a:lnRef idx="2">
+            <a:schemeClr val="accent1">
+              <a:shade val="50000"/>
+            </a:schemeClr>
+          </a:lnRef>
+          <a:fillRef idx="1">
+            <a:schemeClr val="accent1"/>
+          </a:fillRef>
+          <a:effectRef idx="0">
+            <a:schemeClr val="accent1"/>
+          </a:effectRef>
+          <a:fontRef idx="minor">
+            <a:schemeClr val="lt1"/>
+          </a:fontRef>
+        </p:style>
+        <p:txBody>
+          <a:bodyPr rtlCol="0" anchor="ctr"/>
+          <a:lstStyle/>
+          <a:p>
+            <a:pPr algn="ctr"/>
+            <a:endParaRPr lang="en-US"/>
+          </a:p>
+        </p:txBody>
+      </p:sp>
+      <p:sp>
+        <p:nvSpPr>
+          <p:cNvPr id="80" name="Rectangle 79"/>
+          <p:cNvSpPr/>
+          <p:nvPr/>
+        </p:nvSpPr>
+        <p:spPr>
+          <a:xfrm>
+            <a:off x="2895600" y="4114800"/>
+            <a:ext cx="5791200" cy="228600"/>
+          </a:xfrm>
+          <a:prstGeom prst="rect">
+            <a:avLst/>
+          </a:prstGeom>
+          <a:solidFill>
+            <a:srgbClr val="C6D9F1">
+              <a:alpha val="30196"/>
+            </a:srgbClr>
+          </a:solidFill>
+          <a:ln>
+            <a:noFill/>
+          </a:ln>
+        </p:spPr>
+        <p:style>
+          <a:lnRef idx="2">
+            <a:schemeClr val="accent1">
+              <a:shade val="50000"/>
+            </a:schemeClr>
+          </a:lnRef>
+          <a:fillRef idx="1">
+            <a:schemeClr val="accent1"/>
+          </a:fillRef>
+          <a:effectRef idx="0">
+            <a:schemeClr val="accent1"/>
+          </a:effectRef>
+          <a:fontRef idx="minor">
+            <a:schemeClr val="lt1"/>
+          </a:fontRef>
+        </p:style>
+        <p:txBody>
+          <a:bodyPr rtlCol="0" anchor="ctr"/>
+          <a:lstStyle/>
+          <a:p>
+            <a:pPr algn="ctr"/>
+            <a:endParaRPr lang="en-US"/>
+          </a:p>
+        </p:txBody>
+      </p:sp>
+      <p:sp>
+        <p:nvSpPr>
+          <p:cNvPr id="81" name="Rectangle 80"/>
+          <p:cNvSpPr/>
+          <p:nvPr/>
+        </p:nvSpPr>
+        <p:spPr>
+          <a:xfrm>
+            <a:off x="2895600" y="4572000"/>
+            <a:ext cx="5791200" cy="228600"/>
+          </a:xfrm>
+          <a:prstGeom prst="rect">
+            <a:avLst/>
+          </a:prstGeom>
+          <a:solidFill>
+            <a:srgbClr val="C6D9F1">
+              <a:alpha val="30196"/>
+            </a:srgbClr>
+          </a:solidFill>
+          <a:ln>
+            <a:noFill/>
+          </a:ln>
+        </p:spPr>
+        <p:style>
+          <a:lnRef idx="2">
+            <a:schemeClr val="accent1">
+              <a:shade val="50000"/>
+            </a:schemeClr>
+          </a:lnRef>
+          <a:fillRef idx="1">
+            <a:schemeClr val="accent1"/>
+          </a:fillRef>
+          <a:effectRef idx="0">
+            <a:schemeClr val="accent1"/>
+          </a:effectRef>
+          <a:fontRef idx="minor">
+            <a:schemeClr val="lt1"/>
+          </a:fontRef>
+        </p:style>
+        <p:txBody>
+          <a:bodyPr rtlCol="0" anchor="ctr"/>
+          <a:lstStyle/>
+          <a:p>
+            <a:pPr algn="ctr"/>
+            <a:endParaRPr lang="en-US"/>
+          </a:p>
+        </p:txBody>
+      </p:sp>
+      <p:sp>
+        <p:nvSpPr>
+          <p:cNvPr id="82" name="Rectangle 81"/>
+          <p:cNvSpPr/>
+          <p:nvPr/>
+        </p:nvSpPr>
+        <p:spPr>
+          <a:xfrm>
+            <a:off x="2895600" y="5029200"/>
+            <a:ext cx="5791200" cy="228600"/>
+          </a:xfrm>
+          <a:prstGeom prst="rect">
+            <a:avLst/>
+          </a:prstGeom>
+          <a:solidFill>
+            <a:srgbClr val="C6D9F1">
+              <a:alpha val="30196"/>
+            </a:srgbClr>
+          </a:solidFill>
+          <a:ln>
+            <a:noFill/>
+          </a:ln>
+        </p:spPr>
+        <p:style>
+          <a:lnRef idx="2">
+            <a:schemeClr val="accent1">
+              <a:shade val="50000"/>
+            </a:schemeClr>
+          </a:lnRef>
+          <a:fillRef idx="1">
+            <a:schemeClr val="accent1"/>
+          </a:fillRef>
+          <a:effectRef idx="0">
+            <a:schemeClr val="accent1"/>
+          </a:effectRef>
+          <a:fontRef idx="minor">
+            <a:schemeClr val="lt1"/>
+          </a:fontRef>
+        </p:style>
+        <p:txBody>
+          <a:bodyPr rtlCol="0" anchor="ctr"/>
+          <a:lstStyle/>
+          <a:p>
+            <a:pPr algn="ctr"/>
+            <a:endParaRPr lang="en-US"/>
+          </a:p>
+        </p:txBody>
+      </p:sp>
+      <p:sp>
+        <p:nvSpPr>
+          <p:cNvPr id="83" name="Rectangle 82"/>
+          <p:cNvSpPr/>
+          <p:nvPr/>
+        </p:nvSpPr>
+        <p:spPr>
+          <a:xfrm>
+            <a:off x="2895600" y="5486400"/>
+            <a:ext cx="5791200" cy="228600"/>
+          </a:xfrm>
+          <a:prstGeom prst="rect">
+            <a:avLst/>
+          </a:prstGeom>
+          <a:solidFill>
+            <a:srgbClr val="C6D9F1">
+              <a:alpha val="30196"/>
+            </a:srgbClr>
+          </a:solidFill>
+          <a:ln>
+            <a:noFill/>
+          </a:ln>
+        </p:spPr>
+        <p:style>
+          <a:lnRef idx="2">
+            <a:schemeClr val="accent1">
+              <a:shade val="50000"/>
+            </a:schemeClr>
+          </a:lnRef>
+          <a:fillRef idx="1">
+            <a:schemeClr val="accent1"/>
+          </a:fillRef>
+          <a:effectRef idx="0">
+            <a:schemeClr val="accent1"/>
+          </a:effectRef>
+          <a:fontRef idx="minor">
+            <a:schemeClr val="lt1"/>
+          </a:fontRef>
+        </p:style>
+        <p:txBody>
+          <a:bodyPr rtlCol="0" anchor="ctr"/>
+          <a:lstStyle/>
+          <a:p>
+            <a:pPr algn="ctr"/>
+            <a:endParaRPr lang="en-US"/>
+          </a:p>
+        </p:txBody>
+      </p:sp>
+      <p:sp>
+        <p:nvSpPr>
+          <p:cNvPr id="84" name="Rectangle 83"/>
+          <p:cNvSpPr/>
+          <p:nvPr/>
+        </p:nvSpPr>
+        <p:spPr>
+          <a:xfrm>
+            <a:off x="2895600" y="5943600"/>
+            <a:ext cx="5791200" cy="228600"/>
+          </a:xfrm>
+          <a:prstGeom prst="rect">
+            <a:avLst/>
+          </a:prstGeom>
+          <a:solidFill>
+            <a:srgbClr val="C6D9F1">
+              <a:alpha val="30196"/>
+            </a:srgbClr>
+          </a:solidFill>
+          <a:ln>
+            <a:noFill/>
+          </a:ln>
+        </p:spPr>
+        <p:style>
+          <a:lnRef idx="2">
+            <a:schemeClr val="accent1">
+              <a:shade val="50000"/>
+            </a:schemeClr>
+          </a:lnRef>
+          <a:fillRef idx="1">
+            <a:schemeClr val="accent1"/>
+          </a:fillRef>
+          <a:effectRef idx="0">
+            <a:schemeClr val="accent1"/>
+          </a:effectRef>
+          <a:fontRef idx="minor">
+            <a:schemeClr val="lt1"/>
+          </a:fontRef>
+        </p:style>
+        <p:txBody>
+          <a:bodyPr rtlCol="0" anchor="ctr"/>
+          <a:lstStyle/>
+          <a:p>
+            <a:pPr algn="ctr"/>
+            <a:endParaRPr lang="en-US"/>
+          </a:p>
+        </p:txBody>
+      </p:sp>
     </p:spTree>
+  </p:cSld>
+  <p:clrMapOvr>
+    <a:masterClrMapping/>
+  </p:clrMapOvr>
+  <p:timing>
+    <p:tnLst>
+      <p:par>
+        <p:cTn id="1" dur="indefinite" restart="never" nodeType="tmRoot"/>
+      </p:par>
+    </p:tnLst>
+  </p:timing>
+</p:sld>
+</file>
+
+<file path=ppt/slides/slide8.xml><?xml version="1.0" encoding="utf-8"?>
+<p:sld xmlns:a="http://schemas.openxmlformats.org/drawingml/2006/main" xmlns:r="http://schemas.openxmlformats.org/officeDocument/2006/relationships" xmlns:p="http://schemas.openxmlformats.org/presentationml/2006/main">
+  <p:cSld>
+    <p:spTree>
+      <p:nvGrpSpPr>
+        <p:cNvPr id="1" name=""/>
+        <p:cNvGrpSpPr/>
+        <p:nvPr/>
+      </p:nvGrpSpPr>
+      <p:grpSpPr>
+        <a:xfrm>
+          <a:off x="0" y="0"/>
+          <a:ext cx="0" cy="0"/>
+          <a:chOff x="0" y="0"/>
+          <a:chExt cx="0" cy="0"/>
+        </a:xfrm>
+      </p:grpSpPr>
+      <p:sp>
+        <p:nvSpPr>
+          <p:cNvPr id="78" name="Rectangle 77"/>
+          <p:cNvSpPr/>
+          <p:nvPr/>
+        </p:nvSpPr>
+        <p:spPr>
+          <a:xfrm>
+            <a:off x="152400" y="685800"/>
+            <a:ext cx="1905000" cy="6019800"/>
+          </a:xfrm>
+          <a:prstGeom prst="rect">
+            <a:avLst/>
+          </a:prstGeom>
+        </p:spPr>
+        <p:style>
+          <a:lnRef idx="2">
+            <a:schemeClr val="accent1">
+              <a:shade val="50000"/>
+            </a:schemeClr>
+          </a:lnRef>
+          <a:fillRef idx="1">
+            <a:schemeClr val="accent1"/>
+          </a:fillRef>
+          <a:effectRef idx="0">
+            <a:schemeClr val="accent1"/>
+          </a:effectRef>
+          <a:fontRef idx="minor">
+            <a:schemeClr val="lt1"/>
+          </a:fontRef>
+        </p:style>
+        <p:txBody>
+          <a:bodyPr rtlCol="0" anchor="ctr"/>
+          <a:lstStyle/>
+          <a:p>
+            <a:pPr algn="ctr"/>
+            <a:endParaRPr lang="en-US"/>
+          </a:p>
+        </p:txBody>
+      </p:sp>
+      <p:sp>
+        <p:nvSpPr>
+          <p:cNvPr id="6" name="Rectangle 5"/>
+          <p:cNvSpPr/>
+          <p:nvPr/>
+        </p:nvSpPr>
+        <p:spPr>
+          <a:xfrm>
+            <a:off x="152400" y="152400"/>
+            <a:ext cx="1905000" cy="457200"/>
+          </a:xfrm>
+          <a:prstGeom prst="rect">
+            <a:avLst/>
+          </a:prstGeom>
+          <a:solidFill>
+            <a:schemeClr val="bg1">
+              <a:lumMod val="95000"/>
+            </a:schemeClr>
+          </a:solidFill>
+          <a:ln w="19050"/>
+        </p:spPr>
+        <p:style>
+          <a:lnRef idx="2">
+            <a:schemeClr val="accent1"/>
+          </a:lnRef>
+          <a:fillRef idx="1">
+            <a:schemeClr val="lt1"/>
+          </a:fillRef>
+          <a:effectRef idx="0">
+            <a:schemeClr val="accent1"/>
+          </a:effectRef>
+          <a:fontRef idx="minor">
+            <a:schemeClr val="dk1"/>
+          </a:fontRef>
+        </p:style>
+        <p:txBody>
+          <a:bodyPr rtlCol="0" anchor="ctr"/>
+          <a:lstStyle/>
+          <a:p>
+            <a:pPr algn="ctr"/>
+            <a:r>
+              <a:rPr lang="en-US" sz="1200" dirty="0" smtClean="0"/>
+              <a:t>Max’s Portfolio</a:t>
+            </a:r>
+            <a:endParaRPr lang="en-US" sz="1200" dirty="0"/>
+          </a:p>
+        </p:txBody>
+      </p:sp>
+      <p:sp>
+        <p:nvSpPr>
+          <p:cNvPr id="91" name="Rectangle 90"/>
+          <p:cNvSpPr/>
+          <p:nvPr/>
+        </p:nvSpPr>
+        <p:spPr>
+          <a:xfrm>
+            <a:off x="2133600" y="152400"/>
+            <a:ext cx="6858000" cy="457200"/>
+          </a:xfrm>
+          <a:prstGeom prst="rect">
+            <a:avLst/>
+          </a:prstGeom>
+          <a:solidFill>
+            <a:schemeClr val="bg1">
+              <a:lumMod val="95000"/>
+            </a:schemeClr>
+          </a:solidFill>
+          <a:ln w="19050"/>
+        </p:spPr>
+        <p:style>
+          <a:lnRef idx="2">
+            <a:schemeClr val="accent1"/>
+          </a:lnRef>
+          <a:fillRef idx="1">
+            <a:schemeClr val="lt1"/>
+          </a:fillRef>
+          <a:effectRef idx="0">
+            <a:schemeClr val="accent1"/>
+          </a:effectRef>
+          <a:fontRef idx="minor">
+            <a:schemeClr val="dk1"/>
+          </a:fontRef>
+        </p:style>
+        <p:txBody>
+          <a:bodyPr rtlCol="0" anchor="ctr"/>
+          <a:lstStyle/>
+          <a:p>
+            <a:pPr algn="ctr"/>
+            <a:r>
+              <a:rPr lang="en-US" sz="2400" dirty="0" smtClean="0"/>
+              <a:t>RBC RESP DI</a:t>
+            </a:r>
+            <a:endParaRPr lang="en-US" sz="2400" dirty="0"/>
+          </a:p>
+        </p:txBody>
+      </p:sp>
+      <p:sp>
+        <p:nvSpPr>
+          <p:cNvPr id="92" name="TextBox 91"/>
+          <p:cNvSpPr txBox="1"/>
+          <p:nvPr/>
+        </p:nvSpPr>
+        <p:spPr>
+          <a:xfrm>
+            <a:off x="152400" y="685800"/>
+            <a:ext cx="1905000" cy="307777"/>
+          </a:xfrm>
+          <a:prstGeom prst="rect">
+            <a:avLst/>
+          </a:prstGeom>
+          <a:noFill/>
+        </p:spPr>
+        <p:txBody>
+          <a:bodyPr wrap="square" rtlCol="0">
+            <a:spAutoFit/>
+          </a:bodyPr>
+          <a:lstStyle/>
+          <a:p>
+            <a:r>
+              <a:rPr lang="en-US" sz="1400" dirty="0" smtClean="0">
+                <a:solidFill>
+                  <a:schemeClr val="bg1"/>
+                </a:solidFill>
+              </a:rPr>
+              <a:t>Balance book</a:t>
+            </a:r>
+            <a:endParaRPr lang="en-US" sz="1400" dirty="0">
+              <a:solidFill>
+                <a:schemeClr val="bg1"/>
+              </a:solidFill>
+            </a:endParaRPr>
+          </a:p>
+        </p:txBody>
+      </p:sp>
+      <p:sp>
+        <p:nvSpPr>
+          <p:cNvPr id="102" name="Rectangle 101"/>
+          <p:cNvSpPr/>
+          <p:nvPr/>
+        </p:nvSpPr>
+        <p:spPr>
+          <a:xfrm>
+            <a:off x="2133601" y="905588"/>
+            <a:ext cx="6553200" cy="5571411"/>
+          </a:xfrm>
+          <a:prstGeom prst="rect">
+            <a:avLst/>
+          </a:prstGeom>
+        </p:spPr>
+        <p:style>
+          <a:lnRef idx="2">
+            <a:schemeClr val="accent1"/>
+          </a:lnRef>
+          <a:fillRef idx="1">
+            <a:schemeClr val="lt1"/>
+          </a:fillRef>
+          <a:effectRef idx="0">
+            <a:schemeClr val="accent1"/>
+          </a:effectRef>
+          <a:fontRef idx="minor">
+            <a:schemeClr val="dk1"/>
+          </a:fontRef>
+        </p:style>
+        <p:txBody>
+          <a:bodyPr rtlCol="0" anchor="ctr"/>
+          <a:lstStyle/>
+          <a:p>
+            <a:pPr algn="ctr"/>
+            <a:endParaRPr lang="en-US" dirty="0"/>
+          </a:p>
+        </p:txBody>
+      </p:sp>
+      <p:sp>
+        <p:nvSpPr>
+          <p:cNvPr id="115" name="Rectangle 114"/>
+          <p:cNvSpPr/>
+          <p:nvPr/>
+        </p:nvSpPr>
+        <p:spPr>
+          <a:xfrm>
+            <a:off x="2150533" y="914400"/>
+            <a:ext cx="6536267" cy="228600"/>
+          </a:xfrm>
+          <a:prstGeom prst="rect">
+            <a:avLst/>
+          </a:prstGeom>
+          <a:solidFill>
+            <a:srgbClr val="C6D9F1">
+              <a:alpha val="30196"/>
+            </a:srgbClr>
+          </a:solidFill>
+          <a:ln>
+            <a:noFill/>
+          </a:ln>
+        </p:spPr>
+        <p:style>
+          <a:lnRef idx="2">
+            <a:schemeClr val="accent1">
+              <a:shade val="50000"/>
+            </a:schemeClr>
+          </a:lnRef>
+          <a:fillRef idx="1">
+            <a:schemeClr val="accent1"/>
+          </a:fillRef>
+          <a:effectRef idx="0">
+            <a:schemeClr val="accent1"/>
+          </a:effectRef>
+          <a:fontRef idx="minor">
+            <a:schemeClr val="lt1"/>
+          </a:fontRef>
+        </p:style>
+        <p:txBody>
+          <a:bodyPr rtlCol="0" anchor="ctr"/>
+          <a:lstStyle/>
+          <a:p>
+            <a:pPr algn="ctr"/>
+            <a:endParaRPr lang="en-US"/>
+          </a:p>
+        </p:txBody>
+      </p:sp>
+      <p:sp>
+        <p:nvSpPr>
+          <p:cNvPr id="105" name="TextBox 104"/>
+          <p:cNvSpPr txBox="1"/>
+          <p:nvPr/>
+        </p:nvSpPr>
+        <p:spPr>
+          <a:xfrm>
+            <a:off x="2131907" y="905589"/>
+            <a:ext cx="838200" cy="246221"/>
+          </a:xfrm>
+          <a:prstGeom prst="rect">
+            <a:avLst/>
+          </a:prstGeom>
+          <a:noFill/>
+        </p:spPr>
+        <p:txBody>
+          <a:bodyPr wrap="square" rtlCol="0">
+            <a:spAutoFit/>
+          </a:bodyPr>
+          <a:lstStyle/>
+          <a:p>
+            <a:r>
+              <a:rPr lang="en-US" sz="1000" dirty="0" smtClean="0"/>
+              <a:t>10/01/2015</a:t>
+            </a:r>
+            <a:endParaRPr lang="en-US" sz="1000" dirty="0"/>
+          </a:p>
+        </p:txBody>
+      </p:sp>
+      <p:sp>
+        <p:nvSpPr>
+          <p:cNvPr id="106" name="TextBox 105"/>
+          <p:cNvSpPr txBox="1"/>
+          <p:nvPr/>
+        </p:nvSpPr>
+        <p:spPr>
+          <a:xfrm>
+            <a:off x="3733800" y="905589"/>
+            <a:ext cx="1295400" cy="246221"/>
+          </a:xfrm>
+          <a:prstGeom prst="rect">
+            <a:avLst/>
+          </a:prstGeom>
+          <a:noFill/>
+        </p:spPr>
+        <p:txBody>
+          <a:bodyPr wrap="square" rtlCol="0">
+            <a:spAutoFit/>
+          </a:bodyPr>
+          <a:lstStyle/>
+          <a:p>
+            <a:r>
+              <a:rPr lang="en-US" sz="1000" dirty="0" smtClean="0"/>
+              <a:t>Deposit</a:t>
+            </a:r>
+            <a:endParaRPr lang="en-US" sz="1000" dirty="0"/>
+          </a:p>
+        </p:txBody>
+      </p:sp>
+      <p:sp>
+        <p:nvSpPr>
+          <p:cNvPr id="107" name="TextBox 106"/>
+          <p:cNvSpPr txBox="1"/>
+          <p:nvPr/>
+        </p:nvSpPr>
+        <p:spPr>
+          <a:xfrm>
+            <a:off x="7753774" y="905589"/>
+            <a:ext cx="914400" cy="246221"/>
+          </a:xfrm>
+          <a:prstGeom prst="rect">
+            <a:avLst/>
+          </a:prstGeom>
+          <a:noFill/>
+        </p:spPr>
+        <p:txBody>
+          <a:bodyPr wrap="square" rtlCol="0">
+            <a:spAutoFit/>
+          </a:bodyPr>
+          <a:lstStyle/>
+          <a:p>
+            <a:pPr algn="r"/>
+            <a:r>
+              <a:rPr lang="en-US" sz="1000" dirty="0" smtClean="0"/>
+              <a:t>$0.00</a:t>
+            </a:r>
+            <a:endParaRPr lang="en-US" sz="1000" dirty="0"/>
+          </a:p>
+        </p:txBody>
+      </p:sp>
+      <p:sp>
+        <p:nvSpPr>
+          <p:cNvPr id="108" name="TextBox 107"/>
+          <p:cNvSpPr txBox="1"/>
+          <p:nvPr/>
+        </p:nvSpPr>
+        <p:spPr>
+          <a:xfrm>
+            <a:off x="2131907" y="1134189"/>
+            <a:ext cx="838200" cy="246221"/>
+          </a:xfrm>
+          <a:prstGeom prst="rect">
+            <a:avLst/>
+          </a:prstGeom>
+          <a:noFill/>
+        </p:spPr>
+        <p:txBody>
+          <a:bodyPr wrap="square" rtlCol="0">
+            <a:spAutoFit/>
+          </a:bodyPr>
+          <a:lstStyle/>
+          <a:p>
+            <a:r>
+              <a:rPr lang="en-US" sz="1000" dirty="0" smtClean="0"/>
+              <a:t>12/01/2015</a:t>
+            </a:r>
+            <a:endParaRPr lang="en-US" sz="1000" dirty="0"/>
+          </a:p>
+        </p:txBody>
+      </p:sp>
+      <p:sp>
+        <p:nvSpPr>
+          <p:cNvPr id="109" name="TextBox 108"/>
+          <p:cNvSpPr txBox="1"/>
+          <p:nvPr/>
+        </p:nvSpPr>
+        <p:spPr>
+          <a:xfrm>
+            <a:off x="3733800" y="1134189"/>
+            <a:ext cx="1295400" cy="246221"/>
+          </a:xfrm>
+          <a:prstGeom prst="rect">
+            <a:avLst/>
+          </a:prstGeom>
+          <a:noFill/>
+        </p:spPr>
+        <p:txBody>
+          <a:bodyPr wrap="square" rtlCol="0">
+            <a:spAutoFit/>
+          </a:bodyPr>
+          <a:lstStyle/>
+          <a:p>
+            <a:r>
+              <a:rPr lang="en-US" sz="1000" dirty="0" smtClean="0"/>
+              <a:t>MSFT purchase</a:t>
+            </a:r>
+            <a:endParaRPr lang="en-US" sz="1000" dirty="0"/>
+          </a:p>
+        </p:txBody>
+      </p:sp>
+      <p:sp>
+        <p:nvSpPr>
+          <p:cNvPr id="110" name="TextBox 109"/>
+          <p:cNvSpPr txBox="1"/>
+          <p:nvPr/>
+        </p:nvSpPr>
+        <p:spPr>
+          <a:xfrm>
+            <a:off x="7753774" y="1134189"/>
+            <a:ext cx="914400" cy="246221"/>
+          </a:xfrm>
+          <a:prstGeom prst="rect">
+            <a:avLst/>
+          </a:prstGeom>
+          <a:noFill/>
+        </p:spPr>
+        <p:txBody>
+          <a:bodyPr wrap="square" rtlCol="0">
+            <a:spAutoFit/>
+          </a:bodyPr>
+          <a:lstStyle/>
+          <a:p>
+            <a:pPr algn="r"/>
+            <a:r>
+              <a:rPr lang="en-US" sz="1000" dirty="0" smtClean="0"/>
+              <a:t>$182,101.05</a:t>
+            </a:r>
+            <a:endParaRPr lang="en-US" sz="1000" dirty="0" smtClean="0"/>
+          </a:p>
+        </p:txBody>
+      </p:sp>
+      <p:sp>
+        <p:nvSpPr>
+          <p:cNvPr id="116" name="Rectangle 115"/>
+          <p:cNvSpPr/>
+          <p:nvPr/>
+        </p:nvSpPr>
+        <p:spPr>
+          <a:xfrm>
+            <a:off x="2150533" y="1371600"/>
+            <a:ext cx="6536267" cy="228600"/>
+          </a:xfrm>
+          <a:prstGeom prst="rect">
+            <a:avLst/>
+          </a:prstGeom>
+          <a:solidFill>
+            <a:srgbClr val="C6D9F1">
+              <a:alpha val="30196"/>
+            </a:srgbClr>
+          </a:solidFill>
+          <a:ln>
+            <a:noFill/>
+          </a:ln>
+        </p:spPr>
+        <p:style>
+          <a:lnRef idx="2">
+            <a:schemeClr val="accent1">
+              <a:shade val="50000"/>
+            </a:schemeClr>
+          </a:lnRef>
+          <a:fillRef idx="1">
+            <a:schemeClr val="accent1"/>
+          </a:fillRef>
+          <a:effectRef idx="0">
+            <a:schemeClr val="accent1"/>
+          </a:effectRef>
+          <a:fontRef idx="minor">
+            <a:schemeClr val="lt1"/>
+          </a:fontRef>
+        </p:style>
+        <p:txBody>
+          <a:bodyPr rtlCol="0" anchor="ctr"/>
+          <a:lstStyle/>
+          <a:p>
+            <a:pPr algn="ctr"/>
+            <a:endParaRPr lang="en-US"/>
+          </a:p>
+        </p:txBody>
+      </p:sp>
+      <p:sp>
+        <p:nvSpPr>
+          <p:cNvPr id="117" name="Rectangle 116"/>
+          <p:cNvSpPr/>
+          <p:nvPr/>
+        </p:nvSpPr>
+        <p:spPr>
+          <a:xfrm>
+            <a:off x="2150533" y="1828800"/>
+            <a:ext cx="6536267" cy="228600"/>
+          </a:xfrm>
+          <a:prstGeom prst="rect">
+            <a:avLst/>
+          </a:prstGeom>
+          <a:solidFill>
+            <a:srgbClr val="C6D9F1">
+              <a:alpha val="30196"/>
+            </a:srgbClr>
+          </a:solidFill>
+          <a:ln>
+            <a:noFill/>
+          </a:ln>
+        </p:spPr>
+        <p:style>
+          <a:lnRef idx="2">
+            <a:schemeClr val="accent1">
+              <a:shade val="50000"/>
+            </a:schemeClr>
+          </a:lnRef>
+          <a:fillRef idx="1">
+            <a:schemeClr val="accent1"/>
+          </a:fillRef>
+          <a:effectRef idx="0">
+            <a:schemeClr val="accent1"/>
+          </a:effectRef>
+          <a:fontRef idx="minor">
+            <a:schemeClr val="lt1"/>
+          </a:fontRef>
+        </p:style>
+        <p:txBody>
+          <a:bodyPr rtlCol="0" anchor="ctr"/>
+          <a:lstStyle/>
+          <a:p>
+            <a:pPr algn="ctr"/>
+            <a:endParaRPr lang="en-US"/>
+          </a:p>
+        </p:txBody>
+      </p:sp>
+      <p:sp>
+        <p:nvSpPr>
+          <p:cNvPr id="118" name="Rectangle 117"/>
+          <p:cNvSpPr/>
+          <p:nvPr/>
+        </p:nvSpPr>
+        <p:spPr>
+          <a:xfrm>
+            <a:off x="2150533" y="2286000"/>
+            <a:ext cx="6536267" cy="228600"/>
+          </a:xfrm>
+          <a:prstGeom prst="rect">
+            <a:avLst/>
+          </a:prstGeom>
+          <a:solidFill>
+            <a:srgbClr val="C6D9F1">
+              <a:alpha val="30196"/>
+            </a:srgbClr>
+          </a:solidFill>
+          <a:ln>
+            <a:noFill/>
+          </a:ln>
+        </p:spPr>
+        <p:style>
+          <a:lnRef idx="2">
+            <a:schemeClr val="accent1">
+              <a:shade val="50000"/>
+            </a:schemeClr>
+          </a:lnRef>
+          <a:fillRef idx="1">
+            <a:schemeClr val="accent1"/>
+          </a:fillRef>
+          <a:effectRef idx="0">
+            <a:schemeClr val="accent1"/>
+          </a:effectRef>
+          <a:fontRef idx="minor">
+            <a:schemeClr val="lt1"/>
+          </a:fontRef>
+        </p:style>
+        <p:txBody>
+          <a:bodyPr rtlCol="0" anchor="ctr"/>
+          <a:lstStyle/>
+          <a:p>
+            <a:pPr algn="ctr"/>
+            <a:endParaRPr lang="en-US"/>
+          </a:p>
+        </p:txBody>
+      </p:sp>
+      <p:sp>
+        <p:nvSpPr>
+          <p:cNvPr id="119" name="Rectangle 118"/>
+          <p:cNvSpPr/>
+          <p:nvPr/>
+        </p:nvSpPr>
+        <p:spPr>
+          <a:xfrm>
+            <a:off x="2150533" y="2743200"/>
+            <a:ext cx="6536267" cy="228600"/>
+          </a:xfrm>
+          <a:prstGeom prst="rect">
+            <a:avLst/>
+          </a:prstGeom>
+          <a:solidFill>
+            <a:srgbClr val="C6D9F1">
+              <a:alpha val="30196"/>
+            </a:srgbClr>
+          </a:solidFill>
+          <a:ln>
+            <a:noFill/>
+          </a:ln>
+        </p:spPr>
+        <p:style>
+          <a:lnRef idx="2">
+            <a:schemeClr val="accent1">
+              <a:shade val="50000"/>
+            </a:schemeClr>
+          </a:lnRef>
+          <a:fillRef idx="1">
+            <a:schemeClr val="accent1"/>
+          </a:fillRef>
+          <a:effectRef idx="0">
+            <a:schemeClr val="accent1"/>
+          </a:effectRef>
+          <a:fontRef idx="minor">
+            <a:schemeClr val="lt1"/>
+          </a:fontRef>
+        </p:style>
+        <p:txBody>
+          <a:bodyPr rtlCol="0" anchor="ctr"/>
+          <a:lstStyle/>
+          <a:p>
+            <a:pPr algn="ctr"/>
+            <a:endParaRPr lang="en-US"/>
+          </a:p>
+        </p:txBody>
+      </p:sp>
+      <p:grpSp>
+        <p:nvGrpSpPr>
+          <p:cNvPr id="135" name="Group 134"/>
+          <p:cNvGrpSpPr/>
+          <p:nvPr/>
+        </p:nvGrpSpPr>
+        <p:grpSpPr>
+          <a:xfrm>
+            <a:off x="8763000" y="685800"/>
+            <a:ext cx="228600" cy="5791200"/>
+            <a:chOff x="8763000" y="685800"/>
+            <a:chExt cx="228600" cy="5791200"/>
+          </a:xfrm>
+        </p:grpSpPr>
+        <p:sp>
+          <p:nvSpPr>
+            <p:cNvPr id="121" name="Rectangle 120"/>
+            <p:cNvSpPr/>
+            <p:nvPr/>
+          </p:nvSpPr>
+          <p:spPr>
+            <a:xfrm>
+              <a:off x="8763000" y="990600"/>
+              <a:ext cx="228600" cy="5181600"/>
+            </a:xfrm>
+            <a:prstGeom prst="rect">
+              <a:avLst/>
+            </a:prstGeom>
+          </p:spPr>
+          <p:style>
+            <a:lnRef idx="2">
+              <a:schemeClr val="accent1"/>
+            </a:lnRef>
+            <a:fillRef idx="1">
+              <a:schemeClr val="lt1"/>
+            </a:fillRef>
+            <a:effectRef idx="0">
+              <a:schemeClr val="accent1"/>
+            </a:effectRef>
+            <a:fontRef idx="minor">
+              <a:schemeClr val="dk1"/>
+            </a:fontRef>
+          </p:style>
+          <p:txBody>
+            <a:bodyPr rtlCol="0" anchor="ctr"/>
+            <a:lstStyle/>
+            <a:p>
+              <a:pPr algn="ctr"/>
+              <a:endParaRPr lang="en-US"/>
+            </a:p>
+          </p:txBody>
+        </p:sp>
+        <p:grpSp>
+          <p:nvGrpSpPr>
+            <p:cNvPr id="122" name="Group 19"/>
+            <p:cNvGrpSpPr/>
+            <p:nvPr/>
+          </p:nvGrpSpPr>
+          <p:grpSpPr>
+            <a:xfrm>
+              <a:off x="8763000" y="685800"/>
+              <a:ext cx="228600" cy="228600"/>
+              <a:chOff x="8763000" y="762000"/>
+              <a:chExt cx="228600" cy="228600"/>
+            </a:xfrm>
+          </p:grpSpPr>
+          <p:sp>
+            <p:nvSpPr>
+              <p:cNvPr id="127" name="Rectangle 126"/>
+              <p:cNvSpPr/>
+              <p:nvPr/>
+            </p:nvSpPr>
+            <p:spPr>
+              <a:xfrm>
+                <a:off x="8763000" y="762000"/>
+                <a:ext cx="228600" cy="228600"/>
+              </a:xfrm>
+              <a:prstGeom prst="rect">
+                <a:avLst/>
+              </a:prstGeom>
+            </p:spPr>
+            <p:style>
+              <a:lnRef idx="2">
+                <a:schemeClr val="accent1"/>
+              </a:lnRef>
+              <a:fillRef idx="1">
+                <a:schemeClr val="lt1"/>
+              </a:fillRef>
+              <a:effectRef idx="0">
+                <a:schemeClr val="accent1"/>
+              </a:effectRef>
+              <a:fontRef idx="minor">
+                <a:schemeClr val="dk1"/>
+              </a:fontRef>
+            </p:style>
+            <p:txBody>
+              <a:bodyPr rtlCol="0" anchor="ctr"/>
+              <a:lstStyle/>
+              <a:p>
+                <a:pPr algn="ctr"/>
+                <a:endParaRPr lang="en-US"/>
+              </a:p>
+            </p:txBody>
+          </p:sp>
+          <p:sp>
+            <p:nvSpPr>
+              <p:cNvPr id="128" name="Isosceles Triangle 127"/>
+              <p:cNvSpPr/>
+              <p:nvPr/>
+            </p:nvSpPr>
+            <p:spPr>
+              <a:xfrm>
+                <a:off x="8839200" y="838200"/>
+                <a:ext cx="76200" cy="76200"/>
+              </a:xfrm>
+              <a:prstGeom prst="triangle">
+                <a:avLst/>
+              </a:prstGeom>
+            </p:spPr>
+            <p:style>
+              <a:lnRef idx="2">
+                <a:schemeClr val="accent1">
+                  <a:shade val="50000"/>
+                </a:schemeClr>
+              </a:lnRef>
+              <a:fillRef idx="1">
+                <a:schemeClr val="accent1"/>
+              </a:fillRef>
+              <a:effectRef idx="0">
+                <a:schemeClr val="accent1"/>
+              </a:effectRef>
+              <a:fontRef idx="minor">
+                <a:schemeClr val="lt1"/>
+              </a:fontRef>
+            </p:style>
+            <p:txBody>
+              <a:bodyPr rtlCol="0" anchor="ctr"/>
+              <a:lstStyle/>
+              <a:p>
+                <a:pPr algn="ctr"/>
+                <a:endParaRPr lang="en-US"/>
+              </a:p>
+            </p:txBody>
+          </p:sp>
+        </p:grpSp>
+        <p:grpSp>
+          <p:nvGrpSpPr>
+            <p:cNvPr id="123" name="Group 18"/>
+            <p:cNvGrpSpPr/>
+            <p:nvPr/>
+          </p:nvGrpSpPr>
+          <p:grpSpPr>
+            <a:xfrm>
+              <a:off x="8763000" y="6248400"/>
+              <a:ext cx="228600" cy="228600"/>
+              <a:chOff x="8915400" y="914400"/>
+              <a:chExt cx="228600" cy="228600"/>
+            </a:xfrm>
+          </p:grpSpPr>
+          <p:sp>
+            <p:nvSpPr>
+              <p:cNvPr id="125" name="Rectangle 124"/>
+              <p:cNvSpPr/>
+              <p:nvPr/>
+            </p:nvSpPr>
+            <p:spPr>
+              <a:xfrm rot="10800000">
+                <a:off x="8915400" y="914400"/>
+                <a:ext cx="228600" cy="228600"/>
+              </a:xfrm>
+              <a:prstGeom prst="rect">
+                <a:avLst/>
+              </a:prstGeom>
+            </p:spPr>
+            <p:style>
+              <a:lnRef idx="2">
+                <a:schemeClr val="accent1"/>
+              </a:lnRef>
+              <a:fillRef idx="1">
+                <a:schemeClr val="lt1"/>
+              </a:fillRef>
+              <a:effectRef idx="0">
+                <a:schemeClr val="accent1"/>
+              </a:effectRef>
+              <a:fontRef idx="minor">
+                <a:schemeClr val="dk1"/>
+              </a:fontRef>
+            </p:style>
+            <p:txBody>
+              <a:bodyPr rtlCol="0" anchor="ctr"/>
+              <a:lstStyle/>
+              <a:p>
+                <a:pPr algn="ctr"/>
+                <a:endParaRPr lang="en-US"/>
+              </a:p>
+            </p:txBody>
+          </p:sp>
+          <p:sp>
+            <p:nvSpPr>
+              <p:cNvPr id="126" name="Isosceles Triangle 125"/>
+              <p:cNvSpPr/>
+              <p:nvPr/>
+            </p:nvSpPr>
+            <p:spPr>
+              <a:xfrm rot="10800000">
+                <a:off x="8991600" y="990600"/>
+                <a:ext cx="76200" cy="76200"/>
+              </a:xfrm>
+              <a:prstGeom prst="triangle">
+                <a:avLst/>
+              </a:prstGeom>
+            </p:spPr>
+            <p:style>
+              <a:lnRef idx="2">
+                <a:schemeClr val="accent1">
+                  <a:shade val="50000"/>
+                </a:schemeClr>
+              </a:lnRef>
+              <a:fillRef idx="1">
+                <a:schemeClr val="accent1"/>
+              </a:fillRef>
+              <a:effectRef idx="0">
+                <a:schemeClr val="accent1"/>
+              </a:effectRef>
+              <a:fontRef idx="minor">
+                <a:schemeClr val="lt1"/>
+              </a:fontRef>
+            </p:style>
+            <p:txBody>
+              <a:bodyPr rtlCol="0" anchor="ctr"/>
+              <a:lstStyle/>
+              <a:p>
+                <a:pPr algn="ctr"/>
+                <a:endParaRPr lang="en-US"/>
+              </a:p>
+            </p:txBody>
+          </p:sp>
+        </p:grpSp>
+        <p:sp>
+          <p:nvSpPr>
+            <p:cNvPr id="124" name="Rectangle 123"/>
+            <p:cNvSpPr/>
+            <p:nvPr/>
+          </p:nvSpPr>
+          <p:spPr>
+            <a:xfrm>
+              <a:off x="8763000" y="2743200"/>
+              <a:ext cx="228600" cy="3429000"/>
+            </a:xfrm>
+            <a:prstGeom prst="rect">
+              <a:avLst/>
+            </a:prstGeom>
+          </p:spPr>
+          <p:style>
+            <a:lnRef idx="2">
+              <a:schemeClr val="accent1">
+                <a:shade val="50000"/>
+              </a:schemeClr>
+            </a:lnRef>
+            <a:fillRef idx="1">
+              <a:schemeClr val="accent1"/>
+            </a:fillRef>
+            <a:effectRef idx="0">
+              <a:schemeClr val="accent1"/>
+            </a:effectRef>
+            <a:fontRef idx="minor">
+              <a:schemeClr val="lt1"/>
+            </a:fontRef>
+          </p:style>
+          <p:txBody>
+            <a:bodyPr rtlCol="0" anchor="ctr"/>
+            <a:lstStyle/>
+            <a:p>
+              <a:pPr algn="ctr"/>
+              <a:endParaRPr lang="en-US"/>
+            </a:p>
+          </p:txBody>
+        </p:sp>
+      </p:grpSp>
+      <p:sp>
+        <p:nvSpPr>
+          <p:cNvPr id="133" name="TextBox 132"/>
+          <p:cNvSpPr txBox="1"/>
+          <p:nvPr/>
+        </p:nvSpPr>
+        <p:spPr>
+          <a:xfrm>
+            <a:off x="7239000" y="6477000"/>
+            <a:ext cx="1295400" cy="276999"/>
+          </a:xfrm>
+          <a:prstGeom prst="rect">
+            <a:avLst/>
+          </a:prstGeom>
+          <a:noFill/>
+        </p:spPr>
+        <p:txBody>
+          <a:bodyPr wrap="square" rtlCol="0">
+            <a:spAutoFit/>
+          </a:bodyPr>
+          <a:lstStyle/>
+          <a:p>
+            <a:r>
+              <a:rPr lang="en-US" sz="1200" b="1" dirty="0" smtClean="0"/>
+              <a:t>Total</a:t>
+            </a:r>
+            <a:endParaRPr lang="en-US" sz="1200" b="1" dirty="0"/>
+          </a:p>
+        </p:txBody>
+      </p:sp>
+      <p:sp>
+        <p:nvSpPr>
+          <p:cNvPr id="134" name="TextBox 133"/>
+          <p:cNvSpPr txBox="1"/>
+          <p:nvPr/>
+        </p:nvSpPr>
+        <p:spPr>
+          <a:xfrm>
+            <a:off x="7391400" y="6477000"/>
+            <a:ext cx="1295400" cy="276999"/>
+          </a:xfrm>
+          <a:prstGeom prst="rect">
+            <a:avLst/>
+          </a:prstGeom>
+          <a:noFill/>
+        </p:spPr>
+        <p:txBody>
+          <a:bodyPr wrap="square" rtlCol="0">
+            <a:spAutoFit/>
+          </a:bodyPr>
+          <a:lstStyle/>
+          <a:p>
+            <a:pPr algn="r"/>
+            <a:r>
+              <a:rPr lang="en-US" sz="1200" b="1" dirty="0" smtClean="0"/>
+              <a:t>$89,012.05</a:t>
+            </a:r>
+            <a:endParaRPr lang="en-US" sz="1200" b="1" dirty="0"/>
+          </a:p>
+        </p:txBody>
+      </p:sp>
+      <p:sp>
+        <p:nvSpPr>
+          <p:cNvPr id="136" name="TextBox 135"/>
+          <p:cNvSpPr txBox="1"/>
+          <p:nvPr/>
+        </p:nvSpPr>
+        <p:spPr>
+          <a:xfrm>
+            <a:off x="152400" y="1066800"/>
+            <a:ext cx="1905000" cy="307777"/>
+          </a:xfrm>
+          <a:prstGeom prst="rect">
+            <a:avLst/>
+          </a:prstGeom>
+          <a:solidFill>
+            <a:schemeClr val="bg1"/>
+          </a:solidFill>
+        </p:spPr>
+        <p:txBody>
+          <a:bodyPr wrap="square" rtlCol="0">
+            <a:spAutoFit/>
+          </a:bodyPr>
+          <a:lstStyle/>
+          <a:p>
+            <a:r>
+              <a:rPr lang="en-US" sz="1400" dirty="0" smtClean="0"/>
+              <a:t>Cash transactions</a:t>
+            </a:r>
+            <a:endParaRPr lang="en-US" sz="1400" dirty="0"/>
+          </a:p>
+        </p:txBody>
+      </p:sp>
+      <p:sp>
+        <p:nvSpPr>
+          <p:cNvPr id="138" name="TextBox 137"/>
+          <p:cNvSpPr txBox="1"/>
+          <p:nvPr/>
+        </p:nvSpPr>
+        <p:spPr>
+          <a:xfrm>
+            <a:off x="152400" y="1447800"/>
+            <a:ext cx="1905000" cy="307777"/>
+          </a:xfrm>
+          <a:prstGeom prst="rect">
+            <a:avLst/>
+          </a:prstGeom>
+          <a:noFill/>
+        </p:spPr>
+        <p:txBody>
+          <a:bodyPr wrap="square" rtlCol="0">
+            <a:spAutoFit/>
+          </a:bodyPr>
+          <a:lstStyle/>
+          <a:p>
+            <a:r>
+              <a:rPr lang="en-US" sz="1400" dirty="0" smtClean="0">
+                <a:solidFill>
+                  <a:schemeClr val="bg1"/>
+                </a:solidFill>
+              </a:rPr>
+              <a:t>Asset transactions</a:t>
+            </a:r>
+            <a:endParaRPr lang="en-US" sz="1400" dirty="0">
+              <a:solidFill>
+                <a:schemeClr val="bg1"/>
+              </a:solidFill>
+            </a:endParaRPr>
+          </a:p>
+        </p:txBody>
+      </p:sp>
+      <p:sp>
+        <p:nvSpPr>
+          <p:cNvPr id="42" name="TextBox 41"/>
+          <p:cNvSpPr txBox="1"/>
+          <p:nvPr/>
+        </p:nvSpPr>
+        <p:spPr>
+          <a:xfrm>
+            <a:off x="2131907" y="1361003"/>
+            <a:ext cx="838200" cy="246221"/>
+          </a:xfrm>
+          <a:prstGeom prst="rect">
+            <a:avLst/>
+          </a:prstGeom>
+          <a:noFill/>
+        </p:spPr>
+        <p:txBody>
+          <a:bodyPr wrap="square" rtlCol="0">
+            <a:spAutoFit/>
+          </a:bodyPr>
+          <a:lstStyle/>
+          <a:p>
+            <a:r>
+              <a:rPr lang="en-US" sz="1000" dirty="0" smtClean="0"/>
+              <a:t>12/04/2015</a:t>
+            </a:r>
+            <a:endParaRPr lang="en-US" sz="1000" dirty="0"/>
+          </a:p>
+        </p:txBody>
+      </p:sp>
+      <p:sp>
+        <p:nvSpPr>
+          <p:cNvPr id="45" name="TextBox 44"/>
+          <p:cNvSpPr txBox="1"/>
+          <p:nvPr/>
+        </p:nvSpPr>
+        <p:spPr>
+          <a:xfrm>
+            <a:off x="3733800" y="1370170"/>
+            <a:ext cx="1295400" cy="246221"/>
+          </a:xfrm>
+          <a:prstGeom prst="rect">
+            <a:avLst/>
+          </a:prstGeom>
+          <a:noFill/>
+        </p:spPr>
+        <p:txBody>
+          <a:bodyPr wrap="square" rtlCol="0">
+            <a:spAutoFit/>
+          </a:bodyPr>
+          <a:lstStyle/>
+          <a:p>
+            <a:r>
+              <a:rPr lang="en-US" sz="1000" dirty="0" smtClean="0"/>
+              <a:t>MSFT dividend</a:t>
+            </a:r>
+            <a:endParaRPr lang="en-US" sz="1000" dirty="0"/>
+          </a:p>
+        </p:txBody>
+      </p:sp>
+      <p:sp>
+        <p:nvSpPr>
+          <p:cNvPr id="46" name="TextBox 45"/>
+          <p:cNvSpPr txBox="1"/>
+          <p:nvPr/>
+        </p:nvSpPr>
+        <p:spPr>
+          <a:xfrm>
+            <a:off x="7753774" y="1370170"/>
+            <a:ext cx="914400" cy="246221"/>
+          </a:xfrm>
+          <a:prstGeom prst="rect">
+            <a:avLst/>
+          </a:prstGeom>
+          <a:noFill/>
+        </p:spPr>
+        <p:txBody>
+          <a:bodyPr wrap="square" rtlCol="0">
+            <a:spAutoFit/>
+          </a:bodyPr>
+          <a:lstStyle/>
+          <a:p>
+            <a:pPr algn="r"/>
+            <a:r>
+              <a:rPr lang="en-US" sz="1000" dirty="0" smtClean="0"/>
+              <a:t>$182,590.05</a:t>
+            </a:r>
+            <a:endParaRPr lang="en-US" sz="1000" dirty="0" smtClean="0"/>
+          </a:p>
+        </p:txBody>
+      </p:sp>
+      <p:sp>
+        <p:nvSpPr>
+          <p:cNvPr id="50" name="TextBox 49"/>
+          <p:cNvSpPr txBox="1"/>
+          <p:nvPr/>
+        </p:nvSpPr>
+        <p:spPr>
+          <a:xfrm>
+            <a:off x="152400" y="5867400"/>
+            <a:ext cx="1905000" cy="307777"/>
+          </a:xfrm>
+          <a:prstGeom prst="rect">
+            <a:avLst/>
+          </a:prstGeom>
+          <a:noFill/>
+        </p:spPr>
+        <p:txBody>
+          <a:bodyPr wrap="square" rtlCol="0">
+            <a:spAutoFit/>
+          </a:bodyPr>
+          <a:lstStyle/>
+          <a:p>
+            <a:r>
+              <a:rPr lang="en-US" sz="1400" dirty="0" smtClean="0">
+                <a:solidFill>
+                  <a:schemeClr val="bg1"/>
+                </a:solidFill>
+              </a:rPr>
+              <a:t>Buy/Sell assets…</a:t>
+            </a:r>
+            <a:endParaRPr lang="en-US" sz="1400" dirty="0">
+              <a:solidFill>
+                <a:schemeClr val="bg1"/>
+              </a:solidFill>
+            </a:endParaRPr>
+          </a:p>
+        </p:txBody>
+      </p:sp>
+      <p:sp>
+        <p:nvSpPr>
+          <p:cNvPr id="51" name="TextBox 50"/>
+          <p:cNvSpPr txBox="1"/>
+          <p:nvPr/>
+        </p:nvSpPr>
+        <p:spPr>
+          <a:xfrm>
+            <a:off x="152400" y="6247368"/>
+            <a:ext cx="1905000" cy="307777"/>
+          </a:xfrm>
+          <a:prstGeom prst="rect">
+            <a:avLst/>
+          </a:prstGeom>
+          <a:noFill/>
+        </p:spPr>
+        <p:txBody>
+          <a:bodyPr wrap="square" rtlCol="0">
+            <a:spAutoFit/>
+          </a:bodyPr>
+          <a:lstStyle/>
+          <a:p>
+            <a:r>
+              <a:rPr lang="en-US" sz="1400" dirty="0" smtClean="0">
+                <a:solidFill>
+                  <a:schemeClr val="bg1"/>
+                </a:solidFill>
+              </a:rPr>
+              <a:t>Other transactions…</a:t>
+            </a:r>
+            <a:endParaRPr lang="en-US" sz="1400" dirty="0">
+              <a:solidFill>
+                <a:schemeClr val="bg1"/>
+              </a:solidFill>
+            </a:endParaRPr>
+          </a:p>
+        </p:txBody>
+      </p:sp>
+      <p:cxnSp>
+        <p:nvCxnSpPr>
+          <p:cNvPr id="9" name="Straight Connector 8"/>
+          <p:cNvCxnSpPr/>
+          <p:nvPr/>
+        </p:nvCxnSpPr>
+        <p:spPr>
+          <a:xfrm>
+            <a:off x="228600" y="5791200"/>
+            <a:ext cx="1752600" cy="0"/>
+          </a:xfrm>
+          <a:prstGeom prst="line">
+            <a:avLst/>
+          </a:prstGeom>
+          <a:ln w="19050">
+            <a:solidFill>
+              <a:schemeClr val="bg1"/>
+            </a:solidFill>
+          </a:ln>
+        </p:spPr>
+        <p:style>
+          <a:lnRef idx="1">
+            <a:schemeClr val="accent1"/>
+          </a:lnRef>
+          <a:fillRef idx="0">
+            <a:schemeClr val="accent1"/>
+          </a:fillRef>
+          <a:effectRef idx="0">
+            <a:schemeClr val="accent1"/>
+          </a:effectRef>
+          <a:fontRef idx="minor">
+            <a:schemeClr val="tx1"/>
+          </a:fontRef>
+        </p:style>
+      </p:cxnSp>
+      <p:sp>
+        <p:nvSpPr>
+          <p:cNvPr id="71" name="TextBox 70"/>
+          <p:cNvSpPr txBox="1"/>
+          <p:nvPr/>
+        </p:nvSpPr>
+        <p:spPr>
+          <a:xfrm>
+            <a:off x="2144607" y="1573768"/>
+            <a:ext cx="838200" cy="246221"/>
+          </a:xfrm>
+          <a:prstGeom prst="rect">
+            <a:avLst/>
+          </a:prstGeom>
+          <a:noFill/>
+        </p:spPr>
+        <p:txBody>
+          <a:bodyPr wrap="square" rtlCol="0">
+            <a:spAutoFit/>
+          </a:bodyPr>
+          <a:lstStyle/>
+          <a:p>
+            <a:r>
+              <a:rPr lang="en-US" sz="1000" dirty="0" smtClean="0"/>
+              <a:t>17/04/2015</a:t>
+            </a:r>
+            <a:endParaRPr lang="en-US" sz="1000" dirty="0"/>
+          </a:p>
+        </p:txBody>
+      </p:sp>
+      <p:sp>
+        <p:nvSpPr>
+          <p:cNvPr id="73" name="TextBox 72"/>
+          <p:cNvSpPr txBox="1"/>
+          <p:nvPr/>
+        </p:nvSpPr>
+        <p:spPr>
+          <a:xfrm>
+            <a:off x="3733800" y="1600912"/>
+            <a:ext cx="1295400" cy="246221"/>
+          </a:xfrm>
+          <a:prstGeom prst="rect">
+            <a:avLst/>
+          </a:prstGeom>
+          <a:noFill/>
+        </p:spPr>
+        <p:txBody>
+          <a:bodyPr wrap="square" rtlCol="0">
+            <a:spAutoFit/>
+          </a:bodyPr>
+          <a:lstStyle/>
+          <a:p>
+            <a:r>
+              <a:rPr lang="en-US" sz="1000" dirty="0" smtClean="0"/>
+              <a:t>MSFT sell</a:t>
+            </a:r>
+            <a:endParaRPr lang="en-US" sz="1000" dirty="0"/>
+          </a:p>
+        </p:txBody>
+      </p:sp>
+      <p:sp>
+        <p:nvSpPr>
+          <p:cNvPr id="74" name="TextBox 73"/>
+          <p:cNvSpPr txBox="1"/>
+          <p:nvPr/>
+        </p:nvSpPr>
+        <p:spPr>
+          <a:xfrm>
+            <a:off x="7753774" y="1600912"/>
+            <a:ext cx="914400" cy="246221"/>
+          </a:xfrm>
+          <a:prstGeom prst="rect">
+            <a:avLst/>
+          </a:prstGeom>
+          <a:noFill/>
+        </p:spPr>
+        <p:txBody>
+          <a:bodyPr wrap="square" rtlCol="0">
+            <a:spAutoFit/>
+          </a:bodyPr>
+          <a:lstStyle/>
+          <a:p>
+            <a:pPr algn="r"/>
+            <a:r>
+              <a:rPr lang="en-US" sz="1000" dirty="0" smtClean="0"/>
+              <a:t>$189,012.05</a:t>
+            </a:r>
+            <a:endParaRPr lang="en-US" sz="1000" dirty="0" smtClean="0"/>
+          </a:p>
+        </p:txBody>
+      </p:sp>
+      <p:sp>
+        <p:nvSpPr>
+          <p:cNvPr id="76" name="TextBox 75"/>
+          <p:cNvSpPr txBox="1"/>
+          <p:nvPr/>
+        </p:nvSpPr>
+        <p:spPr>
+          <a:xfrm>
+            <a:off x="2148840" y="1819989"/>
+            <a:ext cx="838200" cy="246221"/>
+          </a:xfrm>
+          <a:prstGeom prst="rect">
+            <a:avLst/>
+          </a:prstGeom>
+          <a:noFill/>
+        </p:spPr>
+        <p:txBody>
+          <a:bodyPr wrap="square" rtlCol="0">
+            <a:spAutoFit/>
+          </a:bodyPr>
+          <a:lstStyle/>
+          <a:p>
+            <a:r>
+              <a:rPr lang="en-US" sz="1000" dirty="0" smtClean="0"/>
+              <a:t>10/10/2015</a:t>
+            </a:r>
+            <a:endParaRPr lang="en-US" sz="1000" dirty="0"/>
+          </a:p>
+        </p:txBody>
+      </p:sp>
+      <p:sp>
+        <p:nvSpPr>
+          <p:cNvPr id="77" name="TextBox 76"/>
+          <p:cNvSpPr txBox="1"/>
+          <p:nvPr/>
+        </p:nvSpPr>
+        <p:spPr>
+          <a:xfrm>
+            <a:off x="3750733" y="1819989"/>
+            <a:ext cx="1295400" cy="246221"/>
+          </a:xfrm>
+          <a:prstGeom prst="rect">
+            <a:avLst/>
+          </a:prstGeom>
+          <a:noFill/>
+        </p:spPr>
+        <p:txBody>
+          <a:bodyPr wrap="square" rtlCol="0">
+            <a:spAutoFit/>
+          </a:bodyPr>
+          <a:lstStyle/>
+          <a:p>
+            <a:r>
+              <a:rPr lang="en-US" sz="1000" dirty="0" smtClean="0"/>
+              <a:t>Withdraw</a:t>
+            </a:r>
+            <a:endParaRPr lang="en-US" sz="1000" dirty="0"/>
+          </a:p>
+        </p:txBody>
+      </p:sp>
+      <p:sp>
+        <p:nvSpPr>
+          <p:cNvPr id="79" name="TextBox 78"/>
+          <p:cNvSpPr txBox="1"/>
+          <p:nvPr/>
+        </p:nvSpPr>
+        <p:spPr>
+          <a:xfrm>
+            <a:off x="7770707" y="1819989"/>
+            <a:ext cx="914400" cy="246221"/>
+          </a:xfrm>
+          <a:prstGeom prst="rect">
+            <a:avLst/>
+          </a:prstGeom>
+          <a:noFill/>
+        </p:spPr>
+        <p:txBody>
+          <a:bodyPr wrap="square" rtlCol="0">
+            <a:spAutoFit/>
+          </a:bodyPr>
+          <a:lstStyle/>
+          <a:p>
+            <a:pPr algn="r"/>
+            <a:r>
+              <a:rPr lang="en-US" sz="1000" dirty="0" smtClean="0"/>
+              <a:t>$89,012.05</a:t>
+            </a:r>
+            <a:endParaRPr lang="en-US" sz="1000" dirty="0"/>
+          </a:p>
+        </p:txBody>
+      </p:sp>
+      <p:sp>
+        <p:nvSpPr>
+          <p:cNvPr id="65" name="TextBox 64"/>
+          <p:cNvSpPr txBox="1"/>
+          <p:nvPr/>
+        </p:nvSpPr>
+        <p:spPr>
+          <a:xfrm>
+            <a:off x="2910840" y="905589"/>
+            <a:ext cx="838200" cy="246221"/>
+          </a:xfrm>
+          <a:prstGeom prst="rect">
+            <a:avLst/>
+          </a:prstGeom>
+          <a:noFill/>
+        </p:spPr>
+        <p:txBody>
+          <a:bodyPr wrap="square" rtlCol="0">
+            <a:spAutoFit/>
+          </a:bodyPr>
+          <a:lstStyle/>
+          <a:p>
+            <a:r>
+              <a:rPr lang="en-US" sz="1000" dirty="0" smtClean="0"/>
+              <a:t>10/01/2015</a:t>
+            </a:r>
+            <a:endParaRPr lang="en-US" sz="1000" dirty="0"/>
+          </a:p>
+        </p:txBody>
+      </p:sp>
+      <p:sp>
+        <p:nvSpPr>
+          <p:cNvPr id="66" name="TextBox 65"/>
+          <p:cNvSpPr txBox="1"/>
+          <p:nvPr/>
+        </p:nvSpPr>
+        <p:spPr>
+          <a:xfrm>
+            <a:off x="2910840" y="1134189"/>
+            <a:ext cx="838200" cy="246221"/>
+          </a:xfrm>
+          <a:prstGeom prst="rect">
+            <a:avLst/>
+          </a:prstGeom>
+          <a:noFill/>
+        </p:spPr>
+        <p:txBody>
+          <a:bodyPr wrap="square" rtlCol="0">
+            <a:spAutoFit/>
+          </a:bodyPr>
+          <a:lstStyle/>
+          <a:p>
+            <a:r>
+              <a:rPr lang="en-US" sz="1000" dirty="0" smtClean="0"/>
+              <a:t>12/01/2015</a:t>
+            </a:r>
+            <a:endParaRPr lang="en-US" sz="1000" dirty="0"/>
+          </a:p>
+        </p:txBody>
+      </p:sp>
+      <p:sp>
+        <p:nvSpPr>
+          <p:cNvPr id="80" name="TextBox 79"/>
+          <p:cNvSpPr txBox="1"/>
+          <p:nvPr/>
+        </p:nvSpPr>
+        <p:spPr>
+          <a:xfrm>
+            <a:off x="2910840" y="1361003"/>
+            <a:ext cx="838200" cy="246221"/>
+          </a:xfrm>
+          <a:prstGeom prst="rect">
+            <a:avLst/>
+          </a:prstGeom>
+          <a:noFill/>
+        </p:spPr>
+        <p:txBody>
+          <a:bodyPr wrap="square" rtlCol="0">
+            <a:spAutoFit/>
+          </a:bodyPr>
+          <a:lstStyle/>
+          <a:p>
+            <a:r>
+              <a:rPr lang="en-US" sz="1000" dirty="0" smtClean="0"/>
+              <a:t>12/04/2015</a:t>
+            </a:r>
+            <a:endParaRPr lang="en-US" sz="1000" dirty="0"/>
+          </a:p>
+        </p:txBody>
+      </p:sp>
+      <p:sp>
+        <p:nvSpPr>
+          <p:cNvPr id="81" name="TextBox 80"/>
+          <p:cNvSpPr txBox="1"/>
+          <p:nvPr/>
+        </p:nvSpPr>
+        <p:spPr>
+          <a:xfrm>
+            <a:off x="2923540" y="1573768"/>
+            <a:ext cx="838200" cy="246221"/>
+          </a:xfrm>
+          <a:prstGeom prst="rect">
+            <a:avLst/>
+          </a:prstGeom>
+          <a:noFill/>
+        </p:spPr>
+        <p:txBody>
+          <a:bodyPr wrap="square" rtlCol="0">
+            <a:spAutoFit/>
+          </a:bodyPr>
+          <a:lstStyle/>
+          <a:p>
+            <a:r>
+              <a:rPr lang="en-US" sz="1000" dirty="0" smtClean="0"/>
+              <a:t>17/04/2015</a:t>
+            </a:r>
+            <a:endParaRPr lang="en-US" sz="1000" dirty="0"/>
+          </a:p>
+        </p:txBody>
+      </p:sp>
+      <p:sp>
+        <p:nvSpPr>
+          <p:cNvPr id="82" name="TextBox 81"/>
+          <p:cNvSpPr txBox="1"/>
+          <p:nvPr/>
+        </p:nvSpPr>
+        <p:spPr>
+          <a:xfrm>
+            <a:off x="2927773" y="1819989"/>
+            <a:ext cx="838200" cy="246221"/>
+          </a:xfrm>
+          <a:prstGeom prst="rect">
+            <a:avLst/>
+          </a:prstGeom>
+          <a:noFill/>
+        </p:spPr>
+        <p:txBody>
+          <a:bodyPr wrap="square" rtlCol="0">
+            <a:spAutoFit/>
+          </a:bodyPr>
+          <a:lstStyle/>
+          <a:p>
+            <a:r>
+              <a:rPr lang="en-US" sz="1000" dirty="0" smtClean="0"/>
+              <a:t>10/10/2015</a:t>
+            </a:r>
+            <a:endParaRPr lang="en-US" sz="1000" dirty="0"/>
+          </a:p>
+        </p:txBody>
+      </p:sp>
+      <p:sp>
+        <p:nvSpPr>
+          <p:cNvPr id="83" name="TextBox 82"/>
+          <p:cNvSpPr txBox="1"/>
+          <p:nvPr/>
+        </p:nvSpPr>
+        <p:spPr>
+          <a:xfrm>
+            <a:off x="4762500" y="914400"/>
+            <a:ext cx="2360507" cy="246221"/>
+          </a:xfrm>
+          <a:prstGeom prst="rect">
+            <a:avLst/>
+          </a:prstGeom>
+          <a:noFill/>
+        </p:spPr>
+        <p:txBody>
+          <a:bodyPr wrap="square" rtlCol="0">
+            <a:spAutoFit/>
+          </a:bodyPr>
+          <a:lstStyle/>
+          <a:p>
+            <a:r>
+              <a:rPr lang="en-US" sz="1000" dirty="0" smtClean="0"/>
+              <a:t>First deposit</a:t>
+            </a:r>
+            <a:endParaRPr lang="en-US" sz="1000" dirty="0"/>
+          </a:p>
+        </p:txBody>
+      </p:sp>
+      <p:sp>
+        <p:nvSpPr>
+          <p:cNvPr id="84" name="TextBox 83"/>
+          <p:cNvSpPr txBox="1"/>
+          <p:nvPr/>
+        </p:nvSpPr>
+        <p:spPr>
+          <a:xfrm>
+            <a:off x="4762500" y="1143000"/>
+            <a:ext cx="2360507" cy="246221"/>
+          </a:xfrm>
+          <a:prstGeom prst="rect">
+            <a:avLst/>
+          </a:prstGeom>
+          <a:noFill/>
+        </p:spPr>
+        <p:txBody>
+          <a:bodyPr wrap="square" rtlCol="0">
+            <a:spAutoFit/>
+          </a:bodyPr>
+          <a:lstStyle/>
+          <a:p>
+            <a:r>
+              <a:rPr lang="en-US" sz="1000" dirty="0" smtClean="0"/>
+              <a:t>Price was too good to pass</a:t>
+            </a:r>
+            <a:endParaRPr lang="en-US" sz="1000" dirty="0"/>
+          </a:p>
+        </p:txBody>
+      </p:sp>
+      <p:sp>
+        <p:nvSpPr>
+          <p:cNvPr id="85" name="TextBox 84"/>
+          <p:cNvSpPr txBox="1"/>
+          <p:nvPr/>
+        </p:nvSpPr>
+        <p:spPr>
+          <a:xfrm>
+            <a:off x="4762500" y="1378981"/>
+            <a:ext cx="2360507" cy="246221"/>
+          </a:xfrm>
+          <a:prstGeom prst="rect">
+            <a:avLst/>
+          </a:prstGeom>
+          <a:noFill/>
+        </p:spPr>
+        <p:txBody>
+          <a:bodyPr wrap="square" rtlCol="0">
+            <a:spAutoFit/>
+          </a:bodyPr>
+          <a:lstStyle/>
+          <a:p>
+            <a:r>
+              <a:rPr lang="en-US" sz="1000" dirty="0" smtClean="0"/>
+              <a:t>Wow, first dividend payments</a:t>
+            </a:r>
+            <a:endParaRPr lang="en-US" sz="1000" dirty="0"/>
+          </a:p>
+        </p:txBody>
+      </p:sp>
+      <p:sp>
+        <p:nvSpPr>
+          <p:cNvPr id="86" name="TextBox 85"/>
+          <p:cNvSpPr txBox="1"/>
+          <p:nvPr/>
+        </p:nvSpPr>
+        <p:spPr>
+          <a:xfrm>
+            <a:off x="4762500" y="1609723"/>
+            <a:ext cx="2360507" cy="246221"/>
+          </a:xfrm>
+          <a:prstGeom prst="rect">
+            <a:avLst/>
+          </a:prstGeom>
+          <a:noFill/>
+        </p:spPr>
+        <p:txBody>
+          <a:bodyPr wrap="square" rtlCol="0">
+            <a:spAutoFit/>
+          </a:bodyPr>
+          <a:lstStyle/>
+          <a:p>
+            <a:r>
+              <a:rPr lang="en-US" sz="1000" dirty="0" smtClean="0"/>
+              <a:t>Capital gain</a:t>
+            </a:r>
+            <a:endParaRPr lang="en-US" sz="1000" dirty="0"/>
+          </a:p>
+        </p:txBody>
+      </p:sp>
+      <p:sp>
+        <p:nvSpPr>
+          <p:cNvPr id="87" name="TextBox 86"/>
+          <p:cNvSpPr txBox="1"/>
+          <p:nvPr/>
+        </p:nvSpPr>
+        <p:spPr>
+          <a:xfrm>
+            <a:off x="4779433" y="1828800"/>
+            <a:ext cx="2360507" cy="246221"/>
+          </a:xfrm>
+          <a:prstGeom prst="rect">
+            <a:avLst/>
+          </a:prstGeom>
+          <a:noFill/>
+        </p:spPr>
+        <p:txBody>
+          <a:bodyPr wrap="square" rtlCol="0">
+            <a:spAutoFit/>
+          </a:bodyPr>
+          <a:lstStyle/>
+          <a:p>
+            <a:r>
+              <a:rPr lang="en-US" sz="1000" dirty="0" smtClean="0"/>
+              <a:t>Take the profit and make some </a:t>
+            </a:r>
+            <a:r>
+              <a:rPr lang="en-US" sz="1000" dirty="0" err="1" smtClean="0"/>
+              <a:t>contribu</a:t>
+            </a:r>
+            <a:r>
+              <a:rPr lang="en-US" sz="1000" dirty="0" smtClean="0"/>
+              <a:t>…</a:t>
+            </a:r>
+            <a:endParaRPr lang="en-US" sz="1000" dirty="0"/>
+          </a:p>
+        </p:txBody>
+      </p:sp>
+      <p:sp>
+        <p:nvSpPr>
+          <p:cNvPr id="88" name="TextBox 87"/>
+          <p:cNvSpPr txBox="1"/>
+          <p:nvPr/>
+        </p:nvSpPr>
+        <p:spPr>
+          <a:xfrm>
+            <a:off x="2220807" y="665202"/>
+            <a:ext cx="495300" cy="276999"/>
+          </a:xfrm>
+          <a:prstGeom prst="rect">
+            <a:avLst/>
+          </a:prstGeom>
+          <a:noFill/>
+          <a:ln w="12700">
+            <a:noFill/>
+          </a:ln>
+        </p:spPr>
+        <p:style>
+          <a:lnRef idx="2">
+            <a:schemeClr val="accent1"/>
+          </a:lnRef>
+          <a:fillRef idx="1">
+            <a:schemeClr val="lt1"/>
+          </a:fillRef>
+          <a:effectRef idx="0">
+            <a:schemeClr val="accent1"/>
+          </a:effectRef>
+          <a:fontRef idx="minor">
+            <a:schemeClr val="dk1"/>
+          </a:fontRef>
+        </p:style>
+        <p:txBody>
+          <a:bodyPr wrap="square" rtlCol="0">
+            <a:spAutoFit/>
+          </a:bodyPr>
+          <a:lstStyle/>
+          <a:p>
+            <a:r>
+              <a:rPr lang="en-US" sz="1200" dirty="0" smtClean="0"/>
+              <a:t>Date</a:t>
+            </a:r>
+            <a:endParaRPr lang="en-US" sz="1200" dirty="0"/>
+          </a:p>
+        </p:txBody>
+      </p:sp>
+      <p:sp>
+        <p:nvSpPr>
+          <p:cNvPr id="89" name="TextBox 88"/>
+          <p:cNvSpPr txBox="1"/>
+          <p:nvPr/>
+        </p:nvSpPr>
+        <p:spPr>
+          <a:xfrm>
+            <a:off x="3733800" y="665202"/>
+            <a:ext cx="990600" cy="276999"/>
+          </a:xfrm>
+          <a:prstGeom prst="rect">
+            <a:avLst/>
+          </a:prstGeom>
+          <a:noFill/>
+          <a:ln w="12700">
+            <a:noFill/>
+          </a:ln>
+        </p:spPr>
+        <p:style>
+          <a:lnRef idx="2">
+            <a:schemeClr val="accent1"/>
+          </a:lnRef>
+          <a:fillRef idx="1">
+            <a:schemeClr val="lt1"/>
+          </a:fillRef>
+          <a:effectRef idx="0">
+            <a:schemeClr val="accent1"/>
+          </a:effectRef>
+          <a:fontRef idx="minor">
+            <a:schemeClr val="dk1"/>
+          </a:fontRef>
+        </p:style>
+        <p:txBody>
+          <a:bodyPr wrap="square" rtlCol="0">
+            <a:spAutoFit/>
+          </a:bodyPr>
+          <a:lstStyle/>
+          <a:p>
+            <a:r>
+              <a:rPr lang="en-US" sz="1200" dirty="0" smtClean="0"/>
+              <a:t>Description</a:t>
+            </a:r>
+            <a:endParaRPr lang="en-US" sz="1200" dirty="0"/>
+          </a:p>
+        </p:txBody>
+      </p:sp>
+      <p:sp>
+        <p:nvSpPr>
+          <p:cNvPr id="90" name="TextBox 89"/>
+          <p:cNvSpPr txBox="1"/>
+          <p:nvPr/>
+        </p:nvSpPr>
+        <p:spPr>
+          <a:xfrm>
+            <a:off x="4779433" y="661600"/>
+            <a:ext cx="1295400" cy="276999"/>
+          </a:xfrm>
+          <a:prstGeom prst="rect">
+            <a:avLst/>
+          </a:prstGeom>
+          <a:noFill/>
+          <a:ln w="12700">
+            <a:noFill/>
+          </a:ln>
+        </p:spPr>
+        <p:style>
+          <a:lnRef idx="2">
+            <a:schemeClr val="accent1"/>
+          </a:lnRef>
+          <a:fillRef idx="1">
+            <a:schemeClr val="lt1"/>
+          </a:fillRef>
+          <a:effectRef idx="0">
+            <a:schemeClr val="accent1"/>
+          </a:effectRef>
+          <a:fontRef idx="minor">
+            <a:schemeClr val="dk1"/>
+          </a:fontRef>
+        </p:style>
+        <p:txBody>
+          <a:bodyPr wrap="square" rtlCol="0">
+            <a:spAutoFit/>
+          </a:bodyPr>
+          <a:lstStyle/>
+          <a:p>
+            <a:r>
+              <a:rPr lang="en-US" sz="1200" dirty="0" smtClean="0"/>
+              <a:t>Comment</a:t>
+            </a:r>
+            <a:endParaRPr lang="en-US" sz="1200" dirty="0"/>
+          </a:p>
+        </p:txBody>
+      </p:sp>
+      <p:sp>
+        <p:nvSpPr>
+          <p:cNvPr id="93" name="TextBox 92"/>
+          <p:cNvSpPr txBox="1"/>
+          <p:nvPr/>
+        </p:nvSpPr>
+        <p:spPr>
+          <a:xfrm>
+            <a:off x="2910840" y="665202"/>
+            <a:ext cx="914401" cy="276999"/>
+          </a:xfrm>
+          <a:prstGeom prst="rect">
+            <a:avLst/>
+          </a:prstGeom>
+          <a:noFill/>
+          <a:ln w="12700">
+            <a:noFill/>
+          </a:ln>
+        </p:spPr>
+        <p:style>
+          <a:lnRef idx="2">
+            <a:schemeClr val="accent1"/>
+          </a:lnRef>
+          <a:fillRef idx="1">
+            <a:schemeClr val="lt1"/>
+          </a:fillRef>
+          <a:effectRef idx="0">
+            <a:schemeClr val="accent1"/>
+          </a:effectRef>
+          <a:fontRef idx="minor">
+            <a:schemeClr val="dk1"/>
+          </a:fontRef>
+        </p:style>
+        <p:txBody>
+          <a:bodyPr wrap="square" rtlCol="0">
+            <a:spAutoFit/>
+          </a:bodyPr>
+          <a:lstStyle/>
+          <a:p>
+            <a:r>
+              <a:rPr lang="en-US" sz="1200" dirty="0" smtClean="0"/>
+              <a:t>Settlement</a:t>
+            </a:r>
+            <a:endParaRPr lang="en-US" sz="1200" dirty="0"/>
+          </a:p>
+        </p:txBody>
+      </p:sp>
+      <p:sp>
+        <p:nvSpPr>
+          <p:cNvPr id="94" name="TextBox 93"/>
+          <p:cNvSpPr txBox="1"/>
+          <p:nvPr/>
+        </p:nvSpPr>
+        <p:spPr>
+          <a:xfrm>
+            <a:off x="7086600" y="665202"/>
+            <a:ext cx="838200" cy="276999"/>
+          </a:xfrm>
+          <a:prstGeom prst="rect">
+            <a:avLst/>
+          </a:prstGeom>
+          <a:noFill/>
+          <a:ln w="12700">
+            <a:noFill/>
+          </a:ln>
+        </p:spPr>
+        <p:style>
+          <a:lnRef idx="2">
+            <a:schemeClr val="accent1"/>
+          </a:lnRef>
+          <a:fillRef idx="1">
+            <a:schemeClr val="lt1"/>
+          </a:fillRef>
+          <a:effectRef idx="0">
+            <a:schemeClr val="accent1"/>
+          </a:effectRef>
+          <a:fontRef idx="minor">
+            <a:schemeClr val="dk1"/>
+          </a:fontRef>
+        </p:style>
+        <p:txBody>
+          <a:bodyPr wrap="square" rtlCol="0">
+            <a:spAutoFit/>
+          </a:bodyPr>
+          <a:lstStyle/>
+          <a:p>
+            <a:r>
+              <a:rPr lang="en-US" sz="1200" dirty="0" smtClean="0"/>
+              <a:t>Amount</a:t>
+            </a:r>
+            <a:endParaRPr lang="en-US" sz="1200" dirty="0"/>
+          </a:p>
+        </p:txBody>
+      </p:sp>
+      <p:sp>
+        <p:nvSpPr>
+          <p:cNvPr id="95" name="TextBox 94"/>
+          <p:cNvSpPr txBox="1"/>
+          <p:nvPr/>
+        </p:nvSpPr>
+        <p:spPr>
+          <a:xfrm>
+            <a:off x="7848600" y="665202"/>
+            <a:ext cx="838200" cy="276999"/>
+          </a:xfrm>
+          <a:prstGeom prst="rect">
+            <a:avLst/>
+          </a:prstGeom>
+          <a:noFill/>
+          <a:ln w="12700">
+            <a:noFill/>
+          </a:ln>
+        </p:spPr>
+        <p:style>
+          <a:lnRef idx="2">
+            <a:schemeClr val="accent1"/>
+          </a:lnRef>
+          <a:fillRef idx="1">
+            <a:schemeClr val="lt1"/>
+          </a:fillRef>
+          <a:effectRef idx="0">
+            <a:schemeClr val="accent1"/>
+          </a:effectRef>
+          <a:fontRef idx="minor">
+            <a:schemeClr val="dk1"/>
+          </a:fontRef>
+        </p:style>
+        <p:txBody>
+          <a:bodyPr wrap="square" rtlCol="0">
+            <a:spAutoFit/>
+          </a:bodyPr>
+          <a:lstStyle/>
+          <a:p>
+            <a:r>
+              <a:rPr lang="en-US" sz="1200" dirty="0" smtClean="0"/>
+              <a:t>Balance</a:t>
+            </a:r>
+            <a:endParaRPr lang="en-US" sz="1200" dirty="0"/>
+          </a:p>
+        </p:txBody>
+      </p:sp>
+      <p:sp>
+        <p:nvSpPr>
+          <p:cNvPr id="96" name="TextBox 95"/>
+          <p:cNvSpPr txBox="1"/>
+          <p:nvPr/>
+        </p:nvSpPr>
+        <p:spPr>
+          <a:xfrm>
+            <a:off x="6957060" y="914399"/>
+            <a:ext cx="914400" cy="246221"/>
+          </a:xfrm>
+          <a:prstGeom prst="rect">
+            <a:avLst/>
+          </a:prstGeom>
+          <a:noFill/>
+        </p:spPr>
+        <p:txBody>
+          <a:bodyPr wrap="square" rtlCol="0">
+            <a:spAutoFit/>
+          </a:bodyPr>
+          <a:lstStyle/>
+          <a:p>
+            <a:pPr algn="r"/>
+            <a:r>
+              <a:rPr lang="en-US" sz="1000" dirty="0" smtClean="0"/>
+              <a:t>$200,000.00</a:t>
+            </a:r>
+            <a:endParaRPr lang="en-US" sz="1000" dirty="0"/>
+          </a:p>
+        </p:txBody>
+      </p:sp>
+      <p:sp>
+        <p:nvSpPr>
+          <p:cNvPr id="97" name="TextBox 96"/>
+          <p:cNvSpPr txBox="1"/>
+          <p:nvPr/>
+        </p:nvSpPr>
+        <p:spPr>
+          <a:xfrm>
+            <a:off x="6957060" y="1142999"/>
+            <a:ext cx="914400" cy="246221"/>
+          </a:xfrm>
+          <a:prstGeom prst="rect">
+            <a:avLst/>
+          </a:prstGeom>
+          <a:noFill/>
+        </p:spPr>
+        <p:txBody>
+          <a:bodyPr wrap="square" rtlCol="0">
+            <a:spAutoFit/>
+          </a:bodyPr>
+          <a:lstStyle/>
+          <a:p>
+            <a:pPr algn="r"/>
+            <a:r>
+              <a:rPr lang="en-US" sz="1000" dirty="0" smtClean="0">
+                <a:solidFill>
+                  <a:srgbClr val="FF0000"/>
+                </a:solidFill>
+              </a:rPr>
+              <a:t>-$17,898.95</a:t>
+            </a:r>
+          </a:p>
+        </p:txBody>
+      </p:sp>
+      <p:sp>
+        <p:nvSpPr>
+          <p:cNvPr id="98" name="TextBox 97"/>
+          <p:cNvSpPr txBox="1"/>
+          <p:nvPr/>
+        </p:nvSpPr>
+        <p:spPr>
+          <a:xfrm>
+            <a:off x="6957060" y="1378980"/>
+            <a:ext cx="914400" cy="246221"/>
+          </a:xfrm>
+          <a:prstGeom prst="rect">
+            <a:avLst/>
+          </a:prstGeom>
+          <a:noFill/>
+        </p:spPr>
+        <p:txBody>
+          <a:bodyPr wrap="square" rtlCol="0">
+            <a:spAutoFit/>
+          </a:bodyPr>
+          <a:lstStyle/>
+          <a:p>
+            <a:pPr algn="r"/>
+            <a:r>
+              <a:rPr lang="en-US" sz="1000" dirty="0" smtClean="0"/>
+              <a:t>$489.00</a:t>
+            </a:r>
+          </a:p>
+        </p:txBody>
+      </p:sp>
+      <p:sp>
+        <p:nvSpPr>
+          <p:cNvPr id="99" name="TextBox 98"/>
+          <p:cNvSpPr txBox="1"/>
+          <p:nvPr/>
+        </p:nvSpPr>
+        <p:spPr>
+          <a:xfrm>
+            <a:off x="6957060" y="1609722"/>
+            <a:ext cx="914400" cy="246221"/>
+          </a:xfrm>
+          <a:prstGeom prst="rect">
+            <a:avLst/>
+          </a:prstGeom>
+          <a:noFill/>
+        </p:spPr>
+        <p:txBody>
+          <a:bodyPr wrap="square" rtlCol="0">
+            <a:spAutoFit/>
+          </a:bodyPr>
+          <a:lstStyle/>
+          <a:p>
+            <a:pPr algn="r"/>
+            <a:r>
+              <a:rPr lang="en-US" sz="1000" dirty="0" smtClean="0"/>
+              <a:t>$6,422.00</a:t>
+            </a:r>
+          </a:p>
+        </p:txBody>
+      </p:sp>
+      <p:sp>
+        <p:nvSpPr>
+          <p:cNvPr id="100" name="TextBox 99"/>
+          <p:cNvSpPr txBox="1"/>
+          <p:nvPr/>
+        </p:nvSpPr>
+        <p:spPr>
+          <a:xfrm>
+            <a:off x="6973993" y="1828799"/>
+            <a:ext cx="914400" cy="246221"/>
+          </a:xfrm>
+          <a:prstGeom prst="rect">
+            <a:avLst/>
+          </a:prstGeom>
+          <a:noFill/>
+        </p:spPr>
+        <p:txBody>
+          <a:bodyPr wrap="square" rtlCol="0">
+            <a:spAutoFit/>
+          </a:bodyPr>
+          <a:lstStyle/>
+          <a:p>
+            <a:pPr algn="r"/>
+            <a:r>
+              <a:rPr lang="en-US" sz="1000" dirty="0" smtClean="0">
+                <a:solidFill>
+                  <a:srgbClr val="FF0000"/>
+                </a:solidFill>
+              </a:rPr>
+              <a:t>-$100,000.00</a:t>
+            </a:r>
+            <a:endParaRPr lang="en-US" sz="1000" dirty="0">
+              <a:solidFill>
+                <a:srgbClr val="FF0000"/>
+              </a:solidFill>
+            </a:endParaRPr>
+          </a:p>
+        </p:txBody>
+      </p:sp>
+      <p:sp>
+        <p:nvSpPr>
+          <p:cNvPr id="101" name="Rectangle 100"/>
+          <p:cNvSpPr/>
+          <p:nvPr/>
+        </p:nvSpPr>
+        <p:spPr>
+          <a:xfrm>
+            <a:off x="2150533" y="3200400"/>
+            <a:ext cx="6536267" cy="228600"/>
+          </a:xfrm>
+          <a:prstGeom prst="rect">
+            <a:avLst/>
+          </a:prstGeom>
+          <a:solidFill>
+            <a:srgbClr val="C6D9F1">
+              <a:alpha val="30196"/>
+            </a:srgbClr>
+          </a:solidFill>
+          <a:ln>
+            <a:noFill/>
+          </a:ln>
+        </p:spPr>
+        <p:style>
+          <a:lnRef idx="2">
+            <a:schemeClr val="accent1">
+              <a:shade val="50000"/>
+            </a:schemeClr>
+          </a:lnRef>
+          <a:fillRef idx="1">
+            <a:schemeClr val="accent1"/>
+          </a:fillRef>
+          <a:effectRef idx="0">
+            <a:schemeClr val="accent1"/>
+          </a:effectRef>
+          <a:fontRef idx="minor">
+            <a:schemeClr val="lt1"/>
+          </a:fontRef>
+        </p:style>
+        <p:txBody>
+          <a:bodyPr rtlCol="0" anchor="ctr"/>
+          <a:lstStyle/>
+          <a:p>
+            <a:pPr algn="ctr"/>
+            <a:endParaRPr lang="en-US"/>
+          </a:p>
+        </p:txBody>
+      </p:sp>
+      <p:sp>
+        <p:nvSpPr>
+          <p:cNvPr id="104" name="Rectangle 103"/>
+          <p:cNvSpPr/>
+          <p:nvPr/>
+        </p:nvSpPr>
+        <p:spPr>
+          <a:xfrm>
+            <a:off x="2150533" y="3657600"/>
+            <a:ext cx="6536267" cy="228600"/>
+          </a:xfrm>
+          <a:prstGeom prst="rect">
+            <a:avLst/>
+          </a:prstGeom>
+          <a:solidFill>
+            <a:srgbClr val="C6D9F1">
+              <a:alpha val="30196"/>
+            </a:srgbClr>
+          </a:solidFill>
+          <a:ln>
+            <a:noFill/>
+          </a:ln>
+        </p:spPr>
+        <p:style>
+          <a:lnRef idx="2">
+            <a:schemeClr val="accent1">
+              <a:shade val="50000"/>
+            </a:schemeClr>
+          </a:lnRef>
+          <a:fillRef idx="1">
+            <a:schemeClr val="accent1"/>
+          </a:fillRef>
+          <a:effectRef idx="0">
+            <a:schemeClr val="accent1"/>
+          </a:effectRef>
+          <a:fontRef idx="minor">
+            <a:schemeClr val="lt1"/>
+          </a:fontRef>
+        </p:style>
+        <p:txBody>
+          <a:bodyPr rtlCol="0" anchor="ctr"/>
+          <a:lstStyle/>
+          <a:p>
+            <a:pPr algn="ctr"/>
+            <a:endParaRPr lang="en-US"/>
+          </a:p>
+        </p:txBody>
+      </p:sp>
+      <p:sp>
+        <p:nvSpPr>
+          <p:cNvPr id="120" name="Rectangle 119"/>
+          <p:cNvSpPr/>
+          <p:nvPr/>
+        </p:nvSpPr>
+        <p:spPr>
+          <a:xfrm>
+            <a:off x="2103120" y="4114800"/>
+            <a:ext cx="6536267" cy="228600"/>
+          </a:xfrm>
+          <a:prstGeom prst="rect">
+            <a:avLst/>
+          </a:prstGeom>
+          <a:solidFill>
+            <a:srgbClr val="C6D9F1">
+              <a:alpha val="30196"/>
+            </a:srgbClr>
+          </a:solidFill>
+          <a:ln>
+            <a:noFill/>
+          </a:ln>
+        </p:spPr>
+        <p:style>
+          <a:lnRef idx="2">
+            <a:schemeClr val="accent1">
+              <a:shade val="50000"/>
+            </a:schemeClr>
+          </a:lnRef>
+          <a:fillRef idx="1">
+            <a:schemeClr val="accent1"/>
+          </a:fillRef>
+          <a:effectRef idx="0">
+            <a:schemeClr val="accent1"/>
+          </a:effectRef>
+          <a:fontRef idx="minor">
+            <a:schemeClr val="lt1"/>
+          </a:fontRef>
+        </p:style>
+        <p:txBody>
+          <a:bodyPr rtlCol="0" anchor="ctr"/>
+          <a:lstStyle/>
+          <a:p>
+            <a:pPr algn="ctr"/>
+            <a:endParaRPr lang="en-US"/>
+          </a:p>
+        </p:txBody>
+      </p:sp>
+      <p:sp>
+        <p:nvSpPr>
+          <p:cNvPr id="129" name="Rectangle 128"/>
+          <p:cNvSpPr/>
+          <p:nvPr/>
+        </p:nvSpPr>
+        <p:spPr>
+          <a:xfrm>
+            <a:off x="2103120" y="4572000"/>
+            <a:ext cx="6536267" cy="228600"/>
+          </a:xfrm>
+          <a:prstGeom prst="rect">
+            <a:avLst/>
+          </a:prstGeom>
+          <a:solidFill>
+            <a:srgbClr val="C6D9F1">
+              <a:alpha val="30196"/>
+            </a:srgbClr>
+          </a:solidFill>
+          <a:ln>
+            <a:noFill/>
+          </a:ln>
+        </p:spPr>
+        <p:style>
+          <a:lnRef idx="2">
+            <a:schemeClr val="accent1">
+              <a:shade val="50000"/>
+            </a:schemeClr>
+          </a:lnRef>
+          <a:fillRef idx="1">
+            <a:schemeClr val="accent1"/>
+          </a:fillRef>
+          <a:effectRef idx="0">
+            <a:schemeClr val="accent1"/>
+          </a:effectRef>
+          <a:fontRef idx="minor">
+            <a:schemeClr val="lt1"/>
+          </a:fontRef>
+        </p:style>
+        <p:txBody>
+          <a:bodyPr rtlCol="0" anchor="ctr"/>
+          <a:lstStyle/>
+          <a:p>
+            <a:pPr algn="ctr"/>
+            <a:endParaRPr lang="en-US"/>
+          </a:p>
+        </p:txBody>
+      </p:sp>
+      <p:sp>
+        <p:nvSpPr>
+          <p:cNvPr id="130" name="Rectangle 129"/>
+          <p:cNvSpPr/>
+          <p:nvPr/>
+        </p:nvSpPr>
+        <p:spPr>
+          <a:xfrm>
+            <a:off x="2121747" y="5029200"/>
+            <a:ext cx="6536267" cy="228600"/>
+          </a:xfrm>
+          <a:prstGeom prst="rect">
+            <a:avLst/>
+          </a:prstGeom>
+          <a:solidFill>
+            <a:srgbClr val="C6D9F1">
+              <a:alpha val="30196"/>
+            </a:srgbClr>
+          </a:solidFill>
+          <a:ln>
+            <a:noFill/>
+          </a:ln>
+        </p:spPr>
+        <p:style>
+          <a:lnRef idx="2">
+            <a:schemeClr val="accent1">
+              <a:shade val="50000"/>
+            </a:schemeClr>
+          </a:lnRef>
+          <a:fillRef idx="1">
+            <a:schemeClr val="accent1"/>
+          </a:fillRef>
+          <a:effectRef idx="0">
+            <a:schemeClr val="accent1"/>
+          </a:effectRef>
+          <a:fontRef idx="minor">
+            <a:schemeClr val="lt1"/>
+          </a:fontRef>
+        </p:style>
+        <p:txBody>
+          <a:bodyPr rtlCol="0" anchor="ctr"/>
+          <a:lstStyle/>
+          <a:p>
+            <a:pPr algn="ctr"/>
+            <a:endParaRPr lang="en-US"/>
+          </a:p>
+        </p:txBody>
+      </p:sp>
+      <p:sp>
+        <p:nvSpPr>
+          <p:cNvPr id="137" name="Rectangle 136"/>
+          <p:cNvSpPr/>
+          <p:nvPr/>
+        </p:nvSpPr>
+        <p:spPr>
+          <a:xfrm>
+            <a:off x="2121747" y="5486400"/>
+            <a:ext cx="6536267" cy="228600"/>
+          </a:xfrm>
+          <a:prstGeom prst="rect">
+            <a:avLst/>
+          </a:prstGeom>
+          <a:solidFill>
+            <a:srgbClr val="C6D9F1">
+              <a:alpha val="30196"/>
+            </a:srgbClr>
+          </a:solidFill>
+          <a:ln>
+            <a:noFill/>
+          </a:ln>
+        </p:spPr>
+        <p:style>
+          <a:lnRef idx="2">
+            <a:schemeClr val="accent1">
+              <a:shade val="50000"/>
+            </a:schemeClr>
+          </a:lnRef>
+          <a:fillRef idx="1">
+            <a:schemeClr val="accent1"/>
+          </a:fillRef>
+          <a:effectRef idx="0">
+            <a:schemeClr val="accent1"/>
+          </a:effectRef>
+          <a:fontRef idx="minor">
+            <a:schemeClr val="lt1"/>
+          </a:fontRef>
+        </p:style>
+        <p:txBody>
+          <a:bodyPr rtlCol="0" anchor="ctr"/>
+          <a:lstStyle/>
+          <a:p>
+            <a:pPr algn="ctr"/>
+            <a:endParaRPr lang="en-US"/>
+          </a:p>
+        </p:txBody>
+      </p:sp>
+      <p:sp>
+        <p:nvSpPr>
+          <p:cNvPr id="141" name="Rectangle 140"/>
+          <p:cNvSpPr/>
+          <p:nvPr/>
+        </p:nvSpPr>
+        <p:spPr>
+          <a:xfrm>
+            <a:off x="2133601" y="5954197"/>
+            <a:ext cx="6536267" cy="228600"/>
+          </a:xfrm>
+          <a:prstGeom prst="rect">
+            <a:avLst/>
+          </a:prstGeom>
+          <a:solidFill>
+            <a:srgbClr val="C6D9F1">
+              <a:alpha val="30196"/>
+            </a:srgbClr>
+          </a:solidFill>
+          <a:ln>
+            <a:noFill/>
+          </a:ln>
+        </p:spPr>
+        <p:style>
+          <a:lnRef idx="2">
+            <a:schemeClr val="accent1">
+              <a:shade val="50000"/>
+            </a:schemeClr>
+          </a:lnRef>
+          <a:fillRef idx="1">
+            <a:schemeClr val="accent1"/>
+          </a:fillRef>
+          <a:effectRef idx="0">
+            <a:schemeClr val="accent1"/>
+          </a:effectRef>
+          <a:fontRef idx="minor">
+            <a:schemeClr val="lt1"/>
+          </a:fontRef>
+        </p:style>
+        <p:txBody>
+          <a:bodyPr rtlCol="0" anchor="ctr"/>
+          <a:lstStyle/>
+          <a:p>
+            <a:pPr algn="ctr"/>
+            <a:endParaRPr lang="en-US"/>
+          </a:p>
+        </p:txBody>
+      </p:sp>
+      <p:sp>
+        <p:nvSpPr>
+          <p:cNvPr id="145" name="TextBox 144"/>
+          <p:cNvSpPr txBox="1"/>
+          <p:nvPr/>
+        </p:nvSpPr>
+        <p:spPr>
+          <a:xfrm>
+            <a:off x="2131906" y="2058114"/>
+            <a:ext cx="1830493" cy="246221"/>
+          </a:xfrm>
+          <a:prstGeom prst="rect">
+            <a:avLst/>
+          </a:prstGeom>
+          <a:noFill/>
+        </p:spPr>
+        <p:txBody>
+          <a:bodyPr wrap="square" rtlCol="0">
+            <a:spAutoFit/>
+          </a:bodyPr>
+          <a:lstStyle/>
+          <a:p>
+            <a:r>
+              <a:rPr lang="en-US" sz="1000" b="1" dirty="0" smtClean="0">
+                <a:solidFill>
+                  <a:schemeClr val="accent1"/>
+                </a:solidFill>
+              </a:rPr>
+              <a:t>Creat</a:t>
+            </a:r>
+            <a:r>
+              <a:rPr lang="en-US" sz="1000" b="1" dirty="0" smtClean="0">
+                <a:solidFill>
+                  <a:schemeClr val="accent1"/>
+                </a:solidFill>
+              </a:rPr>
+              <a:t>e new transaction…</a:t>
+            </a:r>
+            <a:endParaRPr lang="en-US" sz="1000" b="1" dirty="0">
+              <a:solidFill>
+                <a:schemeClr val="accent1"/>
+              </a:solidFill>
+            </a:endParaRPr>
+          </a:p>
+        </p:txBody>
+      </p:sp>
+    </p:spTree>
+    <p:extLst>
+      <p:ext uri="{BB962C8B-B14F-4D97-AF65-F5344CB8AC3E}">
+        <p14:creationId xmlns:p14="http://schemas.microsoft.com/office/powerpoint/2010/main" val="2559154091"/>
+      </p:ext>
+    </p:extLst>
+  </p:cSld>
+  <p:clrMapOvr>
+    <a:masterClrMapping/>
+  </p:clrMapOvr>
+  <p:timing>
+    <p:tnLst>
+      <p:par>
+        <p:cTn id="1" dur="indefinite" restart="never" nodeType="tmRoot"/>
+      </p:par>
+    </p:tnLst>
+  </p:timing>
+</p:sld>
+</file>
+
+<file path=ppt/slides/slide9.xml><?xml version="1.0" encoding="utf-8"?>
+<p:sld xmlns:a="http://schemas.openxmlformats.org/drawingml/2006/main" xmlns:r="http://schemas.openxmlformats.org/officeDocument/2006/relationships" xmlns:p="http://schemas.openxmlformats.org/presentationml/2006/main">
+  <p:cSld>
+    <p:spTree>
+      <p:nvGrpSpPr>
+        <p:cNvPr id="1" name=""/>
+        <p:cNvGrpSpPr/>
+        <p:nvPr/>
+      </p:nvGrpSpPr>
+      <p:grpSpPr>
+        <a:xfrm>
+          <a:off x="0" y="0"/>
+          <a:ext cx="0" cy="0"/>
+          <a:chOff x="0" y="0"/>
+          <a:chExt cx="0" cy="0"/>
+        </a:xfrm>
+      </p:grpSpPr>
+      <p:sp>
+        <p:nvSpPr>
+          <p:cNvPr id="78" name="Rectangle 77"/>
+          <p:cNvSpPr/>
+          <p:nvPr/>
+        </p:nvSpPr>
+        <p:spPr>
+          <a:xfrm>
+            <a:off x="152400" y="685800"/>
+            <a:ext cx="1905000" cy="6019800"/>
+          </a:xfrm>
+          <a:prstGeom prst="rect">
+            <a:avLst/>
+          </a:prstGeom>
+        </p:spPr>
+        <p:style>
+          <a:lnRef idx="2">
+            <a:schemeClr val="accent1">
+              <a:shade val="50000"/>
+            </a:schemeClr>
+          </a:lnRef>
+          <a:fillRef idx="1">
+            <a:schemeClr val="accent1"/>
+          </a:fillRef>
+          <a:effectRef idx="0">
+            <a:schemeClr val="accent1"/>
+          </a:effectRef>
+          <a:fontRef idx="minor">
+            <a:schemeClr val="lt1"/>
+          </a:fontRef>
+        </p:style>
+        <p:txBody>
+          <a:bodyPr rtlCol="0" anchor="ctr"/>
+          <a:lstStyle/>
+          <a:p>
+            <a:pPr algn="ctr"/>
+            <a:endParaRPr lang="en-US"/>
+          </a:p>
+        </p:txBody>
+      </p:sp>
+      <p:sp>
+        <p:nvSpPr>
+          <p:cNvPr id="6" name="Rectangle 5"/>
+          <p:cNvSpPr/>
+          <p:nvPr/>
+        </p:nvSpPr>
+        <p:spPr>
+          <a:xfrm>
+            <a:off x="152400" y="152400"/>
+            <a:ext cx="1905000" cy="457200"/>
+          </a:xfrm>
+          <a:prstGeom prst="rect">
+            <a:avLst/>
+          </a:prstGeom>
+          <a:solidFill>
+            <a:schemeClr val="bg1">
+              <a:lumMod val="95000"/>
+            </a:schemeClr>
+          </a:solidFill>
+          <a:ln w="19050"/>
+        </p:spPr>
+        <p:style>
+          <a:lnRef idx="2">
+            <a:schemeClr val="accent1"/>
+          </a:lnRef>
+          <a:fillRef idx="1">
+            <a:schemeClr val="lt1"/>
+          </a:fillRef>
+          <a:effectRef idx="0">
+            <a:schemeClr val="accent1"/>
+          </a:effectRef>
+          <a:fontRef idx="minor">
+            <a:schemeClr val="dk1"/>
+          </a:fontRef>
+        </p:style>
+        <p:txBody>
+          <a:bodyPr rtlCol="0" anchor="ctr"/>
+          <a:lstStyle/>
+          <a:p>
+            <a:pPr algn="ctr"/>
+            <a:r>
+              <a:rPr lang="en-US" sz="1200" dirty="0" smtClean="0"/>
+              <a:t>Max’s Portfolio</a:t>
+            </a:r>
+            <a:endParaRPr lang="en-US" sz="1200" dirty="0"/>
+          </a:p>
+        </p:txBody>
+      </p:sp>
+      <p:sp>
+        <p:nvSpPr>
+          <p:cNvPr id="91" name="Rectangle 90"/>
+          <p:cNvSpPr/>
+          <p:nvPr/>
+        </p:nvSpPr>
+        <p:spPr>
+          <a:xfrm>
+            <a:off x="2133600" y="152400"/>
+            <a:ext cx="6858000" cy="457200"/>
+          </a:xfrm>
+          <a:prstGeom prst="rect">
+            <a:avLst/>
+          </a:prstGeom>
+          <a:solidFill>
+            <a:schemeClr val="bg1">
+              <a:lumMod val="95000"/>
+            </a:schemeClr>
+          </a:solidFill>
+          <a:ln w="19050"/>
+        </p:spPr>
+        <p:style>
+          <a:lnRef idx="2">
+            <a:schemeClr val="accent1"/>
+          </a:lnRef>
+          <a:fillRef idx="1">
+            <a:schemeClr val="lt1"/>
+          </a:fillRef>
+          <a:effectRef idx="0">
+            <a:schemeClr val="accent1"/>
+          </a:effectRef>
+          <a:fontRef idx="minor">
+            <a:schemeClr val="dk1"/>
+          </a:fontRef>
+        </p:style>
+        <p:txBody>
+          <a:bodyPr rtlCol="0" anchor="ctr"/>
+          <a:lstStyle/>
+          <a:p>
+            <a:pPr algn="ctr"/>
+            <a:r>
+              <a:rPr lang="en-US" sz="2400" dirty="0" smtClean="0"/>
+              <a:t>RBC RESP DI</a:t>
+            </a:r>
+            <a:endParaRPr lang="en-US" sz="2400" dirty="0"/>
+          </a:p>
+        </p:txBody>
+      </p:sp>
+      <p:sp>
+        <p:nvSpPr>
+          <p:cNvPr id="92" name="TextBox 91"/>
+          <p:cNvSpPr txBox="1"/>
+          <p:nvPr/>
+        </p:nvSpPr>
+        <p:spPr>
+          <a:xfrm>
+            <a:off x="152400" y="685800"/>
+            <a:ext cx="1905000" cy="307777"/>
+          </a:xfrm>
+          <a:prstGeom prst="rect">
+            <a:avLst/>
+          </a:prstGeom>
+          <a:noFill/>
+        </p:spPr>
+        <p:txBody>
+          <a:bodyPr wrap="square" rtlCol="0">
+            <a:spAutoFit/>
+          </a:bodyPr>
+          <a:lstStyle/>
+          <a:p>
+            <a:r>
+              <a:rPr lang="en-US" sz="1400" dirty="0" smtClean="0">
+                <a:solidFill>
+                  <a:schemeClr val="bg1"/>
+                </a:solidFill>
+              </a:rPr>
+              <a:t>Balance book</a:t>
+            </a:r>
+            <a:endParaRPr lang="en-US" sz="1400" dirty="0">
+              <a:solidFill>
+                <a:schemeClr val="bg1"/>
+              </a:solidFill>
+            </a:endParaRPr>
+          </a:p>
+        </p:txBody>
+      </p:sp>
+      <p:sp>
+        <p:nvSpPr>
+          <p:cNvPr id="102" name="Rectangle 101"/>
+          <p:cNvSpPr/>
+          <p:nvPr/>
+        </p:nvSpPr>
+        <p:spPr>
+          <a:xfrm>
+            <a:off x="2133601" y="905588"/>
+            <a:ext cx="6553200" cy="5571411"/>
+          </a:xfrm>
+          <a:prstGeom prst="rect">
+            <a:avLst/>
+          </a:prstGeom>
+        </p:spPr>
+        <p:style>
+          <a:lnRef idx="2">
+            <a:schemeClr val="accent1"/>
+          </a:lnRef>
+          <a:fillRef idx="1">
+            <a:schemeClr val="lt1"/>
+          </a:fillRef>
+          <a:effectRef idx="0">
+            <a:schemeClr val="accent1"/>
+          </a:effectRef>
+          <a:fontRef idx="minor">
+            <a:schemeClr val="dk1"/>
+          </a:fontRef>
+        </p:style>
+        <p:txBody>
+          <a:bodyPr rtlCol="0" anchor="ctr"/>
+          <a:lstStyle/>
+          <a:p>
+            <a:pPr algn="ctr"/>
+            <a:endParaRPr lang="en-US" dirty="0"/>
+          </a:p>
+        </p:txBody>
+      </p:sp>
+      <p:sp>
+        <p:nvSpPr>
+          <p:cNvPr id="115" name="Rectangle 114"/>
+          <p:cNvSpPr/>
+          <p:nvPr/>
+        </p:nvSpPr>
+        <p:spPr>
+          <a:xfrm>
+            <a:off x="2150533" y="914400"/>
+            <a:ext cx="6536267" cy="228600"/>
+          </a:xfrm>
+          <a:prstGeom prst="rect">
+            <a:avLst/>
+          </a:prstGeom>
+          <a:solidFill>
+            <a:srgbClr val="C6D9F1">
+              <a:alpha val="30196"/>
+            </a:srgbClr>
+          </a:solidFill>
+          <a:ln>
+            <a:noFill/>
+          </a:ln>
+        </p:spPr>
+        <p:style>
+          <a:lnRef idx="2">
+            <a:schemeClr val="accent1">
+              <a:shade val="50000"/>
+            </a:schemeClr>
+          </a:lnRef>
+          <a:fillRef idx="1">
+            <a:schemeClr val="accent1"/>
+          </a:fillRef>
+          <a:effectRef idx="0">
+            <a:schemeClr val="accent1"/>
+          </a:effectRef>
+          <a:fontRef idx="minor">
+            <a:schemeClr val="lt1"/>
+          </a:fontRef>
+        </p:style>
+        <p:txBody>
+          <a:bodyPr rtlCol="0" anchor="ctr"/>
+          <a:lstStyle/>
+          <a:p>
+            <a:pPr algn="ctr"/>
+            <a:endParaRPr lang="en-US"/>
+          </a:p>
+        </p:txBody>
+      </p:sp>
+      <p:sp>
+        <p:nvSpPr>
+          <p:cNvPr id="105" name="TextBox 104"/>
+          <p:cNvSpPr txBox="1"/>
+          <p:nvPr/>
+        </p:nvSpPr>
+        <p:spPr>
+          <a:xfrm>
+            <a:off x="2131907" y="905589"/>
+            <a:ext cx="838200" cy="246221"/>
+          </a:xfrm>
+          <a:prstGeom prst="rect">
+            <a:avLst/>
+          </a:prstGeom>
+          <a:noFill/>
+        </p:spPr>
+        <p:txBody>
+          <a:bodyPr wrap="square" rtlCol="0">
+            <a:spAutoFit/>
+          </a:bodyPr>
+          <a:lstStyle/>
+          <a:p>
+            <a:r>
+              <a:rPr lang="en-US" sz="1000" dirty="0" smtClean="0"/>
+              <a:t>10/01/2015</a:t>
+            </a:r>
+            <a:endParaRPr lang="en-US" sz="1000" dirty="0"/>
+          </a:p>
+        </p:txBody>
+      </p:sp>
+      <p:sp>
+        <p:nvSpPr>
+          <p:cNvPr id="106" name="TextBox 105"/>
+          <p:cNvSpPr txBox="1"/>
+          <p:nvPr/>
+        </p:nvSpPr>
+        <p:spPr>
+          <a:xfrm>
+            <a:off x="3733800" y="905589"/>
+            <a:ext cx="1295400" cy="246221"/>
+          </a:xfrm>
+          <a:prstGeom prst="rect">
+            <a:avLst/>
+          </a:prstGeom>
+          <a:noFill/>
+        </p:spPr>
+        <p:txBody>
+          <a:bodyPr wrap="square" rtlCol="0">
+            <a:spAutoFit/>
+          </a:bodyPr>
+          <a:lstStyle/>
+          <a:p>
+            <a:r>
+              <a:rPr lang="en-US" sz="1000" dirty="0" smtClean="0"/>
+              <a:t>Deposit</a:t>
+            </a:r>
+            <a:endParaRPr lang="en-US" sz="1000" dirty="0"/>
+          </a:p>
+        </p:txBody>
+      </p:sp>
+      <p:sp>
+        <p:nvSpPr>
+          <p:cNvPr id="107" name="TextBox 106"/>
+          <p:cNvSpPr txBox="1"/>
+          <p:nvPr/>
+        </p:nvSpPr>
+        <p:spPr>
+          <a:xfrm>
+            <a:off x="7753774" y="905589"/>
+            <a:ext cx="914400" cy="246221"/>
+          </a:xfrm>
+          <a:prstGeom prst="rect">
+            <a:avLst/>
+          </a:prstGeom>
+          <a:noFill/>
+        </p:spPr>
+        <p:txBody>
+          <a:bodyPr wrap="square" rtlCol="0">
+            <a:spAutoFit/>
+          </a:bodyPr>
+          <a:lstStyle/>
+          <a:p>
+            <a:pPr algn="r"/>
+            <a:r>
+              <a:rPr lang="en-US" sz="1000" dirty="0" smtClean="0"/>
+              <a:t>$0.00</a:t>
+            </a:r>
+            <a:endParaRPr lang="en-US" sz="1000" dirty="0"/>
+          </a:p>
+        </p:txBody>
+      </p:sp>
+      <p:sp>
+        <p:nvSpPr>
+          <p:cNvPr id="108" name="TextBox 107"/>
+          <p:cNvSpPr txBox="1"/>
+          <p:nvPr/>
+        </p:nvSpPr>
+        <p:spPr>
+          <a:xfrm>
+            <a:off x="2131907" y="1134189"/>
+            <a:ext cx="838200" cy="246221"/>
+          </a:xfrm>
+          <a:prstGeom prst="rect">
+            <a:avLst/>
+          </a:prstGeom>
+          <a:noFill/>
+        </p:spPr>
+        <p:txBody>
+          <a:bodyPr wrap="square" rtlCol="0">
+            <a:spAutoFit/>
+          </a:bodyPr>
+          <a:lstStyle/>
+          <a:p>
+            <a:r>
+              <a:rPr lang="en-US" sz="1000" dirty="0" smtClean="0"/>
+              <a:t>12/01/2015</a:t>
+            </a:r>
+            <a:endParaRPr lang="en-US" sz="1000" dirty="0"/>
+          </a:p>
+        </p:txBody>
+      </p:sp>
+      <p:sp>
+        <p:nvSpPr>
+          <p:cNvPr id="109" name="TextBox 108"/>
+          <p:cNvSpPr txBox="1"/>
+          <p:nvPr/>
+        </p:nvSpPr>
+        <p:spPr>
+          <a:xfrm>
+            <a:off x="3733800" y="1134189"/>
+            <a:ext cx="1295400" cy="246221"/>
+          </a:xfrm>
+          <a:prstGeom prst="rect">
+            <a:avLst/>
+          </a:prstGeom>
+          <a:noFill/>
+        </p:spPr>
+        <p:txBody>
+          <a:bodyPr wrap="square" rtlCol="0">
+            <a:spAutoFit/>
+          </a:bodyPr>
+          <a:lstStyle/>
+          <a:p>
+            <a:r>
+              <a:rPr lang="en-US" sz="1000" dirty="0" smtClean="0"/>
+              <a:t>MSFT purchase</a:t>
+            </a:r>
+            <a:endParaRPr lang="en-US" sz="1000" dirty="0"/>
+          </a:p>
+        </p:txBody>
+      </p:sp>
+      <p:sp>
+        <p:nvSpPr>
+          <p:cNvPr id="110" name="TextBox 109"/>
+          <p:cNvSpPr txBox="1"/>
+          <p:nvPr/>
+        </p:nvSpPr>
+        <p:spPr>
+          <a:xfrm>
+            <a:off x="7753774" y="1134189"/>
+            <a:ext cx="914400" cy="246221"/>
+          </a:xfrm>
+          <a:prstGeom prst="rect">
+            <a:avLst/>
+          </a:prstGeom>
+          <a:noFill/>
+        </p:spPr>
+        <p:txBody>
+          <a:bodyPr wrap="square" rtlCol="0">
+            <a:spAutoFit/>
+          </a:bodyPr>
+          <a:lstStyle/>
+          <a:p>
+            <a:pPr algn="r"/>
+            <a:r>
+              <a:rPr lang="en-US" sz="1000" dirty="0" smtClean="0"/>
+              <a:t>$182,101.05</a:t>
+            </a:r>
+            <a:endParaRPr lang="en-US" sz="1000" dirty="0" smtClean="0"/>
+          </a:p>
+        </p:txBody>
+      </p:sp>
+      <p:sp>
+        <p:nvSpPr>
+          <p:cNvPr id="116" name="Rectangle 115"/>
+          <p:cNvSpPr/>
+          <p:nvPr/>
+        </p:nvSpPr>
+        <p:spPr>
+          <a:xfrm>
+            <a:off x="2150533" y="1371600"/>
+            <a:ext cx="6536267" cy="228600"/>
+          </a:xfrm>
+          <a:prstGeom prst="rect">
+            <a:avLst/>
+          </a:prstGeom>
+          <a:solidFill>
+            <a:srgbClr val="C6D9F1">
+              <a:alpha val="30196"/>
+            </a:srgbClr>
+          </a:solidFill>
+          <a:ln>
+            <a:noFill/>
+          </a:ln>
+        </p:spPr>
+        <p:style>
+          <a:lnRef idx="2">
+            <a:schemeClr val="accent1">
+              <a:shade val="50000"/>
+            </a:schemeClr>
+          </a:lnRef>
+          <a:fillRef idx="1">
+            <a:schemeClr val="accent1"/>
+          </a:fillRef>
+          <a:effectRef idx="0">
+            <a:schemeClr val="accent1"/>
+          </a:effectRef>
+          <a:fontRef idx="minor">
+            <a:schemeClr val="lt1"/>
+          </a:fontRef>
+        </p:style>
+        <p:txBody>
+          <a:bodyPr rtlCol="0" anchor="ctr"/>
+          <a:lstStyle/>
+          <a:p>
+            <a:pPr algn="ctr"/>
+            <a:endParaRPr lang="en-US"/>
+          </a:p>
+        </p:txBody>
+      </p:sp>
+      <p:sp>
+        <p:nvSpPr>
+          <p:cNvPr id="117" name="Rectangle 116"/>
+          <p:cNvSpPr/>
+          <p:nvPr/>
+        </p:nvSpPr>
+        <p:spPr>
+          <a:xfrm>
+            <a:off x="2150533" y="1828800"/>
+            <a:ext cx="6536267" cy="228600"/>
+          </a:xfrm>
+          <a:prstGeom prst="rect">
+            <a:avLst/>
+          </a:prstGeom>
+          <a:solidFill>
+            <a:srgbClr val="C6D9F1">
+              <a:alpha val="30196"/>
+            </a:srgbClr>
+          </a:solidFill>
+          <a:ln>
+            <a:noFill/>
+          </a:ln>
+        </p:spPr>
+        <p:style>
+          <a:lnRef idx="2">
+            <a:schemeClr val="accent1">
+              <a:shade val="50000"/>
+            </a:schemeClr>
+          </a:lnRef>
+          <a:fillRef idx="1">
+            <a:schemeClr val="accent1"/>
+          </a:fillRef>
+          <a:effectRef idx="0">
+            <a:schemeClr val="accent1"/>
+          </a:effectRef>
+          <a:fontRef idx="minor">
+            <a:schemeClr val="lt1"/>
+          </a:fontRef>
+        </p:style>
+        <p:txBody>
+          <a:bodyPr rtlCol="0" anchor="ctr"/>
+          <a:lstStyle/>
+          <a:p>
+            <a:pPr algn="ctr"/>
+            <a:endParaRPr lang="en-US"/>
+          </a:p>
+        </p:txBody>
+      </p:sp>
+      <p:sp>
+        <p:nvSpPr>
+          <p:cNvPr id="118" name="Rectangle 117"/>
+          <p:cNvSpPr/>
+          <p:nvPr/>
+        </p:nvSpPr>
+        <p:spPr>
+          <a:xfrm>
+            <a:off x="2150533" y="2286000"/>
+            <a:ext cx="6536267" cy="228600"/>
+          </a:xfrm>
+          <a:prstGeom prst="rect">
+            <a:avLst/>
+          </a:prstGeom>
+          <a:solidFill>
+            <a:srgbClr val="C6D9F1">
+              <a:alpha val="30196"/>
+            </a:srgbClr>
+          </a:solidFill>
+          <a:ln>
+            <a:noFill/>
+          </a:ln>
+        </p:spPr>
+        <p:style>
+          <a:lnRef idx="2">
+            <a:schemeClr val="accent1">
+              <a:shade val="50000"/>
+            </a:schemeClr>
+          </a:lnRef>
+          <a:fillRef idx="1">
+            <a:schemeClr val="accent1"/>
+          </a:fillRef>
+          <a:effectRef idx="0">
+            <a:schemeClr val="accent1"/>
+          </a:effectRef>
+          <a:fontRef idx="minor">
+            <a:schemeClr val="lt1"/>
+          </a:fontRef>
+        </p:style>
+        <p:txBody>
+          <a:bodyPr rtlCol="0" anchor="ctr"/>
+          <a:lstStyle/>
+          <a:p>
+            <a:pPr algn="ctr"/>
+            <a:endParaRPr lang="en-US"/>
+          </a:p>
+        </p:txBody>
+      </p:sp>
+      <p:sp>
+        <p:nvSpPr>
+          <p:cNvPr id="119" name="Rectangle 118"/>
+          <p:cNvSpPr/>
+          <p:nvPr/>
+        </p:nvSpPr>
+        <p:spPr>
+          <a:xfrm>
+            <a:off x="2150533" y="2743200"/>
+            <a:ext cx="6536267" cy="228600"/>
+          </a:xfrm>
+          <a:prstGeom prst="rect">
+            <a:avLst/>
+          </a:prstGeom>
+          <a:solidFill>
+            <a:srgbClr val="C6D9F1">
+              <a:alpha val="30196"/>
+            </a:srgbClr>
+          </a:solidFill>
+          <a:ln>
+            <a:noFill/>
+          </a:ln>
+        </p:spPr>
+        <p:style>
+          <a:lnRef idx="2">
+            <a:schemeClr val="accent1">
+              <a:shade val="50000"/>
+            </a:schemeClr>
+          </a:lnRef>
+          <a:fillRef idx="1">
+            <a:schemeClr val="accent1"/>
+          </a:fillRef>
+          <a:effectRef idx="0">
+            <a:schemeClr val="accent1"/>
+          </a:effectRef>
+          <a:fontRef idx="minor">
+            <a:schemeClr val="lt1"/>
+          </a:fontRef>
+        </p:style>
+        <p:txBody>
+          <a:bodyPr rtlCol="0" anchor="ctr"/>
+          <a:lstStyle/>
+          <a:p>
+            <a:pPr algn="ctr"/>
+            <a:endParaRPr lang="en-US"/>
+          </a:p>
+        </p:txBody>
+      </p:sp>
+      <p:grpSp>
+        <p:nvGrpSpPr>
+          <p:cNvPr id="135" name="Group 134"/>
+          <p:cNvGrpSpPr/>
+          <p:nvPr/>
+        </p:nvGrpSpPr>
+        <p:grpSpPr>
+          <a:xfrm>
+            <a:off x="8763000" y="685800"/>
+            <a:ext cx="228600" cy="5791200"/>
+            <a:chOff x="8763000" y="685800"/>
+            <a:chExt cx="228600" cy="5791200"/>
+          </a:xfrm>
+        </p:grpSpPr>
+        <p:sp>
+          <p:nvSpPr>
+            <p:cNvPr id="121" name="Rectangle 120"/>
+            <p:cNvSpPr/>
+            <p:nvPr/>
+          </p:nvSpPr>
+          <p:spPr>
+            <a:xfrm>
+              <a:off x="8763000" y="990600"/>
+              <a:ext cx="228600" cy="5181600"/>
+            </a:xfrm>
+            <a:prstGeom prst="rect">
+              <a:avLst/>
+            </a:prstGeom>
+          </p:spPr>
+          <p:style>
+            <a:lnRef idx="2">
+              <a:schemeClr val="accent1"/>
+            </a:lnRef>
+            <a:fillRef idx="1">
+              <a:schemeClr val="lt1"/>
+            </a:fillRef>
+            <a:effectRef idx="0">
+              <a:schemeClr val="accent1"/>
+            </a:effectRef>
+            <a:fontRef idx="minor">
+              <a:schemeClr val="dk1"/>
+            </a:fontRef>
+          </p:style>
+          <p:txBody>
+            <a:bodyPr rtlCol="0" anchor="ctr"/>
+            <a:lstStyle/>
+            <a:p>
+              <a:pPr algn="ctr"/>
+              <a:endParaRPr lang="en-US"/>
+            </a:p>
+          </p:txBody>
+        </p:sp>
+        <p:grpSp>
+          <p:nvGrpSpPr>
+            <p:cNvPr id="122" name="Group 19"/>
+            <p:cNvGrpSpPr/>
+            <p:nvPr/>
+          </p:nvGrpSpPr>
+          <p:grpSpPr>
+            <a:xfrm>
+              <a:off x="8763000" y="685800"/>
+              <a:ext cx="228600" cy="228600"/>
+              <a:chOff x="8763000" y="762000"/>
+              <a:chExt cx="228600" cy="228600"/>
+            </a:xfrm>
+          </p:grpSpPr>
+          <p:sp>
+            <p:nvSpPr>
+              <p:cNvPr id="127" name="Rectangle 126"/>
+              <p:cNvSpPr/>
+              <p:nvPr/>
+            </p:nvSpPr>
+            <p:spPr>
+              <a:xfrm>
+                <a:off x="8763000" y="762000"/>
+                <a:ext cx="228600" cy="228600"/>
+              </a:xfrm>
+              <a:prstGeom prst="rect">
+                <a:avLst/>
+              </a:prstGeom>
+            </p:spPr>
+            <p:style>
+              <a:lnRef idx="2">
+                <a:schemeClr val="accent1"/>
+              </a:lnRef>
+              <a:fillRef idx="1">
+                <a:schemeClr val="lt1"/>
+              </a:fillRef>
+              <a:effectRef idx="0">
+                <a:schemeClr val="accent1"/>
+              </a:effectRef>
+              <a:fontRef idx="minor">
+                <a:schemeClr val="dk1"/>
+              </a:fontRef>
+            </p:style>
+            <p:txBody>
+              <a:bodyPr rtlCol="0" anchor="ctr"/>
+              <a:lstStyle/>
+              <a:p>
+                <a:pPr algn="ctr"/>
+                <a:endParaRPr lang="en-US"/>
+              </a:p>
+            </p:txBody>
+          </p:sp>
+          <p:sp>
+            <p:nvSpPr>
+              <p:cNvPr id="128" name="Isosceles Triangle 127"/>
+              <p:cNvSpPr/>
+              <p:nvPr/>
+            </p:nvSpPr>
+            <p:spPr>
+              <a:xfrm>
+                <a:off x="8839200" y="838200"/>
+                <a:ext cx="76200" cy="76200"/>
+              </a:xfrm>
+              <a:prstGeom prst="triangle">
+                <a:avLst/>
+              </a:prstGeom>
+            </p:spPr>
+            <p:style>
+              <a:lnRef idx="2">
+                <a:schemeClr val="accent1">
+                  <a:shade val="50000"/>
+                </a:schemeClr>
+              </a:lnRef>
+              <a:fillRef idx="1">
+                <a:schemeClr val="accent1"/>
+              </a:fillRef>
+              <a:effectRef idx="0">
+                <a:schemeClr val="accent1"/>
+              </a:effectRef>
+              <a:fontRef idx="minor">
+                <a:schemeClr val="lt1"/>
+              </a:fontRef>
+            </p:style>
+            <p:txBody>
+              <a:bodyPr rtlCol="0" anchor="ctr"/>
+              <a:lstStyle/>
+              <a:p>
+                <a:pPr algn="ctr"/>
+                <a:endParaRPr lang="en-US"/>
+              </a:p>
+            </p:txBody>
+          </p:sp>
+        </p:grpSp>
+        <p:grpSp>
+          <p:nvGrpSpPr>
+            <p:cNvPr id="123" name="Group 18"/>
+            <p:cNvGrpSpPr/>
+            <p:nvPr/>
+          </p:nvGrpSpPr>
+          <p:grpSpPr>
+            <a:xfrm>
+              <a:off x="8763000" y="6248400"/>
+              <a:ext cx="228600" cy="228600"/>
+              <a:chOff x="8915400" y="914400"/>
+              <a:chExt cx="228600" cy="228600"/>
+            </a:xfrm>
+          </p:grpSpPr>
+          <p:sp>
+            <p:nvSpPr>
+              <p:cNvPr id="125" name="Rectangle 124"/>
+              <p:cNvSpPr/>
+              <p:nvPr/>
+            </p:nvSpPr>
+            <p:spPr>
+              <a:xfrm rot="10800000">
+                <a:off x="8915400" y="914400"/>
+                <a:ext cx="228600" cy="228600"/>
+              </a:xfrm>
+              <a:prstGeom prst="rect">
+                <a:avLst/>
+              </a:prstGeom>
+            </p:spPr>
+            <p:style>
+              <a:lnRef idx="2">
+                <a:schemeClr val="accent1"/>
+              </a:lnRef>
+              <a:fillRef idx="1">
+                <a:schemeClr val="lt1"/>
+              </a:fillRef>
+              <a:effectRef idx="0">
+                <a:schemeClr val="accent1"/>
+              </a:effectRef>
+              <a:fontRef idx="minor">
+                <a:schemeClr val="dk1"/>
+              </a:fontRef>
+            </p:style>
+            <p:txBody>
+              <a:bodyPr rtlCol="0" anchor="ctr"/>
+              <a:lstStyle/>
+              <a:p>
+                <a:pPr algn="ctr"/>
+                <a:endParaRPr lang="en-US"/>
+              </a:p>
+            </p:txBody>
+          </p:sp>
+          <p:sp>
+            <p:nvSpPr>
+              <p:cNvPr id="126" name="Isosceles Triangle 125"/>
+              <p:cNvSpPr/>
+              <p:nvPr/>
+            </p:nvSpPr>
+            <p:spPr>
+              <a:xfrm rot="10800000">
+                <a:off x="8991600" y="990600"/>
+                <a:ext cx="76200" cy="76200"/>
+              </a:xfrm>
+              <a:prstGeom prst="triangle">
+                <a:avLst/>
+              </a:prstGeom>
+            </p:spPr>
+            <p:style>
+              <a:lnRef idx="2">
+                <a:schemeClr val="accent1">
+                  <a:shade val="50000"/>
+                </a:schemeClr>
+              </a:lnRef>
+              <a:fillRef idx="1">
+                <a:schemeClr val="accent1"/>
+              </a:fillRef>
+              <a:effectRef idx="0">
+                <a:schemeClr val="accent1"/>
+              </a:effectRef>
+              <a:fontRef idx="minor">
+                <a:schemeClr val="lt1"/>
+              </a:fontRef>
+            </p:style>
+            <p:txBody>
+              <a:bodyPr rtlCol="0" anchor="ctr"/>
+              <a:lstStyle/>
+              <a:p>
+                <a:pPr algn="ctr"/>
+                <a:endParaRPr lang="en-US"/>
+              </a:p>
+            </p:txBody>
+          </p:sp>
+        </p:grpSp>
+        <p:sp>
+          <p:nvSpPr>
+            <p:cNvPr id="124" name="Rectangle 123"/>
+            <p:cNvSpPr/>
+            <p:nvPr/>
+          </p:nvSpPr>
+          <p:spPr>
+            <a:xfrm>
+              <a:off x="8763000" y="2743200"/>
+              <a:ext cx="228600" cy="3429000"/>
+            </a:xfrm>
+            <a:prstGeom prst="rect">
+              <a:avLst/>
+            </a:prstGeom>
+          </p:spPr>
+          <p:style>
+            <a:lnRef idx="2">
+              <a:schemeClr val="accent1">
+                <a:shade val="50000"/>
+              </a:schemeClr>
+            </a:lnRef>
+            <a:fillRef idx="1">
+              <a:schemeClr val="accent1"/>
+            </a:fillRef>
+            <a:effectRef idx="0">
+              <a:schemeClr val="accent1"/>
+            </a:effectRef>
+            <a:fontRef idx="minor">
+              <a:schemeClr val="lt1"/>
+            </a:fontRef>
+          </p:style>
+          <p:txBody>
+            <a:bodyPr rtlCol="0" anchor="ctr"/>
+            <a:lstStyle/>
+            <a:p>
+              <a:pPr algn="ctr"/>
+              <a:endParaRPr lang="en-US"/>
+            </a:p>
+          </p:txBody>
+        </p:sp>
+      </p:grpSp>
+      <p:sp>
+        <p:nvSpPr>
+          <p:cNvPr id="133" name="TextBox 132"/>
+          <p:cNvSpPr txBox="1"/>
+          <p:nvPr/>
+        </p:nvSpPr>
+        <p:spPr>
+          <a:xfrm>
+            <a:off x="7239000" y="6477000"/>
+            <a:ext cx="1295400" cy="276999"/>
+          </a:xfrm>
+          <a:prstGeom prst="rect">
+            <a:avLst/>
+          </a:prstGeom>
+          <a:noFill/>
+        </p:spPr>
+        <p:txBody>
+          <a:bodyPr wrap="square" rtlCol="0">
+            <a:spAutoFit/>
+          </a:bodyPr>
+          <a:lstStyle/>
+          <a:p>
+            <a:r>
+              <a:rPr lang="en-US" sz="1200" b="1" dirty="0" smtClean="0"/>
+              <a:t>Total</a:t>
+            </a:r>
+            <a:endParaRPr lang="en-US" sz="1200" b="1" dirty="0"/>
+          </a:p>
+        </p:txBody>
+      </p:sp>
+      <p:sp>
+        <p:nvSpPr>
+          <p:cNvPr id="134" name="TextBox 133"/>
+          <p:cNvSpPr txBox="1"/>
+          <p:nvPr/>
+        </p:nvSpPr>
+        <p:spPr>
+          <a:xfrm>
+            <a:off x="7391400" y="6477000"/>
+            <a:ext cx="1295400" cy="276999"/>
+          </a:xfrm>
+          <a:prstGeom prst="rect">
+            <a:avLst/>
+          </a:prstGeom>
+          <a:noFill/>
+        </p:spPr>
+        <p:txBody>
+          <a:bodyPr wrap="square" rtlCol="0">
+            <a:spAutoFit/>
+          </a:bodyPr>
+          <a:lstStyle/>
+          <a:p>
+            <a:pPr algn="r"/>
+            <a:r>
+              <a:rPr lang="en-US" sz="1200" b="1" dirty="0" smtClean="0"/>
+              <a:t>$89,012.05</a:t>
+            </a:r>
+            <a:endParaRPr lang="en-US" sz="1200" b="1" dirty="0"/>
+          </a:p>
+        </p:txBody>
+      </p:sp>
+      <p:sp>
+        <p:nvSpPr>
+          <p:cNvPr id="136" name="TextBox 135"/>
+          <p:cNvSpPr txBox="1"/>
+          <p:nvPr/>
+        </p:nvSpPr>
+        <p:spPr>
+          <a:xfrm>
+            <a:off x="152400" y="1066800"/>
+            <a:ext cx="1905000" cy="307777"/>
+          </a:xfrm>
+          <a:prstGeom prst="rect">
+            <a:avLst/>
+          </a:prstGeom>
+          <a:solidFill>
+            <a:schemeClr val="bg1"/>
+          </a:solidFill>
+        </p:spPr>
+        <p:txBody>
+          <a:bodyPr wrap="square" rtlCol="0">
+            <a:spAutoFit/>
+          </a:bodyPr>
+          <a:lstStyle/>
+          <a:p>
+            <a:r>
+              <a:rPr lang="en-US" sz="1400" dirty="0" smtClean="0"/>
+              <a:t>Cash transactions</a:t>
+            </a:r>
+            <a:endParaRPr lang="en-US" sz="1400" dirty="0"/>
+          </a:p>
+        </p:txBody>
+      </p:sp>
+      <p:sp>
+        <p:nvSpPr>
+          <p:cNvPr id="138" name="TextBox 137"/>
+          <p:cNvSpPr txBox="1"/>
+          <p:nvPr/>
+        </p:nvSpPr>
+        <p:spPr>
+          <a:xfrm>
+            <a:off x="152400" y="1447800"/>
+            <a:ext cx="1905000" cy="307777"/>
+          </a:xfrm>
+          <a:prstGeom prst="rect">
+            <a:avLst/>
+          </a:prstGeom>
+          <a:noFill/>
+        </p:spPr>
+        <p:txBody>
+          <a:bodyPr wrap="square" rtlCol="0">
+            <a:spAutoFit/>
+          </a:bodyPr>
+          <a:lstStyle/>
+          <a:p>
+            <a:r>
+              <a:rPr lang="en-US" sz="1400" dirty="0" smtClean="0">
+                <a:solidFill>
+                  <a:schemeClr val="bg1"/>
+                </a:solidFill>
+              </a:rPr>
+              <a:t>Asset transactions</a:t>
+            </a:r>
+            <a:endParaRPr lang="en-US" sz="1400" dirty="0">
+              <a:solidFill>
+                <a:schemeClr val="bg1"/>
+              </a:solidFill>
+            </a:endParaRPr>
+          </a:p>
+        </p:txBody>
+      </p:sp>
+      <p:sp>
+        <p:nvSpPr>
+          <p:cNvPr id="42" name="TextBox 41"/>
+          <p:cNvSpPr txBox="1"/>
+          <p:nvPr/>
+        </p:nvSpPr>
+        <p:spPr>
+          <a:xfrm>
+            <a:off x="2131907" y="1361003"/>
+            <a:ext cx="838200" cy="246221"/>
+          </a:xfrm>
+          <a:prstGeom prst="rect">
+            <a:avLst/>
+          </a:prstGeom>
+          <a:noFill/>
+        </p:spPr>
+        <p:txBody>
+          <a:bodyPr wrap="square" rtlCol="0">
+            <a:spAutoFit/>
+          </a:bodyPr>
+          <a:lstStyle/>
+          <a:p>
+            <a:r>
+              <a:rPr lang="en-US" sz="1000" dirty="0" smtClean="0"/>
+              <a:t>12/04/2015</a:t>
+            </a:r>
+            <a:endParaRPr lang="en-US" sz="1000" dirty="0"/>
+          </a:p>
+        </p:txBody>
+      </p:sp>
+      <p:sp>
+        <p:nvSpPr>
+          <p:cNvPr id="45" name="TextBox 44"/>
+          <p:cNvSpPr txBox="1"/>
+          <p:nvPr/>
+        </p:nvSpPr>
+        <p:spPr>
+          <a:xfrm>
+            <a:off x="3733800" y="1370170"/>
+            <a:ext cx="1295400" cy="246221"/>
+          </a:xfrm>
+          <a:prstGeom prst="rect">
+            <a:avLst/>
+          </a:prstGeom>
+          <a:noFill/>
+        </p:spPr>
+        <p:txBody>
+          <a:bodyPr wrap="square" rtlCol="0">
+            <a:spAutoFit/>
+          </a:bodyPr>
+          <a:lstStyle/>
+          <a:p>
+            <a:r>
+              <a:rPr lang="en-US" sz="1000" dirty="0" smtClean="0"/>
+              <a:t>MSFT dividend</a:t>
+            </a:r>
+            <a:endParaRPr lang="en-US" sz="1000" dirty="0"/>
+          </a:p>
+        </p:txBody>
+      </p:sp>
+      <p:sp>
+        <p:nvSpPr>
+          <p:cNvPr id="46" name="TextBox 45"/>
+          <p:cNvSpPr txBox="1"/>
+          <p:nvPr/>
+        </p:nvSpPr>
+        <p:spPr>
+          <a:xfrm>
+            <a:off x="7753774" y="1370170"/>
+            <a:ext cx="914400" cy="246221"/>
+          </a:xfrm>
+          <a:prstGeom prst="rect">
+            <a:avLst/>
+          </a:prstGeom>
+          <a:noFill/>
+        </p:spPr>
+        <p:txBody>
+          <a:bodyPr wrap="square" rtlCol="0">
+            <a:spAutoFit/>
+          </a:bodyPr>
+          <a:lstStyle/>
+          <a:p>
+            <a:pPr algn="r"/>
+            <a:r>
+              <a:rPr lang="en-US" sz="1000" dirty="0" smtClean="0"/>
+              <a:t>$182,590.05</a:t>
+            </a:r>
+            <a:endParaRPr lang="en-US" sz="1000" dirty="0" smtClean="0"/>
+          </a:p>
+        </p:txBody>
+      </p:sp>
+      <p:sp>
+        <p:nvSpPr>
+          <p:cNvPr id="50" name="TextBox 49"/>
+          <p:cNvSpPr txBox="1"/>
+          <p:nvPr/>
+        </p:nvSpPr>
+        <p:spPr>
+          <a:xfrm>
+            <a:off x="152400" y="5867400"/>
+            <a:ext cx="1905000" cy="307777"/>
+          </a:xfrm>
+          <a:prstGeom prst="rect">
+            <a:avLst/>
+          </a:prstGeom>
+          <a:noFill/>
+        </p:spPr>
+        <p:txBody>
+          <a:bodyPr wrap="square" rtlCol="0">
+            <a:spAutoFit/>
+          </a:bodyPr>
+          <a:lstStyle/>
+          <a:p>
+            <a:r>
+              <a:rPr lang="en-US" sz="1400" dirty="0" smtClean="0">
+                <a:solidFill>
+                  <a:schemeClr val="bg1"/>
+                </a:solidFill>
+              </a:rPr>
+              <a:t>Buy/Sell assets…</a:t>
+            </a:r>
+            <a:endParaRPr lang="en-US" sz="1400" dirty="0">
+              <a:solidFill>
+                <a:schemeClr val="bg1"/>
+              </a:solidFill>
+            </a:endParaRPr>
+          </a:p>
+        </p:txBody>
+      </p:sp>
+      <p:sp>
+        <p:nvSpPr>
+          <p:cNvPr id="51" name="TextBox 50"/>
+          <p:cNvSpPr txBox="1"/>
+          <p:nvPr/>
+        </p:nvSpPr>
+        <p:spPr>
+          <a:xfrm>
+            <a:off x="152400" y="6247368"/>
+            <a:ext cx="1905000" cy="307777"/>
+          </a:xfrm>
+          <a:prstGeom prst="rect">
+            <a:avLst/>
+          </a:prstGeom>
+          <a:noFill/>
+        </p:spPr>
+        <p:txBody>
+          <a:bodyPr wrap="square" rtlCol="0">
+            <a:spAutoFit/>
+          </a:bodyPr>
+          <a:lstStyle/>
+          <a:p>
+            <a:r>
+              <a:rPr lang="en-US" sz="1400" dirty="0" smtClean="0">
+                <a:solidFill>
+                  <a:schemeClr val="bg1"/>
+                </a:solidFill>
+              </a:rPr>
+              <a:t>Other transactions…</a:t>
+            </a:r>
+            <a:endParaRPr lang="en-US" sz="1400" dirty="0">
+              <a:solidFill>
+                <a:schemeClr val="bg1"/>
+              </a:solidFill>
+            </a:endParaRPr>
+          </a:p>
+        </p:txBody>
+      </p:sp>
+      <p:cxnSp>
+        <p:nvCxnSpPr>
+          <p:cNvPr id="9" name="Straight Connector 8"/>
+          <p:cNvCxnSpPr/>
+          <p:nvPr/>
+        </p:nvCxnSpPr>
+        <p:spPr>
+          <a:xfrm>
+            <a:off x="228600" y="5791200"/>
+            <a:ext cx="1752600" cy="0"/>
+          </a:xfrm>
+          <a:prstGeom prst="line">
+            <a:avLst/>
+          </a:prstGeom>
+          <a:ln w="19050">
+            <a:solidFill>
+              <a:schemeClr val="bg1"/>
+            </a:solidFill>
+          </a:ln>
+        </p:spPr>
+        <p:style>
+          <a:lnRef idx="1">
+            <a:schemeClr val="accent1"/>
+          </a:lnRef>
+          <a:fillRef idx="0">
+            <a:schemeClr val="accent1"/>
+          </a:fillRef>
+          <a:effectRef idx="0">
+            <a:schemeClr val="accent1"/>
+          </a:effectRef>
+          <a:fontRef idx="minor">
+            <a:schemeClr val="tx1"/>
+          </a:fontRef>
+        </p:style>
+      </p:cxnSp>
+      <p:sp>
+        <p:nvSpPr>
+          <p:cNvPr id="71" name="TextBox 70"/>
+          <p:cNvSpPr txBox="1"/>
+          <p:nvPr/>
+        </p:nvSpPr>
+        <p:spPr>
+          <a:xfrm>
+            <a:off x="2144607" y="1573768"/>
+            <a:ext cx="838200" cy="246221"/>
+          </a:xfrm>
+          <a:prstGeom prst="rect">
+            <a:avLst/>
+          </a:prstGeom>
+          <a:noFill/>
+        </p:spPr>
+        <p:txBody>
+          <a:bodyPr wrap="square" rtlCol="0">
+            <a:spAutoFit/>
+          </a:bodyPr>
+          <a:lstStyle/>
+          <a:p>
+            <a:r>
+              <a:rPr lang="en-US" sz="1000" dirty="0" smtClean="0"/>
+              <a:t>17/04/2015</a:t>
+            </a:r>
+            <a:endParaRPr lang="en-US" sz="1000" dirty="0"/>
+          </a:p>
+        </p:txBody>
+      </p:sp>
+      <p:sp>
+        <p:nvSpPr>
+          <p:cNvPr id="73" name="TextBox 72"/>
+          <p:cNvSpPr txBox="1"/>
+          <p:nvPr/>
+        </p:nvSpPr>
+        <p:spPr>
+          <a:xfrm>
+            <a:off x="3733800" y="1600912"/>
+            <a:ext cx="1295400" cy="246221"/>
+          </a:xfrm>
+          <a:prstGeom prst="rect">
+            <a:avLst/>
+          </a:prstGeom>
+          <a:noFill/>
+        </p:spPr>
+        <p:txBody>
+          <a:bodyPr wrap="square" rtlCol="0">
+            <a:spAutoFit/>
+          </a:bodyPr>
+          <a:lstStyle/>
+          <a:p>
+            <a:r>
+              <a:rPr lang="en-US" sz="1000" dirty="0" smtClean="0"/>
+              <a:t>MSFT sell</a:t>
+            </a:r>
+            <a:endParaRPr lang="en-US" sz="1000" dirty="0"/>
+          </a:p>
+        </p:txBody>
+      </p:sp>
+      <p:sp>
+        <p:nvSpPr>
+          <p:cNvPr id="74" name="TextBox 73"/>
+          <p:cNvSpPr txBox="1"/>
+          <p:nvPr/>
+        </p:nvSpPr>
+        <p:spPr>
+          <a:xfrm>
+            <a:off x="7753774" y="1600912"/>
+            <a:ext cx="914400" cy="246221"/>
+          </a:xfrm>
+          <a:prstGeom prst="rect">
+            <a:avLst/>
+          </a:prstGeom>
+          <a:noFill/>
+        </p:spPr>
+        <p:txBody>
+          <a:bodyPr wrap="square" rtlCol="0">
+            <a:spAutoFit/>
+          </a:bodyPr>
+          <a:lstStyle/>
+          <a:p>
+            <a:pPr algn="r"/>
+            <a:r>
+              <a:rPr lang="en-US" sz="1000" dirty="0" smtClean="0"/>
+              <a:t>$189,012.05</a:t>
+            </a:r>
+            <a:endParaRPr lang="en-US" sz="1000" dirty="0" smtClean="0"/>
+          </a:p>
+        </p:txBody>
+      </p:sp>
+      <p:sp>
+        <p:nvSpPr>
+          <p:cNvPr id="65" name="TextBox 64"/>
+          <p:cNvSpPr txBox="1"/>
+          <p:nvPr/>
+        </p:nvSpPr>
+        <p:spPr>
+          <a:xfrm>
+            <a:off x="2910840" y="905589"/>
+            <a:ext cx="838200" cy="246221"/>
+          </a:xfrm>
+          <a:prstGeom prst="rect">
+            <a:avLst/>
+          </a:prstGeom>
+          <a:noFill/>
+        </p:spPr>
+        <p:txBody>
+          <a:bodyPr wrap="square" rtlCol="0">
+            <a:spAutoFit/>
+          </a:bodyPr>
+          <a:lstStyle/>
+          <a:p>
+            <a:r>
+              <a:rPr lang="en-US" sz="1000" dirty="0" smtClean="0"/>
+              <a:t>10/01/2015</a:t>
+            </a:r>
+            <a:endParaRPr lang="en-US" sz="1000" dirty="0"/>
+          </a:p>
+        </p:txBody>
+      </p:sp>
+      <p:sp>
+        <p:nvSpPr>
+          <p:cNvPr id="66" name="TextBox 65"/>
+          <p:cNvSpPr txBox="1"/>
+          <p:nvPr/>
+        </p:nvSpPr>
+        <p:spPr>
+          <a:xfrm>
+            <a:off x="2910840" y="1134189"/>
+            <a:ext cx="838200" cy="246221"/>
+          </a:xfrm>
+          <a:prstGeom prst="rect">
+            <a:avLst/>
+          </a:prstGeom>
+          <a:noFill/>
+        </p:spPr>
+        <p:txBody>
+          <a:bodyPr wrap="square" rtlCol="0">
+            <a:spAutoFit/>
+          </a:bodyPr>
+          <a:lstStyle/>
+          <a:p>
+            <a:r>
+              <a:rPr lang="en-US" sz="1000" dirty="0" smtClean="0"/>
+              <a:t>12/01/2015</a:t>
+            </a:r>
+            <a:endParaRPr lang="en-US" sz="1000" dirty="0"/>
+          </a:p>
+        </p:txBody>
+      </p:sp>
+      <p:sp>
+        <p:nvSpPr>
+          <p:cNvPr id="80" name="TextBox 79"/>
+          <p:cNvSpPr txBox="1"/>
+          <p:nvPr/>
+        </p:nvSpPr>
+        <p:spPr>
+          <a:xfrm>
+            <a:off x="2910840" y="1361003"/>
+            <a:ext cx="838200" cy="246221"/>
+          </a:xfrm>
+          <a:prstGeom prst="rect">
+            <a:avLst/>
+          </a:prstGeom>
+          <a:noFill/>
+        </p:spPr>
+        <p:txBody>
+          <a:bodyPr wrap="square" rtlCol="0">
+            <a:spAutoFit/>
+          </a:bodyPr>
+          <a:lstStyle/>
+          <a:p>
+            <a:r>
+              <a:rPr lang="en-US" sz="1000" dirty="0" smtClean="0"/>
+              <a:t>12/04/2015</a:t>
+            </a:r>
+            <a:endParaRPr lang="en-US" sz="1000" dirty="0"/>
+          </a:p>
+        </p:txBody>
+      </p:sp>
+      <p:sp>
+        <p:nvSpPr>
+          <p:cNvPr id="81" name="TextBox 80"/>
+          <p:cNvSpPr txBox="1"/>
+          <p:nvPr/>
+        </p:nvSpPr>
+        <p:spPr>
+          <a:xfrm>
+            <a:off x="2923540" y="1573768"/>
+            <a:ext cx="838200" cy="246221"/>
+          </a:xfrm>
+          <a:prstGeom prst="rect">
+            <a:avLst/>
+          </a:prstGeom>
+          <a:noFill/>
+        </p:spPr>
+        <p:txBody>
+          <a:bodyPr wrap="square" rtlCol="0">
+            <a:spAutoFit/>
+          </a:bodyPr>
+          <a:lstStyle/>
+          <a:p>
+            <a:r>
+              <a:rPr lang="en-US" sz="1000" dirty="0" smtClean="0"/>
+              <a:t>17/04/2015</a:t>
+            </a:r>
+            <a:endParaRPr lang="en-US" sz="1000" dirty="0"/>
+          </a:p>
+        </p:txBody>
+      </p:sp>
+      <p:sp>
+        <p:nvSpPr>
+          <p:cNvPr id="83" name="TextBox 82"/>
+          <p:cNvSpPr txBox="1"/>
+          <p:nvPr/>
+        </p:nvSpPr>
+        <p:spPr>
+          <a:xfrm>
+            <a:off x="4762500" y="914400"/>
+            <a:ext cx="2360507" cy="246221"/>
+          </a:xfrm>
+          <a:prstGeom prst="rect">
+            <a:avLst/>
+          </a:prstGeom>
+          <a:noFill/>
+        </p:spPr>
+        <p:txBody>
+          <a:bodyPr wrap="square" rtlCol="0">
+            <a:spAutoFit/>
+          </a:bodyPr>
+          <a:lstStyle/>
+          <a:p>
+            <a:r>
+              <a:rPr lang="en-US" sz="1000" dirty="0" smtClean="0"/>
+              <a:t>First deposit</a:t>
+            </a:r>
+            <a:endParaRPr lang="en-US" sz="1000" dirty="0"/>
+          </a:p>
+        </p:txBody>
+      </p:sp>
+      <p:sp>
+        <p:nvSpPr>
+          <p:cNvPr id="84" name="TextBox 83"/>
+          <p:cNvSpPr txBox="1"/>
+          <p:nvPr/>
+        </p:nvSpPr>
+        <p:spPr>
+          <a:xfrm>
+            <a:off x="4762500" y="1143000"/>
+            <a:ext cx="2360507" cy="246221"/>
+          </a:xfrm>
+          <a:prstGeom prst="rect">
+            <a:avLst/>
+          </a:prstGeom>
+          <a:noFill/>
+        </p:spPr>
+        <p:txBody>
+          <a:bodyPr wrap="square" rtlCol="0">
+            <a:spAutoFit/>
+          </a:bodyPr>
+          <a:lstStyle/>
+          <a:p>
+            <a:r>
+              <a:rPr lang="en-US" sz="1000" dirty="0" smtClean="0"/>
+              <a:t>Price was too good to pass</a:t>
+            </a:r>
+            <a:endParaRPr lang="en-US" sz="1000" dirty="0"/>
+          </a:p>
+        </p:txBody>
+      </p:sp>
+      <p:sp>
+        <p:nvSpPr>
+          <p:cNvPr id="85" name="TextBox 84"/>
+          <p:cNvSpPr txBox="1"/>
+          <p:nvPr/>
+        </p:nvSpPr>
+        <p:spPr>
+          <a:xfrm>
+            <a:off x="4762500" y="1378981"/>
+            <a:ext cx="2360507" cy="246221"/>
+          </a:xfrm>
+          <a:prstGeom prst="rect">
+            <a:avLst/>
+          </a:prstGeom>
+          <a:noFill/>
+        </p:spPr>
+        <p:txBody>
+          <a:bodyPr wrap="square" rtlCol="0">
+            <a:spAutoFit/>
+          </a:bodyPr>
+          <a:lstStyle/>
+          <a:p>
+            <a:r>
+              <a:rPr lang="en-US" sz="1000" dirty="0" smtClean="0"/>
+              <a:t>Wow, first dividend payments</a:t>
+            </a:r>
+            <a:endParaRPr lang="en-US" sz="1000" dirty="0"/>
+          </a:p>
+        </p:txBody>
+      </p:sp>
+      <p:sp>
+        <p:nvSpPr>
+          <p:cNvPr id="86" name="TextBox 85"/>
+          <p:cNvSpPr txBox="1"/>
+          <p:nvPr/>
+        </p:nvSpPr>
+        <p:spPr>
+          <a:xfrm>
+            <a:off x="4762500" y="1609723"/>
+            <a:ext cx="2360507" cy="246221"/>
+          </a:xfrm>
+          <a:prstGeom prst="rect">
+            <a:avLst/>
+          </a:prstGeom>
+          <a:noFill/>
+        </p:spPr>
+        <p:txBody>
+          <a:bodyPr wrap="square" rtlCol="0">
+            <a:spAutoFit/>
+          </a:bodyPr>
+          <a:lstStyle/>
+          <a:p>
+            <a:r>
+              <a:rPr lang="en-US" sz="1000" dirty="0" smtClean="0"/>
+              <a:t>Capital gain</a:t>
+            </a:r>
+            <a:endParaRPr lang="en-US" sz="1000" dirty="0"/>
+          </a:p>
+        </p:txBody>
+      </p:sp>
+      <p:sp>
+        <p:nvSpPr>
+          <p:cNvPr id="88" name="TextBox 87"/>
+          <p:cNvSpPr txBox="1"/>
+          <p:nvPr/>
+        </p:nvSpPr>
+        <p:spPr>
+          <a:xfrm>
+            <a:off x="2220807" y="665202"/>
+            <a:ext cx="495300" cy="276999"/>
+          </a:xfrm>
+          <a:prstGeom prst="rect">
+            <a:avLst/>
+          </a:prstGeom>
+          <a:noFill/>
+          <a:ln w="12700">
+            <a:noFill/>
+          </a:ln>
+        </p:spPr>
+        <p:style>
+          <a:lnRef idx="2">
+            <a:schemeClr val="accent1"/>
+          </a:lnRef>
+          <a:fillRef idx="1">
+            <a:schemeClr val="lt1"/>
+          </a:fillRef>
+          <a:effectRef idx="0">
+            <a:schemeClr val="accent1"/>
+          </a:effectRef>
+          <a:fontRef idx="minor">
+            <a:schemeClr val="dk1"/>
+          </a:fontRef>
+        </p:style>
+        <p:txBody>
+          <a:bodyPr wrap="square" rtlCol="0">
+            <a:spAutoFit/>
+          </a:bodyPr>
+          <a:lstStyle/>
+          <a:p>
+            <a:r>
+              <a:rPr lang="en-US" sz="1200" dirty="0" smtClean="0"/>
+              <a:t>Date</a:t>
+            </a:r>
+            <a:endParaRPr lang="en-US" sz="1200" dirty="0"/>
+          </a:p>
+        </p:txBody>
+      </p:sp>
+      <p:sp>
+        <p:nvSpPr>
+          <p:cNvPr id="89" name="TextBox 88"/>
+          <p:cNvSpPr txBox="1"/>
+          <p:nvPr/>
+        </p:nvSpPr>
+        <p:spPr>
+          <a:xfrm>
+            <a:off x="3733800" y="665202"/>
+            <a:ext cx="990600" cy="276999"/>
+          </a:xfrm>
+          <a:prstGeom prst="rect">
+            <a:avLst/>
+          </a:prstGeom>
+          <a:noFill/>
+          <a:ln w="12700">
+            <a:noFill/>
+          </a:ln>
+        </p:spPr>
+        <p:style>
+          <a:lnRef idx="2">
+            <a:schemeClr val="accent1"/>
+          </a:lnRef>
+          <a:fillRef idx="1">
+            <a:schemeClr val="lt1"/>
+          </a:fillRef>
+          <a:effectRef idx="0">
+            <a:schemeClr val="accent1"/>
+          </a:effectRef>
+          <a:fontRef idx="minor">
+            <a:schemeClr val="dk1"/>
+          </a:fontRef>
+        </p:style>
+        <p:txBody>
+          <a:bodyPr wrap="square" rtlCol="0">
+            <a:spAutoFit/>
+          </a:bodyPr>
+          <a:lstStyle/>
+          <a:p>
+            <a:r>
+              <a:rPr lang="en-US" sz="1200" dirty="0" smtClean="0"/>
+              <a:t>Description</a:t>
+            </a:r>
+            <a:endParaRPr lang="en-US" sz="1200" dirty="0"/>
+          </a:p>
+        </p:txBody>
+      </p:sp>
+      <p:sp>
+        <p:nvSpPr>
+          <p:cNvPr id="90" name="TextBox 89"/>
+          <p:cNvSpPr txBox="1"/>
+          <p:nvPr/>
+        </p:nvSpPr>
+        <p:spPr>
+          <a:xfrm>
+            <a:off x="4779433" y="661600"/>
+            <a:ext cx="1295400" cy="276999"/>
+          </a:xfrm>
+          <a:prstGeom prst="rect">
+            <a:avLst/>
+          </a:prstGeom>
+          <a:noFill/>
+          <a:ln w="12700">
+            <a:noFill/>
+          </a:ln>
+        </p:spPr>
+        <p:style>
+          <a:lnRef idx="2">
+            <a:schemeClr val="accent1"/>
+          </a:lnRef>
+          <a:fillRef idx="1">
+            <a:schemeClr val="lt1"/>
+          </a:fillRef>
+          <a:effectRef idx="0">
+            <a:schemeClr val="accent1"/>
+          </a:effectRef>
+          <a:fontRef idx="minor">
+            <a:schemeClr val="dk1"/>
+          </a:fontRef>
+        </p:style>
+        <p:txBody>
+          <a:bodyPr wrap="square" rtlCol="0">
+            <a:spAutoFit/>
+          </a:bodyPr>
+          <a:lstStyle/>
+          <a:p>
+            <a:r>
+              <a:rPr lang="en-US" sz="1200" dirty="0" smtClean="0"/>
+              <a:t>Comment</a:t>
+            </a:r>
+            <a:endParaRPr lang="en-US" sz="1200" dirty="0"/>
+          </a:p>
+        </p:txBody>
+      </p:sp>
+      <p:sp>
+        <p:nvSpPr>
+          <p:cNvPr id="93" name="TextBox 92"/>
+          <p:cNvSpPr txBox="1"/>
+          <p:nvPr/>
+        </p:nvSpPr>
+        <p:spPr>
+          <a:xfrm>
+            <a:off x="2910840" y="665202"/>
+            <a:ext cx="914401" cy="276999"/>
+          </a:xfrm>
+          <a:prstGeom prst="rect">
+            <a:avLst/>
+          </a:prstGeom>
+          <a:noFill/>
+          <a:ln w="12700">
+            <a:noFill/>
+          </a:ln>
+        </p:spPr>
+        <p:style>
+          <a:lnRef idx="2">
+            <a:schemeClr val="accent1"/>
+          </a:lnRef>
+          <a:fillRef idx="1">
+            <a:schemeClr val="lt1"/>
+          </a:fillRef>
+          <a:effectRef idx="0">
+            <a:schemeClr val="accent1"/>
+          </a:effectRef>
+          <a:fontRef idx="minor">
+            <a:schemeClr val="dk1"/>
+          </a:fontRef>
+        </p:style>
+        <p:txBody>
+          <a:bodyPr wrap="square" rtlCol="0">
+            <a:spAutoFit/>
+          </a:bodyPr>
+          <a:lstStyle/>
+          <a:p>
+            <a:r>
+              <a:rPr lang="en-US" sz="1200" dirty="0" smtClean="0"/>
+              <a:t>Settlement</a:t>
+            </a:r>
+            <a:endParaRPr lang="en-US" sz="1200" dirty="0"/>
+          </a:p>
+        </p:txBody>
+      </p:sp>
+      <p:sp>
+        <p:nvSpPr>
+          <p:cNvPr id="94" name="TextBox 93"/>
+          <p:cNvSpPr txBox="1"/>
+          <p:nvPr/>
+        </p:nvSpPr>
+        <p:spPr>
+          <a:xfrm>
+            <a:off x="7086600" y="665202"/>
+            <a:ext cx="838200" cy="276999"/>
+          </a:xfrm>
+          <a:prstGeom prst="rect">
+            <a:avLst/>
+          </a:prstGeom>
+          <a:noFill/>
+          <a:ln w="12700">
+            <a:noFill/>
+          </a:ln>
+        </p:spPr>
+        <p:style>
+          <a:lnRef idx="2">
+            <a:schemeClr val="accent1"/>
+          </a:lnRef>
+          <a:fillRef idx="1">
+            <a:schemeClr val="lt1"/>
+          </a:fillRef>
+          <a:effectRef idx="0">
+            <a:schemeClr val="accent1"/>
+          </a:effectRef>
+          <a:fontRef idx="minor">
+            <a:schemeClr val="dk1"/>
+          </a:fontRef>
+        </p:style>
+        <p:txBody>
+          <a:bodyPr wrap="square" rtlCol="0">
+            <a:spAutoFit/>
+          </a:bodyPr>
+          <a:lstStyle/>
+          <a:p>
+            <a:r>
+              <a:rPr lang="en-US" sz="1200" dirty="0" smtClean="0"/>
+              <a:t>Amount</a:t>
+            </a:r>
+            <a:endParaRPr lang="en-US" sz="1200" dirty="0"/>
+          </a:p>
+        </p:txBody>
+      </p:sp>
+      <p:sp>
+        <p:nvSpPr>
+          <p:cNvPr id="95" name="TextBox 94"/>
+          <p:cNvSpPr txBox="1"/>
+          <p:nvPr/>
+        </p:nvSpPr>
+        <p:spPr>
+          <a:xfrm>
+            <a:off x="7848600" y="665202"/>
+            <a:ext cx="838200" cy="276999"/>
+          </a:xfrm>
+          <a:prstGeom prst="rect">
+            <a:avLst/>
+          </a:prstGeom>
+          <a:noFill/>
+          <a:ln w="12700">
+            <a:noFill/>
+          </a:ln>
+        </p:spPr>
+        <p:style>
+          <a:lnRef idx="2">
+            <a:schemeClr val="accent1"/>
+          </a:lnRef>
+          <a:fillRef idx="1">
+            <a:schemeClr val="lt1"/>
+          </a:fillRef>
+          <a:effectRef idx="0">
+            <a:schemeClr val="accent1"/>
+          </a:effectRef>
+          <a:fontRef idx="minor">
+            <a:schemeClr val="dk1"/>
+          </a:fontRef>
+        </p:style>
+        <p:txBody>
+          <a:bodyPr wrap="square" rtlCol="0">
+            <a:spAutoFit/>
+          </a:bodyPr>
+          <a:lstStyle/>
+          <a:p>
+            <a:r>
+              <a:rPr lang="en-US" sz="1200" dirty="0" smtClean="0"/>
+              <a:t>Balance</a:t>
+            </a:r>
+            <a:endParaRPr lang="en-US" sz="1200" dirty="0"/>
+          </a:p>
+        </p:txBody>
+      </p:sp>
+      <p:sp>
+        <p:nvSpPr>
+          <p:cNvPr id="96" name="TextBox 95"/>
+          <p:cNvSpPr txBox="1"/>
+          <p:nvPr/>
+        </p:nvSpPr>
+        <p:spPr>
+          <a:xfrm>
+            <a:off x="6957060" y="914399"/>
+            <a:ext cx="914400" cy="246221"/>
+          </a:xfrm>
+          <a:prstGeom prst="rect">
+            <a:avLst/>
+          </a:prstGeom>
+          <a:noFill/>
+        </p:spPr>
+        <p:txBody>
+          <a:bodyPr wrap="square" rtlCol="0">
+            <a:spAutoFit/>
+          </a:bodyPr>
+          <a:lstStyle/>
+          <a:p>
+            <a:pPr algn="r"/>
+            <a:r>
+              <a:rPr lang="en-US" sz="1000" dirty="0" smtClean="0"/>
+              <a:t>$200,000.00</a:t>
+            </a:r>
+            <a:endParaRPr lang="en-US" sz="1000" dirty="0"/>
+          </a:p>
+        </p:txBody>
+      </p:sp>
+      <p:sp>
+        <p:nvSpPr>
+          <p:cNvPr id="97" name="TextBox 96"/>
+          <p:cNvSpPr txBox="1"/>
+          <p:nvPr/>
+        </p:nvSpPr>
+        <p:spPr>
+          <a:xfrm>
+            <a:off x="6957060" y="1142999"/>
+            <a:ext cx="914400" cy="246221"/>
+          </a:xfrm>
+          <a:prstGeom prst="rect">
+            <a:avLst/>
+          </a:prstGeom>
+          <a:noFill/>
+        </p:spPr>
+        <p:txBody>
+          <a:bodyPr wrap="square" rtlCol="0">
+            <a:spAutoFit/>
+          </a:bodyPr>
+          <a:lstStyle/>
+          <a:p>
+            <a:pPr algn="r"/>
+            <a:r>
+              <a:rPr lang="en-US" sz="1000" dirty="0" smtClean="0">
+                <a:solidFill>
+                  <a:srgbClr val="FF0000"/>
+                </a:solidFill>
+              </a:rPr>
+              <a:t>-$17,898.95</a:t>
+            </a:r>
+          </a:p>
+        </p:txBody>
+      </p:sp>
+      <p:sp>
+        <p:nvSpPr>
+          <p:cNvPr id="98" name="TextBox 97"/>
+          <p:cNvSpPr txBox="1"/>
+          <p:nvPr/>
+        </p:nvSpPr>
+        <p:spPr>
+          <a:xfrm>
+            <a:off x="6957060" y="1378980"/>
+            <a:ext cx="914400" cy="246221"/>
+          </a:xfrm>
+          <a:prstGeom prst="rect">
+            <a:avLst/>
+          </a:prstGeom>
+          <a:noFill/>
+        </p:spPr>
+        <p:txBody>
+          <a:bodyPr wrap="square" rtlCol="0">
+            <a:spAutoFit/>
+          </a:bodyPr>
+          <a:lstStyle/>
+          <a:p>
+            <a:pPr algn="r"/>
+            <a:r>
+              <a:rPr lang="en-US" sz="1000" dirty="0" smtClean="0"/>
+              <a:t>$489.00</a:t>
+            </a:r>
+          </a:p>
+        </p:txBody>
+      </p:sp>
+      <p:sp>
+        <p:nvSpPr>
+          <p:cNvPr id="99" name="TextBox 98"/>
+          <p:cNvSpPr txBox="1"/>
+          <p:nvPr/>
+        </p:nvSpPr>
+        <p:spPr>
+          <a:xfrm>
+            <a:off x="6957060" y="1609722"/>
+            <a:ext cx="914400" cy="246221"/>
+          </a:xfrm>
+          <a:prstGeom prst="rect">
+            <a:avLst/>
+          </a:prstGeom>
+          <a:noFill/>
+        </p:spPr>
+        <p:txBody>
+          <a:bodyPr wrap="square" rtlCol="0">
+            <a:spAutoFit/>
+          </a:bodyPr>
+          <a:lstStyle/>
+          <a:p>
+            <a:pPr algn="r"/>
+            <a:r>
+              <a:rPr lang="en-US" sz="1000" dirty="0" smtClean="0"/>
+              <a:t>$6,422.00</a:t>
+            </a:r>
+          </a:p>
+        </p:txBody>
+      </p:sp>
+      <p:sp>
+        <p:nvSpPr>
+          <p:cNvPr id="101" name="Rectangle 100"/>
+          <p:cNvSpPr/>
+          <p:nvPr/>
+        </p:nvSpPr>
+        <p:spPr>
+          <a:xfrm>
+            <a:off x="2150533" y="3200400"/>
+            <a:ext cx="6536267" cy="228600"/>
+          </a:xfrm>
+          <a:prstGeom prst="rect">
+            <a:avLst/>
+          </a:prstGeom>
+          <a:solidFill>
+            <a:srgbClr val="C6D9F1">
+              <a:alpha val="30196"/>
+            </a:srgbClr>
+          </a:solidFill>
+          <a:ln>
+            <a:noFill/>
+          </a:ln>
+        </p:spPr>
+        <p:style>
+          <a:lnRef idx="2">
+            <a:schemeClr val="accent1">
+              <a:shade val="50000"/>
+            </a:schemeClr>
+          </a:lnRef>
+          <a:fillRef idx="1">
+            <a:schemeClr val="accent1"/>
+          </a:fillRef>
+          <a:effectRef idx="0">
+            <a:schemeClr val="accent1"/>
+          </a:effectRef>
+          <a:fontRef idx="minor">
+            <a:schemeClr val="lt1"/>
+          </a:fontRef>
+        </p:style>
+        <p:txBody>
+          <a:bodyPr rtlCol="0" anchor="ctr"/>
+          <a:lstStyle/>
+          <a:p>
+            <a:pPr algn="ctr"/>
+            <a:endParaRPr lang="en-US"/>
+          </a:p>
+        </p:txBody>
+      </p:sp>
+      <p:sp>
+        <p:nvSpPr>
+          <p:cNvPr id="104" name="Rectangle 103"/>
+          <p:cNvSpPr/>
+          <p:nvPr/>
+        </p:nvSpPr>
+        <p:spPr>
+          <a:xfrm>
+            <a:off x="2150533" y="3657600"/>
+            <a:ext cx="6536267" cy="228600"/>
+          </a:xfrm>
+          <a:prstGeom prst="rect">
+            <a:avLst/>
+          </a:prstGeom>
+          <a:solidFill>
+            <a:srgbClr val="C6D9F1">
+              <a:alpha val="30196"/>
+            </a:srgbClr>
+          </a:solidFill>
+          <a:ln>
+            <a:noFill/>
+          </a:ln>
+        </p:spPr>
+        <p:style>
+          <a:lnRef idx="2">
+            <a:schemeClr val="accent1">
+              <a:shade val="50000"/>
+            </a:schemeClr>
+          </a:lnRef>
+          <a:fillRef idx="1">
+            <a:schemeClr val="accent1"/>
+          </a:fillRef>
+          <a:effectRef idx="0">
+            <a:schemeClr val="accent1"/>
+          </a:effectRef>
+          <a:fontRef idx="minor">
+            <a:schemeClr val="lt1"/>
+          </a:fontRef>
+        </p:style>
+        <p:txBody>
+          <a:bodyPr rtlCol="0" anchor="ctr"/>
+          <a:lstStyle/>
+          <a:p>
+            <a:pPr algn="ctr"/>
+            <a:endParaRPr lang="en-US"/>
+          </a:p>
+        </p:txBody>
+      </p:sp>
+      <p:sp>
+        <p:nvSpPr>
+          <p:cNvPr id="120" name="Rectangle 119"/>
+          <p:cNvSpPr/>
+          <p:nvPr/>
+        </p:nvSpPr>
+        <p:spPr>
+          <a:xfrm>
+            <a:off x="2121747" y="4114800"/>
+            <a:ext cx="6536267" cy="228600"/>
+          </a:xfrm>
+          <a:prstGeom prst="rect">
+            <a:avLst/>
+          </a:prstGeom>
+          <a:solidFill>
+            <a:srgbClr val="C6D9F1">
+              <a:alpha val="30196"/>
+            </a:srgbClr>
+          </a:solidFill>
+          <a:ln>
+            <a:noFill/>
+          </a:ln>
+        </p:spPr>
+        <p:style>
+          <a:lnRef idx="2">
+            <a:schemeClr val="accent1">
+              <a:shade val="50000"/>
+            </a:schemeClr>
+          </a:lnRef>
+          <a:fillRef idx="1">
+            <a:schemeClr val="accent1"/>
+          </a:fillRef>
+          <a:effectRef idx="0">
+            <a:schemeClr val="accent1"/>
+          </a:effectRef>
+          <a:fontRef idx="minor">
+            <a:schemeClr val="lt1"/>
+          </a:fontRef>
+        </p:style>
+        <p:txBody>
+          <a:bodyPr rtlCol="0" anchor="ctr"/>
+          <a:lstStyle/>
+          <a:p>
+            <a:pPr algn="ctr"/>
+            <a:endParaRPr lang="en-US"/>
+          </a:p>
+        </p:txBody>
+      </p:sp>
+      <p:sp>
+        <p:nvSpPr>
+          <p:cNvPr id="129" name="Rectangle 128"/>
+          <p:cNvSpPr/>
+          <p:nvPr/>
+        </p:nvSpPr>
+        <p:spPr>
+          <a:xfrm>
+            <a:off x="2103120" y="4572000"/>
+            <a:ext cx="6536267" cy="228600"/>
+          </a:xfrm>
+          <a:prstGeom prst="rect">
+            <a:avLst/>
+          </a:prstGeom>
+          <a:solidFill>
+            <a:srgbClr val="C6D9F1">
+              <a:alpha val="30196"/>
+            </a:srgbClr>
+          </a:solidFill>
+          <a:ln>
+            <a:noFill/>
+          </a:ln>
+        </p:spPr>
+        <p:style>
+          <a:lnRef idx="2">
+            <a:schemeClr val="accent1">
+              <a:shade val="50000"/>
+            </a:schemeClr>
+          </a:lnRef>
+          <a:fillRef idx="1">
+            <a:schemeClr val="accent1"/>
+          </a:fillRef>
+          <a:effectRef idx="0">
+            <a:schemeClr val="accent1"/>
+          </a:effectRef>
+          <a:fontRef idx="minor">
+            <a:schemeClr val="lt1"/>
+          </a:fontRef>
+        </p:style>
+        <p:txBody>
+          <a:bodyPr rtlCol="0" anchor="ctr"/>
+          <a:lstStyle/>
+          <a:p>
+            <a:pPr algn="ctr"/>
+            <a:endParaRPr lang="en-US"/>
+          </a:p>
+        </p:txBody>
+      </p:sp>
+      <p:sp>
+        <p:nvSpPr>
+          <p:cNvPr id="130" name="Rectangle 129"/>
+          <p:cNvSpPr/>
+          <p:nvPr/>
+        </p:nvSpPr>
+        <p:spPr>
+          <a:xfrm>
+            <a:off x="2121747" y="5029200"/>
+            <a:ext cx="6536267" cy="228600"/>
+          </a:xfrm>
+          <a:prstGeom prst="rect">
+            <a:avLst/>
+          </a:prstGeom>
+          <a:solidFill>
+            <a:srgbClr val="C6D9F1">
+              <a:alpha val="30196"/>
+            </a:srgbClr>
+          </a:solidFill>
+          <a:ln>
+            <a:noFill/>
+          </a:ln>
+        </p:spPr>
+        <p:style>
+          <a:lnRef idx="2">
+            <a:schemeClr val="accent1">
+              <a:shade val="50000"/>
+            </a:schemeClr>
+          </a:lnRef>
+          <a:fillRef idx="1">
+            <a:schemeClr val="accent1"/>
+          </a:fillRef>
+          <a:effectRef idx="0">
+            <a:schemeClr val="accent1"/>
+          </a:effectRef>
+          <a:fontRef idx="minor">
+            <a:schemeClr val="lt1"/>
+          </a:fontRef>
+        </p:style>
+        <p:txBody>
+          <a:bodyPr rtlCol="0" anchor="ctr"/>
+          <a:lstStyle/>
+          <a:p>
+            <a:pPr algn="ctr"/>
+            <a:endParaRPr lang="en-US"/>
+          </a:p>
+        </p:txBody>
+      </p:sp>
+      <p:sp>
+        <p:nvSpPr>
+          <p:cNvPr id="137" name="Rectangle 136"/>
+          <p:cNvSpPr/>
+          <p:nvPr/>
+        </p:nvSpPr>
+        <p:spPr>
+          <a:xfrm>
+            <a:off x="2121747" y="5486400"/>
+            <a:ext cx="6536267" cy="228600"/>
+          </a:xfrm>
+          <a:prstGeom prst="rect">
+            <a:avLst/>
+          </a:prstGeom>
+          <a:solidFill>
+            <a:srgbClr val="C6D9F1">
+              <a:alpha val="30196"/>
+            </a:srgbClr>
+          </a:solidFill>
+          <a:ln>
+            <a:noFill/>
+          </a:ln>
+        </p:spPr>
+        <p:style>
+          <a:lnRef idx="2">
+            <a:schemeClr val="accent1">
+              <a:shade val="50000"/>
+            </a:schemeClr>
+          </a:lnRef>
+          <a:fillRef idx="1">
+            <a:schemeClr val="accent1"/>
+          </a:fillRef>
+          <a:effectRef idx="0">
+            <a:schemeClr val="accent1"/>
+          </a:effectRef>
+          <a:fontRef idx="minor">
+            <a:schemeClr val="lt1"/>
+          </a:fontRef>
+        </p:style>
+        <p:txBody>
+          <a:bodyPr rtlCol="0" anchor="ctr"/>
+          <a:lstStyle/>
+          <a:p>
+            <a:pPr algn="ctr"/>
+            <a:endParaRPr lang="en-US"/>
+          </a:p>
+        </p:txBody>
+      </p:sp>
+      <p:sp>
+        <p:nvSpPr>
+          <p:cNvPr id="141" name="Rectangle 140"/>
+          <p:cNvSpPr/>
+          <p:nvPr/>
+        </p:nvSpPr>
+        <p:spPr>
+          <a:xfrm>
+            <a:off x="2133601" y="5954197"/>
+            <a:ext cx="6536267" cy="228600"/>
+          </a:xfrm>
+          <a:prstGeom prst="rect">
+            <a:avLst/>
+          </a:prstGeom>
+          <a:solidFill>
+            <a:srgbClr val="C6D9F1">
+              <a:alpha val="30196"/>
+            </a:srgbClr>
+          </a:solidFill>
+          <a:ln>
+            <a:noFill/>
+          </a:ln>
+        </p:spPr>
+        <p:style>
+          <a:lnRef idx="2">
+            <a:schemeClr val="accent1">
+              <a:shade val="50000"/>
+            </a:schemeClr>
+          </a:lnRef>
+          <a:fillRef idx="1">
+            <a:schemeClr val="accent1"/>
+          </a:fillRef>
+          <a:effectRef idx="0">
+            <a:schemeClr val="accent1"/>
+          </a:effectRef>
+          <a:fontRef idx="minor">
+            <a:schemeClr val="lt1"/>
+          </a:fontRef>
+        </p:style>
+        <p:txBody>
+          <a:bodyPr rtlCol="0" anchor="ctr"/>
+          <a:lstStyle/>
+          <a:p>
+            <a:pPr algn="ctr"/>
+            <a:endParaRPr lang="en-US"/>
+          </a:p>
+        </p:txBody>
+      </p:sp>
+      <p:sp>
+        <p:nvSpPr>
+          <p:cNvPr id="72" name="Rectangle 71"/>
+          <p:cNvSpPr/>
+          <p:nvPr/>
+        </p:nvSpPr>
+        <p:spPr>
+          <a:xfrm>
+            <a:off x="2130637" y="1814630"/>
+            <a:ext cx="6542193" cy="1828800"/>
+          </a:xfrm>
+          <a:prstGeom prst="rect">
+            <a:avLst/>
+          </a:prstGeom>
+          <a:solidFill>
+            <a:schemeClr val="bg1"/>
+          </a:solidFill>
+        </p:spPr>
+        <p:style>
+          <a:lnRef idx="2">
+            <a:schemeClr val="accent1">
+              <a:shade val="50000"/>
+            </a:schemeClr>
+          </a:lnRef>
+          <a:fillRef idx="1">
+            <a:schemeClr val="accent1"/>
+          </a:fillRef>
+          <a:effectRef idx="0">
+            <a:schemeClr val="accent1"/>
+          </a:effectRef>
+          <a:fontRef idx="minor">
+            <a:schemeClr val="lt1"/>
+          </a:fontRef>
+        </p:style>
+        <p:txBody>
+          <a:bodyPr rtlCol="0" anchor="ctr"/>
+          <a:lstStyle/>
+          <a:p>
+            <a:pPr algn="ctr"/>
+            <a:endParaRPr lang="en-US"/>
+          </a:p>
+        </p:txBody>
+      </p:sp>
+      <p:grpSp>
+        <p:nvGrpSpPr>
+          <p:cNvPr id="7" name="Group 6"/>
+          <p:cNvGrpSpPr/>
+          <p:nvPr/>
+        </p:nvGrpSpPr>
+        <p:grpSpPr>
+          <a:xfrm>
+            <a:off x="2217843" y="2516146"/>
+            <a:ext cx="2252317" cy="597932"/>
+            <a:chOff x="2220806" y="2987516"/>
+            <a:chExt cx="2252317" cy="597932"/>
+          </a:xfrm>
+        </p:grpSpPr>
+        <p:sp>
+          <p:nvSpPr>
+            <p:cNvPr id="75" name="TextBox 74"/>
+            <p:cNvSpPr txBox="1"/>
+            <p:nvPr/>
+          </p:nvSpPr>
+          <p:spPr>
+            <a:xfrm>
+              <a:off x="2220806" y="3216116"/>
+              <a:ext cx="2252317" cy="369332"/>
+            </a:xfrm>
+            <a:prstGeom prst="rect">
+              <a:avLst/>
+            </a:prstGeom>
+            <a:ln w="12700"/>
+          </p:spPr>
+          <p:style>
+            <a:lnRef idx="2">
+              <a:schemeClr val="accent1"/>
+            </a:lnRef>
+            <a:fillRef idx="1">
+              <a:schemeClr val="lt1"/>
+            </a:fillRef>
+            <a:effectRef idx="0">
+              <a:schemeClr val="accent1"/>
+            </a:effectRef>
+            <a:fontRef idx="minor">
+              <a:schemeClr val="dk1"/>
+            </a:fontRef>
+          </p:style>
+          <p:txBody>
+            <a:bodyPr wrap="square" rtlCol="0">
+              <a:spAutoFit/>
+            </a:bodyPr>
+            <a:lstStyle/>
+            <a:p>
+              <a:r>
+                <a:rPr lang="en-US" dirty="0" smtClean="0"/>
+                <a:t>Withdraw</a:t>
+              </a:r>
+              <a:endParaRPr lang="en-US" dirty="0"/>
+            </a:p>
+          </p:txBody>
+        </p:sp>
+        <p:sp>
+          <p:nvSpPr>
+            <p:cNvPr id="103" name="TextBox 102"/>
+            <p:cNvSpPr txBox="1"/>
+            <p:nvPr/>
+          </p:nvSpPr>
+          <p:spPr>
+            <a:xfrm>
+              <a:off x="2220806" y="2987516"/>
+              <a:ext cx="1893994" cy="276999"/>
+            </a:xfrm>
+            <a:prstGeom prst="rect">
+              <a:avLst/>
+            </a:prstGeom>
+            <a:noFill/>
+          </p:spPr>
+          <p:txBody>
+            <a:bodyPr wrap="square" rtlCol="0">
+              <a:spAutoFit/>
+            </a:bodyPr>
+            <a:lstStyle/>
+            <a:p>
+              <a:r>
+                <a:rPr lang="en-US" sz="1200" dirty="0" smtClean="0">
+                  <a:solidFill>
+                    <a:schemeClr val="tx1">
+                      <a:lumMod val="65000"/>
+                      <a:lumOff val="35000"/>
+                    </a:schemeClr>
+                  </a:solidFill>
+                </a:rPr>
+                <a:t>Description</a:t>
+              </a:r>
+              <a:endParaRPr lang="en-US" sz="1200" dirty="0">
+                <a:solidFill>
+                  <a:schemeClr val="tx1">
+                    <a:lumMod val="65000"/>
+                    <a:lumOff val="35000"/>
+                  </a:schemeClr>
+                </a:solidFill>
+              </a:endParaRPr>
+            </a:p>
+          </p:txBody>
+        </p:sp>
+      </p:grpSp>
+      <p:grpSp>
+        <p:nvGrpSpPr>
+          <p:cNvPr id="8" name="Group 7"/>
+          <p:cNvGrpSpPr/>
+          <p:nvPr/>
+        </p:nvGrpSpPr>
+        <p:grpSpPr>
+          <a:xfrm>
+            <a:off x="4581524" y="2516146"/>
+            <a:ext cx="4026113" cy="597932"/>
+            <a:chOff x="4584487" y="2987516"/>
+            <a:chExt cx="4026113" cy="597932"/>
+          </a:xfrm>
+        </p:grpSpPr>
+        <p:sp>
+          <p:nvSpPr>
+            <p:cNvPr id="111" name="TextBox 110"/>
+            <p:cNvSpPr txBox="1"/>
+            <p:nvPr/>
+          </p:nvSpPr>
+          <p:spPr>
+            <a:xfrm>
+              <a:off x="4584487" y="3216116"/>
+              <a:ext cx="4026113" cy="369332"/>
+            </a:xfrm>
+            <a:prstGeom prst="rect">
+              <a:avLst/>
+            </a:prstGeom>
+            <a:ln w="12700"/>
+          </p:spPr>
+          <p:style>
+            <a:lnRef idx="2">
+              <a:schemeClr val="accent1"/>
+            </a:lnRef>
+            <a:fillRef idx="1">
+              <a:schemeClr val="lt1"/>
+            </a:fillRef>
+            <a:effectRef idx="0">
+              <a:schemeClr val="accent1"/>
+            </a:effectRef>
+            <a:fontRef idx="minor">
+              <a:schemeClr val="dk1"/>
+            </a:fontRef>
+          </p:style>
+          <p:txBody>
+            <a:bodyPr wrap="square" rtlCol="0">
+              <a:spAutoFit/>
+            </a:bodyPr>
+            <a:lstStyle/>
+            <a:p>
+              <a:r>
+                <a:rPr lang="en-US" dirty="0" smtClean="0"/>
+                <a:t>Time to take profit and make some </a:t>
+              </a:r>
+              <a:r>
+                <a:rPr lang="en-US" dirty="0" err="1" smtClean="0"/>
+                <a:t>contri</a:t>
+              </a:r>
+              <a:endParaRPr lang="en-US" dirty="0"/>
+            </a:p>
+          </p:txBody>
+        </p:sp>
+        <p:sp>
+          <p:nvSpPr>
+            <p:cNvPr id="112" name="TextBox 111"/>
+            <p:cNvSpPr txBox="1"/>
+            <p:nvPr/>
+          </p:nvSpPr>
+          <p:spPr>
+            <a:xfrm>
+              <a:off x="4584487" y="2987516"/>
+              <a:ext cx="2327597" cy="276999"/>
+            </a:xfrm>
+            <a:prstGeom prst="rect">
+              <a:avLst/>
+            </a:prstGeom>
+            <a:noFill/>
+          </p:spPr>
+          <p:txBody>
+            <a:bodyPr wrap="square" rtlCol="0">
+              <a:spAutoFit/>
+            </a:bodyPr>
+            <a:lstStyle/>
+            <a:p>
+              <a:r>
+                <a:rPr lang="en-US" sz="1200" dirty="0" smtClean="0">
+                  <a:solidFill>
+                    <a:schemeClr val="tx1">
+                      <a:lumMod val="65000"/>
+                      <a:lumOff val="35000"/>
+                    </a:schemeClr>
+                  </a:solidFill>
+                </a:rPr>
+                <a:t>Comment</a:t>
+              </a:r>
+              <a:endParaRPr lang="en-US" sz="1200" dirty="0">
+                <a:solidFill>
+                  <a:schemeClr val="tx1">
+                    <a:lumMod val="65000"/>
+                    <a:lumOff val="35000"/>
+                  </a:schemeClr>
+                </a:solidFill>
+              </a:endParaRPr>
+            </a:p>
+          </p:txBody>
+        </p:sp>
+      </p:grpSp>
+      <p:grpSp>
+        <p:nvGrpSpPr>
+          <p:cNvPr id="4" name="Group 3"/>
+          <p:cNvGrpSpPr/>
+          <p:nvPr/>
+        </p:nvGrpSpPr>
+        <p:grpSpPr>
+          <a:xfrm>
+            <a:off x="2217843" y="1832131"/>
+            <a:ext cx="1512994" cy="624365"/>
+            <a:chOff x="2220806" y="2303501"/>
+            <a:chExt cx="1512994" cy="624365"/>
+          </a:xfrm>
+        </p:grpSpPr>
+        <p:sp>
+          <p:nvSpPr>
+            <p:cNvPr id="114" name="TextBox 113"/>
+            <p:cNvSpPr txBox="1"/>
+            <p:nvPr/>
+          </p:nvSpPr>
+          <p:spPr>
+            <a:xfrm>
+              <a:off x="2220807" y="2303501"/>
+              <a:ext cx="1219200" cy="276999"/>
+            </a:xfrm>
+            <a:prstGeom prst="rect">
+              <a:avLst/>
+            </a:prstGeom>
+            <a:noFill/>
+          </p:spPr>
+          <p:txBody>
+            <a:bodyPr wrap="square" rtlCol="0">
+              <a:spAutoFit/>
+            </a:bodyPr>
+            <a:lstStyle/>
+            <a:p>
+              <a:r>
+                <a:rPr lang="en-US" sz="1200" dirty="0" smtClean="0">
+                  <a:solidFill>
+                    <a:schemeClr val="tx1">
+                      <a:lumMod val="65000"/>
+                      <a:lumOff val="35000"/>
+                    </a:schemeClr>
+                  </a:solidFill>
+                </a:rPr>
+                <a:t>Transaction date</a:t>
+              </a:r>
+              <a:endParaRPr lang="en-US" sz="1200" dirty="0">
+                <a:solidFill>
+                  <a:schemeClr val="tx1">
+                    <a:lumMod val="65000"/>
+                    <a:lumOff val="35000"/>
+                  </a:schemeClr>
+                </a:solidFill>
+              </a:endParaRPr>
+            </a:p>
+          </p:txBody>
+        </p:sp>
+        <p:grpSp>
+          <p:nvGrpSpPr>
+            <p:cNvPr id="2" name="Group 1"/>
+            <p:cNvGrpSpPr/>
+            <p:nvPr/>
+          </p:nvGrpSpPr>
+          <p:grpSpPr>
+            <a:xfrm>
+              <a:off x="2220806" y="2558534"/>
+              <a:ext cx="1512994" cy="369332"/>
+              <a:chOff x="2220806" y="2558534"/>
+              <a:chExt cx="1512994" cy="369332"/>
+            </a:xfrm>
+          </p:grpSpPr>
+          <p:sp>
+            <p:nvSpPr>
+              <p:cNvPr id="113" name="TextBox 112"/>
+              <p:cNvSpPr txBox="1"/>
+              <p:nvPr/>
+            </p:nvSpPr>
+            <p:spPr>
+              <a:xfrm>
+                <a:off x="2220806" y="2558534"/>
+                <a:ext cx="1512994" cy="369332"/>
+              </a:xfrm>
+              <a:prstGeom prst="rect">
+                <a:avLst/>
+              </a:prstGeom>
+              <a:ln w="12700"/>
+            </p:spPr>
+            <p:style>
+              <a:lnRef idx="2">
+                <a:schemeClr val="accent1"/>
+              </a:lnRef>
+              <a:fillRef idx="1">
+                <a:schemeClr val="lt1"/>
+              </a:fillRef>
+              <a:effectRef idx="0">
+                <a:schemeClr val="accent1"/>
+              </a:effectRef>
+              <a:fontRef idx="minor">
+                <a:schemeClr val="dk1"/>
+              </a:fontRef>
+            </p:style>
+            <p:txBody>
+              <a:bodyPr wrap="square" rtlCol="0">
+                <a:spAutoFit/>
+              </a:bodyPr>
+              <a:lstStyle/>
+              <a:p>
+                <a:r>
+                  <a:rPr lang="en-US" dirty="0" smtClean="0"/>
+                  <a:t>10/10/2015</a:t>
+                </a:r>
+                <a:endParaRPr lang="en-US" dirty="0"/>
+              </a:p>
+            </p:txBody>
+          </p:sp>
+          <p:sp>
+            <p:nvSpPr>
+              <p:cNvPr id="131" name="Isosceles Triangle 130"/>
+              <p:cNvSpPr/>
+              <p:nvPr/>
+            </p:nvSpPr>
+            <p:spPr>
+              <a:xfrm flipV="1">
+                <a:off x="3581400" y="2709862"/>
+                <a:ext cx="76200" cy="76200"/>
+              </a:xfrm>
+              <a:prstGeom prst="triangle">
+                <a:avLst/>
+              </a:prstGeom>
+            </p:spPr>
+            <p:style>
+              <a:lnRef idx="2">
+                <a:schemeClr val="accent1">
+                  <a:shade val="50000"/>
+                </a:schemeClr>
+              </a:lnRef>
+              <a:fillRef idx="1">
+                <a:schemeClr val="accent1"/>
+              </a:fillRef>
+              <a:effectRef idx="0">
+                <a:schemeClr val="accent1"/>
+              </a:effectRef>
+              <a:fontRef idx="minor">
+                <a:schemeClr val="lt1"/>
+              </a:fontRef>
+            </p:style>
+            <p:txBody>
+              <a:bodyPr rtlCol="0" anchor="ctr"/>
+              <a:lstStyle/>
+              <a:p>
+                <a:pPr algn="r"/>
+                <a:endParaRPr lang="en-US" u="sng" dirty="0"/>
+              </a:p>
+            </p:txBody>
+          </p:sp>
+        </p:grpSp>
+      </p:grpSp>
+      <p:grpSp>
+        <p:nvGrpSpPr>
+          <p:cNvPr id="10" name="Group 9"/>
+          <p:cNvGrpSpPr/>
+          <p:nvPr/>
+        </p:nvGrpSpPr>
+        <p:grpSpPr>
+          <a:xfrm>
+            <a:off x="6778837" y="1858564"/>
+            <a:ext cx="1828800" cy="597932"/>
+            <a:chOff x="6781800" y="2329934"/>
+            <a:chExt cx="1828800" cy="597932"/>
+          </a:xfrm>
+        </p:grpSpPr>
+        <p:sp>
+          <p:nvSpPr>
+            <p:cNvPr id="132" name="TextBox 131"/>
+            <p:cNvSpPr txBox="1"/>
+            <p:nvPr/>
+          </p:nvSpPr>
+          <p:spPr>
+            <a:xfrm>
+              <a:off x="6781800" y="2558534"/>
+              <a:ext cx="1828800" cy="369332"/>
+            </a:xfrm>
+            <a:prstGeom prst="rect">
+              <a:avLst/>
+            </a:prstGeom>
+            <a:ln w="12700"/>
+          </p:spPr>
+          <p:style>
+            <a:lnRef idx="2">
+              <a:schemeClr val="accent1"/>
+            </a:lnRef>
+            <a:fillRef idx="1">
+              <a:schemeClr val="lt1"/>
+            </a:fillRef>
+            <a:effectRef idx="0">
+              <a:schemeClr val="accent1"/>
+            </a:effectRef>
+            <a:fontRef idx="minor">
+              <a:schemeClr val="dk1"/>
+            </a:fontRef>
+          </p:style>
+          <p:txBody>
+            <a:bodyPr wrap="square" rtlCol="0">
+              <a:spAutoFit/>
+            </a:bodyPr>
+            <a:lstStyle/>
+            <a:p>
+              <a:r>
+                <a:rPr lang="en-US" dirty="0" smtClean="0"/>
+                <a:t>-100000.00</a:t>
+              </a:r>
+              <a:endParaRPr lang="en-US" dirty="0"/>
+            </a:p>
+          </p:txBody>
+        </p:sp>
+        <p:sp>
+          <p:nvSpPr>
+            <p:cNvPr id="139" name="TextBox 138"/>
+            <p:cNvSpPr txBox="1"/>
+            <p:nvPr/>
+          </p:nvSpPr>
+          <p:spPr>
+            <a:xfrm>
+              <a:off x="6781800" y="2329934"/>
+              <a:ext cx="1828800" cy="276999"/>
+            </a:xfrm>
+            <a:prstGeom prst="rect">
+              <a:avLst/>
+            </a:prstGeom>
+            <a:noFill/>
+          </p:spPr>
+          <p:txBody>
+            <a:bodyPr wrap="square" rtlCol="0">
+              <a:spAutoFit/>
+            </a:bodyPr>
+            <a:lstStyle/>
+            <a:p>
+              <a:r>
+                <a:rPr lang="en-US" sz="1200" dirty="0" smtClean="0">
+                  <a:solidFill>
+                    <a:schemeClr val="tx1">
+                      <a:lumMod val="65000"/>
+                      <a:lumOff val="35000"/>
+                    </a:schemeClr>
+                  </a:solidFill>
+                </a:rPr>
+                <a:t>Current balance</a:t>
+              </a:r>
+              <a:endParaRPr lang="en-US" sz="1200" dirty="0">
+                <a:solidFill>
+                  <a:schemeClr val="tx1">
+                    <a:lumMod val="65000"/>
+                    <a:lumOff val="35000"/>
+                  </a:schemeClr>
+                </a:solidFill>
+              </a:endParaRPr>
+            </a:p>
+          </p:txBody>
+        </p:sp>
+      </p:grpSp>
+      <p:sp>
+        <p:nvSpPr>
+          <p:cNvPr id="140" name="TextBox 139"/>
+          <p:cNvSpPr txBox="1"/>
+          <p:nvPr/>
+        </p:nvSpPr>
+        <p:spPr>
+          <a:xfrm>
+            <a:off x="6957059" y="3200400"/>
+            <a:ext cx="659977" cy="369332"/>
+          </a:xfrm>
+          <a:prstGeom prst="rect">
+            <a:avLst/>
+          </a:prstGeom>
+        </p:spPr>
+        <p:style>
+          <a:lnRef idx="2">
+            <a:schemeClr val="accent1">
+              <a:shade val="50000"/>
+            </a:schemeClr>
+          </a:lnRef>
+          <a:fillRef idx="1">
+            <a:schemeClr val="accent1"/>
+          </a:fillRef>
+          <a:effectRef idx="0">
+            <a:schemeClr val="accent1"/>
+          </a:effectRef>
+          <a:fontRef idx="minor">
+            <a:schemeClr val="lt1"/>
+          </a:fontRef>
+        </p:style>
+        <p:txBody>
+          <a:bodyPr wrap="square" rtlCol="0">
+            <a:spAutoFit/>
+          </a:bodyPr>
+          <a:lstStyle/>
+          <a:p>
+            <a:r>
+              <a:rPr lang="en-US" dirty="0" smtClean="0"/>
+              <a:t>Save</a:t>
+            </a:r>
+            <a:endParaRPr lang="en-US" dirty="0"/>
+          </a:p>
+        </p:txBody>
+      </p:sp>
+      <p:sp>
+        <p:nvSpPr>
+          <p:cNvPr id="142" name="TextBox 141"/>
+          <p:cNvSpPr txBox="1"/>
+          <p:nvPr/>
+        </p:nvSpPr>
+        <p:spPr>
+          <a:xfrm>
+            <a:off x="7769437" y="3201470"/>
+            <a:ext cx="838200" cy="369332"/>
+          </a:xfrm>
+          <a:prstGeom prst="rect">
+            <a:avLst/>
+          </a:prstGeom>
+        </p:spPr>
+        <p:style>
+          <a:lnRef idx="2">
+            <a:schemeClr val="accent1">
+              <a:shade val="50000"/>
+            </a:schemeClr>
+          </a:lnRef>
+          <a:fillRef idx="1">
+            <a:schemeClr val="accent1"/>
+          </a:fillRef>
+          <a:effectRef idx="0">
+            <a:schemeClr val="accent1"/>
+          </a:effectRef>
+          <a:fontRef idx="minor">
+            <a:schemeClr val="lt1"/>
+          </a:fontRef>
+        </p:style>
+        <p:txBody>
+          <a:bodyPr wrap="square" rtlCol="0">
+            <a:spAutoFit/>
+          </a:bodyPr>
+          <a:lstStyle/>
+          <a:p>
+            <a:r>
+              <a:rPr lang="en-US" dirty="0" smtClean="0"/>
+              <a:t>Cancel</a:t>
+            </a:r>
+            <a:endParaRPr lang="en-US" dirty="0"/>
+          </a:p>
+        </p:txBody>
+      </p:sp>
+      <p:grpSp>
+        <p:nvGrpSpPr>
+          <p:cNvPr id="5" name="Group 4"/>
+          <p:cNvGrpSpPr/>
+          <p:nvPr/>
+        </p:nvGrpSpPr>
+        <p:grpSpPr>
+          <a:xfrm>
+            <a:off x="3970443" y="1832131"/>
+            <a:ext cx="1512994" cy="624365"/>
+            <a:chOff x="3973406" y="2303501"/>
+            <a:chExt cx="1512994" cy="624365"/>
+          </a:xfrm>
+        </p:grpSpPr>
+        <p:sp>
+          <p:nvSpPr>
+            <p:cNvPr id="146" name="TextBox 145"/>
+            <p:cNvSpPr txBox="1"/>
+            <p:nvPr/>
+          </p:nvSpPr>
+          <p:spPr>
+            <a:xfrm>
+              <a:off x="3974887" y="2303501"/>
+              <a:ext cx="1219200" cy="276999"/>
+            </a:xfrm>
+            <a:prstGeom prst="rect">
+              <a:avLst/>
+            </a:prstGeom>
+            <a:noFill/>
+          </p:spPr>
+          <p:txBody>
+            <a:bodyPr wrap="square" rtlCol="0">
+              <a:spAutoFit/>
+            </a:bodyPr>
+            <a:lstStyle/>
+            <a:p>
+              <a:r>
+                <a:rPr lang="en-US" sz="1200" dirty="0" smtClean="0">
+                  <a:solidFill>
+                    <a:schemeClr val="tx1">
+                      <a:lumMod val="65000"/>
+                      <a:lumOff val="35000"/>
+                    </a:schemeClr>
+                  </a:solidFill>
+                </a:rPr>
+                <a:t>Settlement date</a:t>
+              </a:r>
+              <a:endParaRPr lang="en-US" sz="1200" dirty="0">
+                <a:solidFill>
+                  <a:schemeClr val="tx1">
+                    <a:lumMod val="65000"/>
+                    <a:lumOff val="35000"/>
+                  </a:schemeClr>
+                </a:solidFill>
+              </a:endParaRPr>
+            </a:p>
+          </p:txBody>
+        </p:sp>
+        <p:grpSp>
+          <p:nvGrpSpPr>
+            <p:cNvPr id="3" name="Group 2"/>
+            <p:cNvGrpSpPr/>
+            <p:nvPr/>
+          </p:nvGrpSpPr>
+          <p:grpSpPr>
+            <a:xfrm>
+              <a:off x="3973406" y="2558534"/>
+              <a:ext cx="1512994" cy="369332"/>
+              <a:chOff x="3973406" y="2558534"/>
+              <a:chExt cx="1512994" cy="369332"/>
+            </a:xfrm>
+          </p:grpSpPr>
+          <p:sp>
+            <p:nvSpPr>
+              <p:cNvPr id="145" name="TextBox 144"/>
+              <p:cNvSpPr txBox="1"/>
+              <p:nvPr/>
+            </p:nvSpPr>
+            <p:spPr>
+              <a:xfrm>
+                <a:off x="3973406" y="2558534"/>
+                <a:ext cx="1512994" cy="369332"/>
+              </a:xfrm>
+              <a:prstGeom prst="rect">
+                <a:avLst/>
+              </a:prstGeom>
+              <a:ln w="12700"/>
+            </p:spPr>
+            <p:style>
+              <a:lnRef idx="2">
+                <a:schemeClr val="accent1"/>
+              </a:lnRef>
+              <a:fillRef idx="1">
+                <a:schemeClr val="lt1"/>
+              </a:fillRef>
+              <a:effectRef idx="0">
+                <a:schemeClr val="accent1"/>
+              </a:effectRef>
+              <a:fontRef idx="minor">
+                <a:schemeClr val="dk1"/>
+              </a:fontRef>
+            </p:style>
+            <p:txBody>
+              <a:bodyPr wrap="square" rtlCol="0">
+                <a:spAutoFit/>
+              </a:bodyPr>
+              <a:lstStyle/>
+              <a:p>
+                <a:r>
+                  <a:rPr lang="en-US" dirty="0" smtClean="0"/>
+                  <a:t>10/10/2015</a:t>
+                </a:r>
+                <a:endParaRPr lang="en-US" dirty="0"/>
+              </a:p>
+            </p:txBody>
+          </p:sp>
+          <p:sp>
+            <p:nvSpPr>
+              <p:cNvPr id="147" name="Isosceles Triangle 146"/>
+              <p:cNvSpPr/>
+              <p:nvPr/>
+            </p:nvSpPr>
+            <p:spPr>
+              <a:xfrm flipV="1">
+                <a:off x="5334000" y="2709862"/>
+                <a:ext cx="76200" cy="76200"/>
+              </a:xfrm>
+              <a:prstGeom prst="triangle">
+                <a:avLst/>
+              </a:prstGeom>
+            </p:spPr>
+            <p:style>
+              <a:lnRef idx="2">
+                <a:schemeClr val="accent1">
+                  <a:shade val="50000"/>
+                </a:schemeClr>
+              </a:lnRef>
+              <a:fillRef idx="1">
+                <a:schemeClr val="accent1"/>
+              </a:fillRef>
+              <a:effectRef idx="0">
+                <a:schemeClr val="accent1"/>
+              </a:effectRef>
+              <a:fontRef idx="minor">
+                <a:schemeClr val="lt1"/>
+              </a:fontRef>
+            </p:style>
+            <p:txBody>
+              <a:bodyPr rtlCol="0" anchor="ctr"/>
+              <a:lstStyle/>
+              <a:p>
+                <a:pPr algn="r"/>
+                <a:endParaRPr lang="en-US" u="sng" dirty="0"/>
+              </a:p>
+            </p:txBody>
+          </p:sp>
+        </p:grpSp>
+      </p:grpSp>
+    </p:spTree>
+    <p:extLst>
+      <p:ext uri="{BB962C8B-B14F-4D97-AF65-F5344CB8AC3E}">
+        <p14:creationId xmlns:p14="http://schemas.microsoft.com/office/powerpoint/2010/main" val="3321442132"/>
+      </p:ext>
+    </p:extLst>
   </p:cSld>
   <p:clrMapOvr>
     <a:masterClrMapping/>
@@ -12815,4 +19262,289 @@
   <a:objectDefaults/>
   <a:extraClrSchemeLst/>
 </a:theme>
+</file>
+
+<file path=ppt/theme/theme2.xml><?xml version="1.0" encoding="utf-8"?>
+<a:theme xmlns:a="http://schemas.openxmlformats.org/drawingml/2006/main" name="Office Theme">
+  <a:themeElements>
+    <a:clrScheme name="Office">
+      <a:dk1>
+        <a:sysClr val="windowText" lastClr="000000"/>
+      </a:dk1>
+      <a:lt1>
+        <a:sysClr val="window" lastClr="FFFFFF"/>
+      </a:lt1>
+      <a:dk2>
+        <a:srgbClr val="1F497D"/>
+      </a:dk2>
+      <a:lt2>
+        <a:srgbClr val="EEECE1"/>
+      </a:lt2>
+      <a:accent1>
+        <a:srgbClr val="4F81BD"/>
+      </a:accent1>
+      <a:accent2>
+        <a:srgbClr val="C0504D"/>
+      </a:accent2>
+      <a:accent3>
+        <a:srgbClr val="9BBB59"/>
+      </a:accent3>
+      <a:accent4>
+        <a:srgbClr val="8064A2"/>
+      </a:accent4>
+      <a:accent5>
+        <a:srgbClr val="4BACC6"/>
+      </a:accent5>
+      <a:accent6>
+        <a:srgbClr val="F79646"/>
+      </a:accent6>
+      <a:hlink>
+        <a:srgbClr val="0000FF"/>
+      </a:hlink>
+      <a:folHlink>
+        <a:srgbClr val="800080"/>
+      </a:folHlink>
+    </a:clrScheme>
+    <a:fontScheme name="Office">
+      <a:majorFont>
+        <a:latin typeface="Calibri"/>
+        <a:ea typeface=""/>
+        <a:cs typeface=""/>
+        <a:font script="Jpan" typeface="ＭＳ Ｐゴシック"/>
+        <a:font script="Hang" typeface="맑은 고딕"/>
+        <a:font script="Hans" typeface="宋体"/>
+        <a:font script="Hant" typeface="新細明體"/>
+        <a:font script="Arab" typeface="Times New Roman"/>
+        <a:font script="Hebr" typeface="Times New Roman"/>
+        <a:font script="Thai" typeface="Angsana New"/>
+        <a:font script="Ethi" typeface="Nyala"/>
+        <a:font script="Beng" typeface="Vrinda"/>
+        <a:font script="Gujr" typeface="Shruti"/>
+        <a:font script="Khmr" typeface="MoolBoran"/>
+        <a:font script="Knda" typeface="Tunga"/>
+        <a:font script="Guru" typeface="Raavi"/>
+        <a:font script="Cans" typeface="Euphemia"/>
+        <a:font script="Cher" typeface="Plantagenet Cherokee"/>
+        <a:font script="Yiii" typeface="Microsoft Yi Baiti"/>
+        <a:font script="Tibt" typeface="Microsoft Himalaya"/>
+        <a:font script="Thaa" typeface="MV Boli"/>
+        <a:font script="Deva" typeface="Mangal"/>
+        <a:font script="Telu" typeface="Gautami"/>
+        <a:font script="Taml" typeface="Latha"/>
+        <a:font script="Syrc" typeface="Estrangelo Edessa"/>
+        <a:font script="Orya" typeface="Kalinga"/>
+        <a:font script="Mlym" typeface="Kartika"/>
+        <a:font script="Laoo" typeface="DokChampa"/>
+        <a:font script="Sinh" typeface="Iskoola Pota"/>
+        <a:font script="Mong" typeface="Mongolian Baiti"/>
+        <a:font script="Viet" typeface="Times New Roman"/>
+        <a:font script="Uigh" typeface="Microsoft Uighur"/>
+        <a:font script="Geor" typeface="Sylfaen"/>
+      </a:majorFont>
+      <a:minorFont>
+        <a:latin typeface="Calibri"/>
+        <a:ea typeface=""/>
+        <a:cs typeface=""/>
+        <a:font script="Jpan" typeface="ＭＳ Ｐゴシック"/>
+        <a:font script="Hang" typeface="맑은 고딕"/>
+        <a:font script="Hans" typeface="宋体"/>
+        <a:font script="Hant" typeface="新細明體"/>
+        <a:font script="Arab" typeface="Arial"/>
+        <a:font script="Hebr" typeface="Arial"/>
+        <a:font script="Thai" typeface="Cordia New"/>
+        <a:font script="Ethi" typeface="Nyala"/>
+        <a:font script="Beng" typeface="Vrinda"/>
+        <a:font script="Gujr" typeface="Shruti"/>
+        <a:font script="Khmr" typeface="DaunPenh"/>
+        <a:font script="Knda" typeface="Tunga"/>
+        <a:font script="Guru" typeface="Raavi"/>
+        <a:font script="Cans" typeface="Euphemia"/>
+        <a:font script="Cher" typeface="Plantagenet Cherokee"/>
+        <a:font script="Yiii" typeface="Microsoft Yi Baiti"/>
+        <a:font script="Tibt" typeface="Microsoft Himalaya"/>
+        <a:font script="Thaa" typeface="MV Boli"/>
+        <a:font script="Deva" typeface="Mangal"/>
+        <a:font script="Telu" typeface="Gautami"/>
+        <a:font script="Taml" typeface="Latha"/>
+        <a:font script="Syrc" typeface="Estrangelo Edessa"/>
+        <a:font script="Orya" typeface="Kalinga"/>
+        <a:font script="Mlym" typeface="Kartika"/>
+        <a:font script="Laoo" typeface="DokChampa"/>
+        <a:font script="Sinh" typeface="Iskoola Pota"/>
+        <a:font script="Mong" typeface="Mongolian Baiti"/>
+        <a:font script="Viet" typeface="Arial"/>
+        <a:font script="Uigh" typeface="Microsoft Uighur"/>
+        <a:font script="Geor" typeface="Sylfaen"/>
+      </a:minorFont>
+    </a:fontScheme>
+    <a:fmtScheme name="Office">
+      <a:fillStyleLst>
+        <a:solidFill>
+          <a:schemeClr val="phClr"/>
+        </a:solidFill>
+        <a:gradFill rotWithShape="1">
+          <a:gsLst>
+            <a:gs pos="0">
+              <a:schemeClr val="phClr">
+                <a:tint val="50000"/>
+                <a:satMod val="300000"/>
+              </a:schemeClr>
+            </a:gs>
+            <a:gs pos="35000">
+              <a:schemeClr val="phClr">
+                <a:tint val="37000"/>
+                <a:satMod val="300000"/>
+              </a:schemeClr>
+            </a:gs>
+            <a:gs pos="100000">
+              <a:schemeClr val="phClr">
+                <a:tint val="15000"/>
+                <a:satMod val="350000"/>
+              </a:schemeClr>
+            </a:gs>
+          </a:gsLst>
+          <a:lin ang="16200000" scaled="1"/>
+        </a:gradFill>
+        <a:gradFill rotWithShape="1">
+          <a:gsLst>
+            <a:gs pos="0">
+              <a:schemeClr val="phClr">
+                <a:shade val="51000"/>
+                <a:satMod val="130000"/>
+              </a:schemeClr>
+            </a:gs>
+            <a:gs pos="80000">
+              <a:schemeClr val="phClr">
+                <a:shade val="93000"/>
+                <a:satMod val="130000"/>
+              </a:schemeClr>
+            </a:gs>
+            <a:gs pos="100000">
+              <a:schemeClr val="phClr">
+                <a:shade val="94000"/>
+                <a:satMod val="135000"/>
+              </a:schemeClr>
+            </a:gs>
+          </a:gsLst>
+          <a:lin ang="16200000" scaled="0"/>
+        </a:gradFill>
+      </a:fillStyleLst>
+      <a:lnStyleLst>
+        <a:ln w="9525" cap="flat" cmpd="sng" algn="ctr">
+          <a:solidFill>
+            <a:schemeClr val="phClr">
+              <a:shade val="95000"/>
+              <a:satMod val="105000"/>
+            </a:schemeClr>
+          </a:solidFill>
+          <a:prstDash val="solid"/>
+        </a:ln>
+        <a:ln w="25400" cap="flat" cmpd="sng" algn="ctr">
+          <a:solidFill>
+            <a:schemeClr val="phClr"/>
+          </a:solidFill>
+          <a:prstDash val="solid"/>
+        </a:ln>
+        <a:ln w="38100" cap="flat" cmpd="sng" algn="ctr">
+          <a:solidFill>
+            <a:schemeClr val="phClr"/>
+          </a:solidFill>
+          <a:prstDash val="solid"/>
+        </a:ln>
+      </a:lnStyleLst>
+      <a:effectStyleLst>
+        <a:effectStyle>
+          <a:effectLst>
+            <a:outerShdw blurRad="40000" dist="20000" dir="5400000" rotWithShape="0">
+              <a:srgbClr val="000000">
+                <a:alpha val="38000"/>
+              </a:srgbClr>
+            </a:outerShdw>
+          </a:effectLst>
+        </a:effectStyle>
+        <a:effectStyle>
+          <a:effectLst>
+            <a:outerShdw blurRad="40000" dist="23000" dir="5400000" rotWithShape="0">
+              <a:srgbClr val="000000">
+                <a:alpha val="35000"/>
+              </a:srgbClr>
+            </a:outerShdw>
+          </a:effectLst>
+        </a:effectStyle>
+        <a:effectStyle>
+          <a:effectLst>
+            <a:outerShdw blurRad="40000" dist="23000" dir="5400000" rotWithShape="0">
+              <a:srgbClr val="000000">
+                <a:alpha val="35000"/>
+              </a:srgbClr>
+            </a:outerShdw>
+          </a:effectLst>
+          <a:scene3d>
+            <a:camera prst="orthographicFront">
+              <a:rot lat="0" lon="0" rev="0"/>
+            </a:camera>
+            <a:lightRig rig="threePt" dir="t">
+              <a:rot lat="0" lon="0" rev="1200000"/>
+            </a:lightRig>
+          </a:scene3d>
+          <a:sp3d>
+            <a:bevelT w="63500" h="25400"/>
+          </a:sp3d>
+        </a:effectStyle>
+      </a:effectStyleLst>
+      <a:bgFillStyleLst>
+        <a:solidFill>
+          <a:schemeClr val="phClr"/>
+        </a:solidFill>
+        <a:gradFill rotWithShape="1">
+          <a:gsLst>
+            <a:gs pos="0">
+              <a:schemeClr val="phClr">
+                <a:tint val="40000"/>
+                <a:satMod val="350000"/>
+              </a:schemeClr>
+            </a:gs>
+            <a:gs pos="40000">
+              <a:schemeClr val="phClr">
+                <a:tint val="45000"/>
+                <a:shade val="99000"/>
+                <a:satMod val="350000"/>
+              </a:schemeClr>
+            </a:gs>
+            <a:gs pos="100000">
+              <a:schemeClr val="phClr">
+                <a:shade val="20000"/>
+                <a:satMod val="255000"/>
+              </a:schemeClr>
+            </a:gs>
+          </a:gsLst>
+          <a:path path="circle">
+            <a:fillToRect l="50000" t="-80000" r="50000" b="180000"/>
+          </a:path>
+        </a:gradFill>
+        <a:gradFill rotWithShape="1">
+          <a:gsLst>
+            <a:gs pos="0">
+              <a:schemeClr val="phClr">
+                <a:tint val="80000"/>
+                <a:satMod val="300000"/>
+              </a:schemeClr>
+            </a:gs>
+            <a:gs pos="100000">
+              <a:schemeClr val="phClr">
+                <a:shade val="30000"/>
+                <a:satMod val="200000"/>
+              </a:schemeClr>
+            </a:gs>
+          </a:gsLst>
+          <a:path path="circle">
+            <a:fillToRect l="50000" t="50000" r="50000" b="50000"/>
+          </a:path>
+        </a:gradFill>
+      </a:bgFillStyleLst>
+    </a:fmtScheme>
+  </a:themeElements>
+  <a:objectDefaults/>
+  <a:extraClrSchemeLst/>
+</a:theme>
 </file>
--- a/IPM_Mockup.pptx
+++ b/IPM_Mockup.pptx
@@ -200,7 +200,7 @@
           <a:p>
             <a:fld id="{642EBFA8-2302-4239-AB49-C5D0BEEAEFA2}" type="datetimeFigureOut">
               <a:rPr lang="en-US" smtClean="0"/>
-              <a:t>12/4/2015</a:t>
+              <a:t>12/6/2015</a:t>
             </a:fld>
             <a:endParaRPr lang="en-US"/>
           </a:p>
@@ -733,7 +733,7 @@
           <a:p>
             <a:fld id="{ACB0442B-F23F-4FD9-9DD5-6FB15E01333B}" type="datetimeFigureOut">
               <a:rPr lang="en-US" smtClean="0"/>
-              <a:t>12/4/2015</a:t>
+              <a:t>12/6/2015</a:t>
             </a:fld>
             <a:endParaRPr lang="en-US"/>
           </a:p>
@@ -898,7 +898,7 @@
           <a:p>
             <a:fld id="{ACB0442B-F23F-4FD9-9DD5-6FB15E01333B}" type="datetimeFigureOut">
               <a:rPr lang="en-US" smtClean="0"/>
-              <a:t>12/4/2015</a:t>
+              <a:t>12/6/2015</a:t>
             </a:fld>
             <a:endParaRPr lang="en-US"/>
           </a:p>
@@ -1073,7 +1073,7 @@
           <a:p>
             <a:fld id="{ACB0442B-F23F-4FD9-9DD5-6FB15E01333B}" type="datetimeFigureOut">
               <a:rPr lang="en-US" smtClean="0"/>
-              <a:t>12/4/2015</a:t>
+              <a:t>12/6/2015</a:t>
             </a:fld>
             <a:endParaRPr lang="en-US"/>
           </a:p>
@@ -1238,7 +1238,7 @@
           <a:p>
             <a:fld id="{ACB0442B-F23F-4FD9-9DD5-6FB15E01333B}" type="datetimeFigureOut">
               <a:rPr lang="en-US" smtClean="0"/>
-              <a:t>12/4/2015</a:t>
+              <a:t>12/6/2015</a:t>
             </a:fld>
             <a:endParaRPr lang="en-US"/>
           </a:p>
@@ -1479,7 +1479,7 @@
           <a:p>
             <a:fld id="{ACB0442B-F23F-4FD9-9DD5-6FB15E01333B}" type="datetimeFigureOut">
               <a:rPr lang="en-US" smtClean="0"/>
-              <a:t>12/4/2015</a:t>
+              <a:t>12/6/2015</a:t>
             </a:fld>
             <a:endParaRPr lang="en-US"/>
           </a:p>
@@ -1762,7 +1762,7 @@
           <a:p>
             <a:fld id="{ACB0442B-F23F-4FD9-9DD5-6FB15E01333B}" type="datetimeFigureOut">
               <a:rPr lang="en-US" smtClean="0"/>
-              <a:t>12/4/2015</a:t>
+              <a:t>12/6/2015</a:t>
             </a:fld>
             <a:endParaRPr lang="en-US"/>
           </a:p>
@@ -2179,7 +2179,7 @@
           <a:p>
             <a:fld id="{ACB0442B-F23F-4FD9-9DD5-6FB15E01333B}" type="datetimeFigureOut">
               <a:rPr lang="en-US" smtClean="0"/>
-              <a:t>12/4/2015</a:t>
+              <a:t>12/6/2015</a:t>
             </a:fld>
             <a:endParaRPr lang="en-US"/>
           </a:p>
@@ -2292,7 +2292,7 @@
           <a:p>
             <a:fld id="{ACB0442B-F23F-4FD9-9DD5-6FB15E01333B}" type="datetimeFigureOut">
               <a:rPr lang="en-US" smtClean="0"/>
-              <a:t>12/4/2015</a:t>
+              <a:t>12/6/2015</a:t>
             </a:fld>
             <a:endParaRPr lang="en-US"/>
           </a:p>
@@ -2382,7 +2382,7 @@
           <a:p>
             <a:fld id="{ACB0442B-F23F-4FD9-9DD5-6FB15E01333B}" type="datetimeFigureOut">
               <a:rPr lang="en-US" smtClean="0"/>
-              <a:t>12/4/2015</a:t>
+              <a:t>12/6/2015</a:t>
             </a:fld>
             <a:endParaRPr lang="en-US"/>
           </a:p>
@@ -2654,7 +2654,7 @@
           <a:p>
             <a:fld id="{ACB0442B-F23F-4FD9-9DD5-6FB15E01333B}" type="datetimeFigureOut">
               <a:rPr lang="en-US" smtClean="0"/>
-              <a:t>12/4/2015</a:t>
+              <a:t>12/6/2015</a:t>
             </a:fld>
             <a:endParaRPr lang="en-US"/>
           </a:p>
@@ -2902,7 +2902,7 @@
           <a:p>
             <a:fld id="{ACB0442B-F23F-4FD9-9DD5-6FB15E01333B}" type="datetimeFigureOut">
               <a:rPr lang="en-US" smtClean="0"/>
-              <a:t>12/4/2015</a:t>
+              <a:t>12/6/2015</a:t>
             </a:fld>
             <a:endParaRPr lang="en-US"/>
           </a:p>
@@ -3110,7 +3110,7 @@
           <a:p>
             <a:fld id="{ACB0442B-F23F-4FD9-9DD5-6FB15E01333B}" type="datetimeFigureOut">
               <a:rPr lang="en-US" smtClean="0"/>
-              <a:t>12/4/2015</a:t>
+              <a:t>12/6/2015</a:t>
             </a:fld>
             <a:endParaRPr lang="en-US"/>
           </a:p>
@@ -10803,250 +10803,6 @@
       </p:grpSpPr>
       <p:sp>
         <p:nvSpPr>
-          <p:cNvPr id="78" name="Rectangle 77"/>
-          <p:cNvSpPr/>
-          <p:nvPr/>
-        </p:nvSpPr>
-        <p:spPr>
-          <a:xfrm>
-            <a:off x="152400" y="685800"/>
-            <a:ext cx="1905000" cy="6019800"/>
-          </a:xfrm>
-          <a:prstGeom prst="rect">
-            <a:avLst/>
-          </a:prstGeom>
-        </p:spPr>
-        <p:style>
-          <a:lnRef idx="2">
-            <a:schemeClr val="accent1">
-              <a:shade val="50000"/>
-            </a:schemeClr>
-          </a:lnRef>
-          <a:fillRef idx="1">
-            <a:schemeClr val="accent1"/>
-          </a:fillRef>
-          <a:effectRef idx="0">
-            <a:schemeClr val="accent1"/>
-          </a:effectRef>
-          <a:fontRef idx="minor">
-            <a:schemeClr val="lt1"/>
-          </a:fontRef>
-        </p:style>
-        <p:txBody>
-          <a:bodyPr rtlCol="0" anchor="ctr"/>
-          <a:lstStyle/>
-          <a:p>
-            <a:pPr algn="ctr"/>
-            <a:endParaRPr lang="en-US"/>
-          </a:p>
-        </p:txBody>
-      </p:sp>
-      <p:sp>
-        <p:nvSpPr>
-          <p:cNvPr id="6" name="Rectangle 5"/>
-          <p:cNvSpPr/>
-          <p:nvPr/>
-        </p:nvSpPr>
-        <p:spPr>
-          <a:xfrm>
-            <a:off x="152400" y="152400"/>
-            <a:ext cx="1905000" cy="457200"/>
-          </a:xfrm>
-          <a:prstGeom prst="rect">
-            <a:avLst/>
-          </a:prstGeom>
-          <a:solidFill>
-            <a:schemeClr val="bg1">
-              <a:lumMod val="95000"/>
-            </a:schemeClr>
-          </a:solidFill>
-          <a:ln w="19050"/>
-        </p:spPr>
-        <p:style>
-          <a:lnRef idx="2">
-            <a:schemeClr val="accent1"/>
-          </a:lnRef>
-          <a:fillRef idx="1">
-            <a:schemeClr val="lt1"/>
-          </a:fillRef>
-          <a:effectRef idx="0">
-            <a:schemeClr val="accent1"/>
-          </a:effectRef>
-          <a:fontRef idx="minor">
-            <a:schemeClr val="dk1"/>
-          </a:fontRef>
-        </p:style>
-        <p:txBody>
-          <a:bodyPr rtlCol="0" anchor="ctr"/>
-          <a:lstStyle/>
-          <a:p>
-            <a:pPr algn="ctr"/>
-            <a:r>
-              <a:rPr lang="en-US" sz="1200" dirty="0" smtClean="0"/>
-              <a:t>Max’s Portfolio</a:t>
-            </a:r>
-            <a:endParaRPr lang="en-US" sz="1200" dirty="0"/>
-          </a:p>
-        </p:txBody>
-      </p:sp>
-      <p:sp>
-        <p:nvSpPr>
-          <p:cNvPr id="91" name="Rectangle 90"/>
-          <p:cNvSpPr/>
-          <p:nvPr/>
-        </p:nvSpPr>
-        <p:spPr>
-          <a:xfrm>
-            <a:off x="2133600" y="152400"/>
-            <a:ext cx="6858000" cy="457200"/>
-          </a:xfrm>
-          <a:prstGeom prst="rect">
-            <a:avLst/>
-          </a:prstGeom>
-          <a:solidFill>
-            <a:schemeClr val="bg1">
-              <a:lumMod val="95000"/>
-            </a:schemeClr>
-          </a:solidFill>
-          <a:ln w="19050"/>
-        </p:spPr>
-        <p:style>
-          <a:lnRef idx="2">
-            <a:schemeClr val="accent1"/>
-          </a:lnRef>
-          <a:fillRef idx="1">
-            <a:schemeClr val="lt1"/>
-          </a:fillRef>
-          <a:effectRef idx="0">
-            <a:schemeClr val="accent1"/>
-          </a:effectRef>
-          <a:fontRef idx="minor">
-            <a:schemeClr val="dk1"/>
-          </a:fontRef>
-        </p:style>
-        <p:txBody>
-          <a:bodyPr rtlCol="0" anchor="ctr"/>
-          <a:lstStyle/>
-          <a:p>
-            <a:pPr algn="ctr"/>
-            <a:r>
-              <a:rPr lang="en-US" sz="2400" dirty="0" smtClean="0"/>
-              <a:t>RBC RESP DI</a:t>
-            </a:r>
-            <a:endParaRPr lang="en-US" sz="2400" dirty="0"/>
-          </a:p>
-        </p:txBody>
-      </p:sp>
-      <p:sp>
-        <p:nvSpPr>
-          <p:cNvPr id="92" name="TextBox 91"/>
-          <p:cNvSpPr txBox="1"/>
-          <p:nvPr/>
-        </p:nvSpPr>
-        <p:spPr>
-          <a:xfrm>
-            <a:off x="152400" y="685800"/>
-            <a:ext cx="1905000" cy="307777"/>
-          </a:xfrm>
-          <a:prstGeom prst="rect">
-            <a:avLst/>
-          </a:prstGeom>
-          <a:solidFill>
-            <a:schemeClr val="bg1"/>
-          </a:solidFill>
-        </p:spPr>
-        <p:txBody>
-          <a:bodyPr wrap="square" rtlCol="0">
-            <a:spAutoFit/>
-          </a:bodyPr>
-          <a:lstStyle/>
-          <a:p>
-            <a:r>
-              <a:rPr lang="en-US" sz="1400" dirty="0" smtClean="0"/>
-              <a:t>Balance book</a:t>
-            </a:r>
-            <a:endParaRPr lang="en-US" sz="1400" dirty="0"/>
-          </a:p>
-        </p:txBody>
-      </p:sp>
-      <p:sp>
-        <p:nvSpPr>
-          <p:cNvPr id="102" name="Rectangle 101"/>
-          <p:cNvSpPr/>
-          <p:nvPr/>
-        </p:nvSpPr>
-        <p:spPr>
-          <a:xfrm>
-            <a:off x="2895600" y="685800"/>
-            <a:ext cx="2514600" cy="5791200"/>
-          </a:xfrm>
-          <a:prstGeom prst="rect">
-            <a:avLst/>
-          </a:prstGeom>
-        </p:spPr>
-        <p:style>
-          <a:lnRef idx="2">
-            <a:schemeClr val="accent1"/>
-          </a:lnRef>
-          <a:fillRef idx="1">
-            <a:schemeClr val="lt1"/>
-          </a:fillRef>
-          <a:effectRef idx="0">
-            <a:schemeClr val="accent1"/>
-          </a:effectRef>
-          <a:fontRef idx="minor">
-            <a:schemeClr val="dk1"/>
-          </a:fontRef>
-        </p:style>
-        <p:txBody>
-          <a:bodyPr rtlCol="0" anchor="ctr"/>
-          <a:lstStyle/>
-          <a:p>
-            <a:pPr algn="ctr"/>
-            <a:endParaRPr lang="en-US" dirty="0"/>
-          </a:p>
-        </p:txBody>
-      </p:sp>
-      <p:sp>
-        <p:nvSpPr>
-          <p:cNvPr id="103" name="Rectangle 102"/>
-          <p:cNvSpPr/>
-          <p:nvPr/>
-        </p:nvSpPr>
-        <p:spPr>
-          <a:xfrm>
-            <a:off x="5638800" y="685800"/>
-            <a:ext cx="3048000" cy="5791200"/>
-          </a:xfrm>
-          <a:prstGeom prst="rect">
-            <a:avLst/>
-          </a:prstGeom>
-        </p:spPr>
-        <p:style>
-          <a:lnRef idx="2">
-            <a:schemeClr val="accent1"/>
-          </a:lnRef>
-          <a:fillRef idx="1">
-            <a:schemeClr val="lt1"/>
-          </a:fillRef>
-          <a:effectRef idx="0">
-            <a:schemeClr val="accent1"/>
-          </a:effectRef>
-          <a:fontRef idx="minor">
-            <a:schemeClr val="dk1"/>
-          </a:fontRef>
-        </p:style>
-        <p:txBody>
-          <a:bodyPr rtlCol="0" anchor="ctr"/>
-          <a:lstStyle/>
-          <a:p>
-            <a:pPr algn="ctr"/>
-            <a:endParaRPr lang="en-US"/>
-          </a:p>
-        </p:txBody>
-      </p:sp>
-      <p:sp>
-        <p:nvSpPr>
           <p:cNvPr id="115" name="Rectangle 114"/>
           <p:cNvSpPr/>
           <p:nvPr/>
@@ -11095,314 +10851,6 @@
       </p:sp>
       <p:sp>
         <p:nvSpPr>
-          <p:cNvPr id="105" name="TextBox 104"/>
-          <p:cNvSpPr txBox="1"/>
-          <p:nvPr/>
-        </p:nvSpPr>
-        <p:spPr>
-          <a:xfrm>
-            <a:off x="2133600" y="685800"/>
-            <a:ext cx="838200" cy="246221"/>
-          </a:xfrm>
-          <a:prstGeom prst="rect">
-            <a:avLst/>
-          </a:prstGeom>
-          <a:noFill/>
-        </p:spPr>
-        <p:txBody>
-          <a:bodyPr wrap="square" rtlCol="0">
-            <a:spAutoFit/>
-          </a:bodyPr>
-          <a:lstStyle/>
-          <a:p>
-            <a:r>
-              <a:rPr lang="en-US" sz="1000" dirty="0" smtClean="0"/>
-              <a:t>10/01/2015</a:t>
-            </a:r>
-            <a:endParaRPr lang="en-US" sz="1000" dirty="0"/>
-          </a:p>
-        </p:txBody>
-      </p:sp>
-      <p:sp>
-        <p:nvSpPr>
-          <p:cNvPr id="106" name="TextBox 105"/>
-          <p:cNvSpPr txBox="1"/>
-          <p:nvPr/>
-        </p:nvSpPr>
-        <p:spPr>
-          <a:xfrm>
-            <a:off x="2895600" y="685800"/>
-            <a:ext cx="1295400" cy="246221"/>
-          </a:xfrm>
-          <a:prstGeom prst="rect">
-            <a:avLst/>
-          </a:prstGeom>
-          <a:noFill/>
-        </p:spPr>
-        <p:txBody>
-          <a:bodyPr wrap="square" rtlCol="0">
-            <a:spAutoFit/>
-          </a:bodyPr>
-          <a:lstStyle/>
-          <a:p>
-            <a:r>
-              <a:rPr lang="en-US" sz="1000" dirty="0" smtClean="0"/>
-              <a:t>Deposit</a:t>
-            </a:r>
-            <a:endParaRPr lang="en-US" sz="1000" dirty="0"/>
-          </a:p>
-        </p:txBody>
-      </p:sp>
-      <p:sp>
-        <p:nvSpPr>
-          <p:cNvPr id="107" name="TextBox 106"/>
-          <p:cNvSpPr txBox="1"/>
-          <p:nvPr/>
-        </p:nvSpPr>
-        <p:spPr>
-          <a:xfrm>
-            <a:off x="4495800" y="685800"/>
-            <a:ext cx="914400" cy="246221"/>
-          </a:xfrm>
-          <a:prstGeom prst="rect">
-            <a:avLst/>
-          </a:prstGeom>
-          <a:noFill/>
-        </p:spPr>
-        <p:txBody>
-          <a:bodyPr wrap="square" rtlCol="0">
-            <a:spAutoFit/>
-          </a:bodyPr>
-          <a:lstStyle/>
-          <a:p>
-            <a:pPr algn="r"/>
-            <a:r>
-              <a:rPr lang="en-US" sz="1000" dirty="0" smtClean="0"/>
-              <a:t>$200,000.00</a:t>
-            </a:r>
-            <a:endParaRPr lang="en-US" sz="1000" dirty="0"/>
-          </a:p>
-        </p:txBody>
-      </p:sp>
-      <p:sp>
-        <p:nvSpPr>
-          <p:cNvPr id="108" name="TextBox 107"/>
-          <p:cNvSpPr txBox="1"/>
-          <p:nvPr/>
-        </p:nvSpPr>
-        <p:spPr>
-          <a:xfrm>
-            <a:off x="2133600" y="914400"/>
-            <a:ext cx="838200" cy="246221"/>
-          </a:xfrm>
-          <a:prstGeom prst="rect">
-            <a:avLst/>
-          </a:prstGeom>
-          <a:noFill/>
-        </p:spPr>
-        <p:txBody>
-          <a:bodyPr wrap="square" rtlCol="0">
-            <a:spAutoFit/>
-          </a:bodyPr>
-          <a:lstStyle/>
-          <a:p>
-            <a:r>
-              <a:rPr lang="en-US" sz="1000" dirty="0" smtClean="0"/>
-              <a:t>12/01/2015</a:t>
-            </a:r>
-            <a:endParaRPr lang="en-US" sz="1000" dirty="0"/>
-          </a:p>
-        </p:txBody>
-      </p:sp>
-      <p:sp>
-        <p:nvSpPr>
-          <p:cNvPr id="109" name="TextBox 108"/>
-          <p:cNvSpPr txBox="1"/>
-          <p:nvPr/>
-        </p:nvSpPr>
-        <p:spPr>
-          <a:xfrm>
-            <a:off x="2895600" y="914400"/>
-            <a:ext cx="1295400" cy="246221"/>
-          </a:xfrm>
-          <a:prstGeom prst="rect">
-            <a:avLst/>
-          </a:prstGeom>
-          <a:noFill/>
-        </p:spPr>
-        <p:txBody>
-          <a:bodyPr wrap="square" rtlCol="0">
-            <a:spAutoFit/>
-          </a:bodyPr>
-          <a:lstStyle/>
-          <a:p>
-            <a:r>
-              <a:rPr lang="en-US" sz="1000" dirty="0" smtClean="0"/>
-              <a:t>MSFT purchase</a:t>
-            </a:r>
-            <a:endParaRPr lang="en-US" sz="1000" dirty="0"/>
-          </a:p>
-        </p:txBody>
-      </p:sp>
-      <p:sp>
-        <p:nvSpPr>
-          <p:cNvPr id="110" name="TextBox 109"/>
-          <p:cNvSpPr txBox="1"/>
-          <p:nvPr/>
-        </p:nvSpPr>
-        <p:spPr>
-          <a:xfrm>
-            <a:off x="4495800" y="914400"/>
-            <a:ext cx="914400" cy="246221"/>
-          </a:xfrm>
-          <a:prstGeom prst="rect">
-            <a:avLst/>
-          </a:prstGeom>
-          <a:noFill/>
-        </p:spPr>
-        <p:txBody>
-          <a:bodyPr wrap="square" rtlCol="0">
-            <a:spAutoFit/>
-          </a:bodyPr>
-          <a:lstStyle/>
-          <a:p>
-            <a:pPr algn="r"/>
-            <a:r>
-              <a:rPr lang="en-US" sz="1000" dirty="0" smtClean="0">
-                <a:solidFill>
-                  <a:srgbClr val="FF0000"/>
-                </a:solidFill>
-              </a:rPr>
-              <a:t>-$17,898.95</a:t>
-            </a:r>
-          </a:p>
-        </p:txBody>
-      </p:sp>
-      <p:sp>
-        <p:nvSpPr>
-          <p:cNvPr id="111" name="TextBox 110"/>
-          <p:cNvSpPr txBox="1"/>
-          <p:nvPr/>
-        </p:nvSpPr>
-        <p:spPr>
-          <a:xfrm>
-            <a:off x="6134100" y="914400"/>
-            <a:ext cx="609600" cy="246221"/>
-          </a:xfrm>
-          <a:prstGeom prst="rect">
-            <a:avLst/>
-          </a:prstGeom>
-          <a:noFill/>
-        </p:spPr>
-        <p:txBody>
-          <a:bodyPr wrap="square" rtlCol="0">
-            <a:spAutoFit/>
-          </a:bodyPr>
-          <a:lstStyle/>
-          <a:p>
-            <a:r>
-              <a:rPr lang="en-US" sz="1000" dirty="0" smtClean="0"/>
-              <a:t>MSFT</a:t>
-            </a:r>
-            <a:endParaRPr lang="en-US" sz="1000" dirty="0"/>
-          </a:p>
-        </p:txBody>
-      </p:sp>
-      <p:sp>
-        <p:nvSpPr>
-          <p:cNvPr id="112" name="TextBox 111"/>
-          <p:cNvSpPr txBox="1"/>
-          <p:nvPr/>
-        </p:nvSpPr>
-        <p:spPr>
-          <a:xfrm>
-            <a:off x="7772400" y="914400"/>
-            <a:ext cx="914400" cy="246221"/>
-          </a:xfrm>
-          <a:prstGeom prst="rect">
-            <a:avLst/>
-          </a:prstGeom>
-          <a:noFill/>
-        </p:spPr>
-        <p:txBody>
-          <a:bodyPr wrap="square" rtlCol="0">
-            <a:spAutoFit/>
-          </a:bodyPr>
-          <a:lstStyle/>
-          <a:p>
-            <a:pPr algn="r"/>
-            <a:r>
-              <a:rPr lang="en-US" sz="1000" dirty="0" smtClean="0"/>
-              <a:t>$17,898.95</a:t>
-            </a:r>
-            <a:endParaRPr lang="en-US" sz="1000" dirty="0"/>
-          </a:p>
-        </p:txBody>
-      </p:sp>
-      <p:sp>
-        <p:nvSpPr>
-          <p:cNvPr id="113" name="TextBox 112"/>
-          <p:cNvSpPr txBox="1"/>
-          <p:nvPr/>
-        </p:nvSpPr>
-        <p:spPr>
-          <a:xfrm>
-            <a:off x="6667500" y="914400"/>
-            <a:ext cx="533400" cy="246221"/>
-          </a:xfrm>
-          <a:prstGeom prst="rect">
-            <a:avLst/>
-          </a:prstGeom>
-          <a:noFill/>
-        </p:spPr>
-        <p:txBody>
-          <a:bodyPr wrap="square" rtlCol="0">
-            <a:spAutoFit/>
-          </a:bodyPr>
-          <a:lstStyle/>
-          <a:p>
-            <a:pPr algn="r"/>
-            <a:r>
-              <a:rPr lang="en-US" sz="1000" dirty="0" smtClean="0"/>
-              <a:t>300</a:t>
-            </a:r>
-            <a:endParaRPr lang="en-US" sz="1000" dirty="0"/>
-          </a:p>
-        </p:txBody>
-      </p:sp>
-      <p:sp>
-        <p:nvSpPr>
-          <p:cNvPr id="114" name="TextBox 113"/>
-          <p:cNvSpPr txBox="1"/>
-          <p:nvPr/>
-        </p:nvSpPr>
-        <p:spPr>
-          <a:xfrm>
-            <a:off x="7200900" y="914400"/>
-            <a:ext cx="685800" cy="246221"/>
-          </a:xfrm>
-          <a:prstGeom prst="rect">
-            <a:avLst/>
-          </a:prstGeom>
-          <a:noFill/>
-        </p:spPr>
-        <p:txBody>
-          <a:bodyPr wrap="square" rtlCol="0">
-            <a:spAutoFit/>
-          </a:bodyPr>
-          <a:lstStyle/>
-          <a:p>
-            <a:pPr algn="r"/>
-            <a:r>
-              <a:rPr lang="en-US" sz="1000" dirty="0" smtClean="0"/>
-              <a:t>$59.63</a:t>
-            </a:r>
-            <a:endParaRPr lang="en-US" sz="1000" dirty="0"/>
-          </a:p>
-        </p:txBody>
-      </p:sp>
-      <p:sp>
-        <p:nvSpPr>
           <p:cNvPr id="116" name="Rectangle 115"/>
           <p:cNvSpPr/>
           <p:nvPr/>
@@ -11590,6 +11038,896 @@
           <a:p>
             <a:pPr algn="ctr"/>
             <a:endParaRPr lang="en-US"/>
+          </a:p>
+        </p:txBody>
+      </p:sp>
+      <p:sp>
+        <p:nvSpPr>
+          <p:cNvPr id="65" name="Rectangle 64"/>
+          <p:cNvSpPr/>
+          <p:nvPr/>
+        </p:nvSpPr>
+        <p:spPr>
+          <a:xfrm>
+            <a:off x="2895600" y="3200400"/>
+            <a:ext cx="5791200" cy="228600"/>
+          </a:xfrm>
+          <a:prstGeom prst="rect">
+            <a:avLst/>
+          </a:prstGeom>
+          <a:solidFill>
+            <a:srgbClr val="C6D9F1">
+              <a:alpha val="30196"/>
+            </a:srgbClr>
+          </a:solidFill>
+          <a:ln>
+            <a:noFill/>
+          </a:ln>
+        </p:spPr>
+        <p:style>
+          <a:lnRef idx="2">
+            <a:schemeClr val="accent1">
+              <a:shade val="50000"/>
+            </a:schemeClr>
+          </a:lnRef>
+          <a:fillRef idx="1">
+            <a:schemeClr val="accent1"/>
+          </a:fillRef>
+          <a:effectRef idx="0">
+            <a:schemeClr val="accent1"/>
+          </a:effectRef>
+          <a:fontRef idx="minor">
+            <a:schemeClr val="lt1"/>
+          </a:fontRef>
+        </p:style>
+        <p:txBody>
+          <a:bodyPr rtlCol="0" anchor="ctr"/>
+          <a:lstStyle/>
+          <a:p>
+            <a:pPr algn="ctr"/>
+            <a:endParaRPr lang="en-US"/>
+          </a:p>
+        </p:txBody>
+      </p:sp>
+      <p:sp>
+        <p:nvSpPr>
+          <p:cNvPr id="66" name="Rectangle 65"/>
+          <p:cNvSpPr/>
+          <p:nvPr/>
+        </p:nvSpPr>
+        <p:spPr>
+          <a:xfrm>
+            <a:off x="2895600" y="3657600"/>
+            <a:ext cx="5791200" cy="228600"/>
+          </a:xfrm>
+          <a:prstGeom prst="rect">
+            <a:avLst/>
+          </a:prstGeom>
+          <a:solidFill>
+            <a:srgbClr val="C6D9F1">
+              <a:alpha val="30196"/>
+            </a:srgbClr>
+          </a:solidFill>
+          <a:ln>
+            <a:noFill/>
+          </a:ln>
+        </p:spPr>
+        <p:style>
+          <a:lnRef idx="2">
+            <a:schemeClr val="accent1">
+              <a:shade val="50000"/>
+            </a:schemeClr>
+          </a:lnRef>
+          <a:fillRef idx="1">
+            <a:schemeClr val="accent1"/>
+          </a:fillRef>
+          <a:effectRef idx="0">
+            <a:schemeClr val="accent1"/>
+          </a:effectRef>
+          <a:fontRef idx="minor">
+            <a:schemeClr val="lt1"/>
+          </a:fontRef>
+        </p:style>
+        <p:txBody>
+          <a:bodyPr rtlCol="0" anchor="ctr"/>
+          <a:lstStyle/>
+          <a:p>
+            <a:pPr algn="ctr"/>
+            <a:endParaRPr lang="en-US"/>
+          </a:p>
+        </p:txBody>
+      </p:sp>
+      <p:sp>
+        <p:nvSpPr>
+          <p:cNvPr id="80" name="Rectangle 79"/>
+          <p:cNvSpPr/>
+          <p:nvPr/>
+        </p:nvSpPr>
+        <p:spPr>
+          <a:xfrm>
+            <a:off x="2895600" y="4114800"/>
+            <a:ext cx="5791200" cy="228600"/>
+          </a:xfrm>
+          <a:prstGeom prst="rect">
+            <a:avLst/>
+          </a:prstGeom>
+          <a:solidFill>
+            <a:srgbClr val="C6D9F1">
+              <a:alpha val="30196"/>
+            </a:srgbClr>
+          </a:solidFill>
+          <a:ln>
+            <a:noFill/>
+          </a:ln>
+        </p:spPr>
+        <p:style>
+          <a:lnRef idx="2">
+            <a:schemeClr val="accent1">
+              <a:shade val="50000"/>
+            </a:schemeClr>
+          </a:lnRef>
+          <a:fillRef idx="1">
+            <a:schemeClr val="accent1"/>
+          </a:fillRef>
+          <a:effectRef idx="0">
+            <a:schemeClr val="accent1"/>
+          </a:effectRef>
+          <a:fontRef idx="minor">
+            <a:schemeClr val="lt1"/>
+          </a:fontRef>
+        </p:style>
+        <p:txBody>
+          <a:bodyPr rtlCol="0" anchor="ctr"/>
+          <a:lstStyle/>
+          <a:p>
+            <a:pPr algn="ctr"/>
+            <a:endParaRPr lang="en-US"/>
+          </a:p>
+        </p:txBody>
+      </p:sp>
+      <p:sp>
+        <p:nvSpPr>
+          <p:cNvPr id="81" name="Rectangle 80"/>
+          <p:cNvSpPr/>
+          <p:nvPr/>
+        </p:nvSpPr>
+        <p:spPr>
+          <a:xfrm>
+            <a:off x="2895600" y="4572000"/>
+            <a:ext cx="5791200" cy="228600"/>
+          </a:xfrm>
+          <a:prstGeom prst="rect">
+            <a:avLst/>
+          </a:prstGeom>
+          <a:solidFill>
+            <a:srgbClr val="C6D9F1">
+              <a:alpha val="30196"/>
+            </a:srgbClr>
+          </a:solidFill>
+          <a:ln>
+            <a:noFill/>
+          </a:ln>
+        </p:spPr>
+        <p:style>
+          <a:lnRef idx="2">
+            <a:schemeClr val="accent1">
+              <a:shade val="50000"/>
+            </a:schemeClr>
+          </a:lnRef>
+          <a:fillRef idx="1">
+            <a:schemeClr val="accent1"/>
+          </a:fillRef>
+          <a:effectRef idx="0">
+            <a:schemeClr val="accent1"/>
+          </a:effectRef>
+          <a:fontRef idx="minor">
+            <a:schemeClr val="lt1"/>
+          </a:fontRef>
+        </p:style>
+        <p:txBody>
+          <a:bodyPr rtlCol="0" anchor="ctr"/>
+          <a:lstStyle/>
+          <a:p>
+            <a:pPr algn="ctr"/>
+            <a:endParaRPr lang="en-US"/>
+          </a:p>
+        </p:txBody>
+      </p:sp>
+      <p:sp>
+        <p:nvSpPr>
+          <p:cNvPr id="82" name="Rectangle 81"/>
+          <p:cNvSpPr/>
+          <p:nvPr/>
+        </p:nvSpPr>
+        <p:spPr>
+          <a:xfrm>
+            <a:off x="2895600" y="5029200"/>
+            <a:ext cx="5791200" cy="228600"/>
+          </a:xfrm>
+          <a:prstGeom prst="rect">
+            <a:avLst/>
+          </a:prstGeom>
+          <a:solidFill>
+            <a:srgbClr val="C6D9F1">
+              <a:alpha val="30196"/>
+            </a:srgbClr>
+          </a:solidFill>
+          <a:ln>
+            <a:noFill/>
+          </a:ln>
+        </p:spPr>
+        <p:style>
+          <a:lnRef idx="2">
+            <a:schemeClr val="accent1">
+              <a:shade val="50000"/>
+            </a:schemeClr>
+          </a:lnRef>
+          <a:fillRef idx="1">
+            <a:schemeClr val="accent1"/>
+          </a:fillRef>
+          <a:effectRef idx="0">
+            <a:schemeClr val="accent1"/>
+          </a:effectRef>
+          <a:fontRef idx="minor">
+            <a:schemeClr val="lt1"/>
+          </a:fontRef>
+        </p:style>
+        <p:txBody>
+          <a:bodyPr rtlCol="0" anchor="ctr"/>
+          <a:lstStyle/>
+          <a:p>
+            <a:pPr algn="ctr"/>
+            <a:endParaRPr lang="en-US"/>
+          </a:p>
+        </p:txBody>
+      </p:sp>
+      <p:sp>
+        <p:nvSpPr>
+          <p:cNvPr id="83" name="Rectangle 82"/>
+          <p:cNvSpPr/>
+          <p:nvPr/>
+        </p:nvSpPr>
+        <p:spPr>
+          <a:xfrm>
+            <a:off x="2895600" y="5486400"/>
+            <a:ext cx="5791200" cy="228600"/>
+          </a:xfrm>
+          <a:prstGeom prst="rect">
+            <a:avLst/>
+          </a:prstGeom>
+          <a:solidFill>
+            <a:srgbClr val="C6D9F1">
+              <a:alpha val="30196"/>
+            </a:srgbClr>
+          </a:solidFill>
+          <a:ln>
+            <a:noFill/>
+          </a:ln>
+        </p:spPr>
+        <p:style>
+          <a:lnRef idx="2">
+            <a:schemeClr val="accent1">
+              <a:shade val="50000"/>
+            </a:schemeClr>
+          </a:lnRef>
+          <a:fillRef idx="1">
+            <a:schemeClr val="accent1"/>
+          </a:fillRef>
+          <a:effectRef idx="0">
+            <a:schemeClr val="accent1"/>
+          </a:effectRef>
+          <a:fontRef idx="minor">
+            <a:schemeClr val="lt1"/>
+          </a:fontRef>
+        </p:style>
+        <p:txBody>
+          <a:bodyPr rtlCol="0" anchor="ctr"/>
+          <a:lstStyle/>
+          <a:p>
+            <a:pPr algn="ctr"/>
+            <a:endParaRPr lang="en-US"/>
+          </a:p>
+        </p:txBody>
+      </p:sp>
+      <p:sp>
+        <p:nvSpPr>
+          <p:cNvPr id="84" name="Rectangle 83"/>
+          <p:cNvSpPr/>
+          <p:nvPr/>
+        </p:nvSpPr>
+        <p:spPr>
+          <a:xfrm>
+            <a:off x="2895600" y="5943600"/>
+            <a:ext cx="5791200" cy="228600"/>
+          </a:xfrm>
+          <a:prstGeom prst="rect">
+            <a:avLst/>
+          </a:prstGeom>
+          <a:solidFill>
+            <a:srgbClr val="C6D9F1">
+              <a:alpha val="30196"/>
+            </a:srgbClr>
+          </a:solidFill>
+          <a:ln>
+            <a:noFill/>
+          </a:ln>
+        </p:spPr>
+        <p:style>
+          <a:lnRef idx="2">
+            <a:schemeClr val="accent1">
+              <a:shade val="50000"/>
+            </a:schemeClr>
+          </a:lnRef>
+          <a:fillRef idx="1">
+            <a:schemeClr val="accent1"/>
+          </a:fillRef>
+          <a:effectRef idx="0">
+            <a:schemeClr val="accent1"/>
+          </a:effectRef>
+          <a:fontRef idx="minor">
+            <a:schemeClr val="lt1"/>
+          </a:fontRef>
+        </p:style>
+        <p:txBody>
+          <a:bodyPr rtlCol="0" anchor="ctr"/>
+          <a:lstStyle/>
+          <a:p>
+            <a:pPr algn="ctr"/>
+            <a:endParaRPr lang="en-US"/>
+          </a:p>
+        </p:txBody>
+      </p:sp>
+      <p:sp>
+        <p:nvSpPr>
+          <p:cNvPr id="78" name="Rectangle 77"/>
+          <p:cNvSpPr/>
+          <p:nvPr/>
+        </p:nvSpPr>
+        <p:spPr>
+          <a:xfrm>
+            <a:off x="152400" y="685800"/>
+            <a:ext cx="1905000" cy="6019800"/>
+          </a:xfrm>
+          <a:prstGeom prst="rect">
+            <a:avLst/>
+          </a:prstGeom>
+        </p:spPr>
+        <p:style>
+          <a:lnRef idx="2">
+            <a:schemeClr val="accent1">
+              <a:shade val="50000"/>
+            </a:schemeClr>
+          </a:lnRef>
+          <a:fillRef idx="1">
+            <a:schemeClr val="accent1"/>
+          </a:fillRef>
+          <a:effectRef idx="0">
+            <a:schemeClr val="accent1"/>
+          </a:effectRef>
+          <a:fontRef idx="minor">
+            <a:schemeClr val="lt1"/>
+          </a:fontRef>
+        </p:style>
+        <p:txBody>
+          <a:bodyPr rtlCol="0" anchor="ctr"/>
+          <a:lstStyle/>
+          <a:p>
+            <a:pPr algn="ctr"/>
+            <a:endParaRPr lang="en-US"/>
+          </a:p>
+        </p:txBody>
+      </p:sp>
+      <p:sp>
+        <p:nvSpPr>
+          <p:cNvPr id="6" name="Rectangle 5"/>
+          <p:cNvSpPr/>
+          <p:nvPr/>
+        </p:nvSpPr>
+        <p:spPr>
+          <a:xfrm>
+            <a:off x="152400" y="152400"/>
+            <a:ext cx="1905000" cy="457200"/>
+          </a:xfrm>
+          <a:prstGeom prst="rect">
+            <a:avLst/>
+          </a:prstGeom>
+          <a:solidFill>
+            <a:schemeClr val="bg1">
+              <a:lumMod val="95000"/>
+            </a:schemeClr>
+          </a:solidFill>
+          <a:ln w="19050"/>
+        </p:spPr>
+        <p:style>
+          <a:lnRef idx="2">
+            <a:schemeClr val="accent1"/>
+          </a:lnRef>
+          <a:fillRef idx="1">
+            <a:schemeClr val="lt1"/>
+          </a:fillRef>
+          <a:effectRef idx="0">
+            <a:schemeClr val="accent1"/>
+          </a:effectRef>
+          <a:fontRef idx="minor">
+            <a:schemeClr val="dk1"/>
+          </a:fontRef>
+        </p:style>
+        <p:txBody>
+          <a:bodyPr rtlCol="0" anchor="ctr"/>
+          <a:lstStyle/>
+          <a:p>
+            <a:pPr algn="ctr"/>
+            <a:r>
+              <a:rPr lang="en-US" sz="1200" dirty="0" smtClean="0"/>
+              <a:t>Max’s Portfolio</a:t>
+            </a:r>
+            <a:endParaRPr lang="en-US" sz="1200" dirty="0"/>
+          </a:p>
+        </p:txBody>
+      </p:sp>
+      <p:sp>
+        <p:nvSpPr>
+          <p:cNvPr id="91" name="Rectangle 90"/>
+          <p:cNvSpPr/>
+          <p:nvPr/>
+        </p:nvSpPr>
+        <p:spPr>
+          <a:xfrm>
+            <a:off x="2133600" y="152400"/>
+            <a:ext cx="6858000" cy="457200"/>
+          </a:xfrm>
+          <a:prstGeom prst="rect">
+            <a:avLst/>
+          </a:prstGeom>
+          <a:solidFill>
+            <a:schemeClr val="bg1">
+              <a:lumMod val="95000"/>
+            </a:schemeClr>
+          </a:solidFill>
+          <a:ln w="19050"/>
+        </p:spPr>
+        <p:style>
+          <a:lnRef idx="2">
+            <a:schemeClr val="accent1"/>
+          </a:lnRef>
+          <a:fillRef idx="1">
+            <a:schemeClr val="lt1"/>
+          </a:fillRef>
+          <a:effectRef idx="0">
+            <a:schemeClr val="accent1"/>
+          </a:effectRef>
+          <a:fontRef idx="minor">
+            <a:schemeClr val="dk1"/>
+          </a:fontRef>
+        </p:style>
+        <p:txBody>
+          <a:bodyPr rtlCol="0" anchor="ctr"/>
+          <a:lstStyle/>
+          <a:p>
+            <a:pPr algn="ctr"/>
+            <a:r>
+              <a:rPr lang="en-US" sz="2400" dirty="0" smtClean="0"/>
+              <a:t>RBC RESP DI</a:t>
+            </a:r>
+            <a:endParaRPr lang="en-US" sz="2400" dirty="0"/>
+          </a:p>
+        </p:txBody>
+      </p:sp>
+      <p:sp>
+        <p:nvSpPr>
+          <p:cNvPr id="92" name="TextBox 91"/>
+          <p:cNvSpPr txBox="1"/>
+          <p:nvPr/>
+        </p:nvSpPr>
+        <p:spPr>
+          <a:xfrm>
+            <a:off x="152400" y="685800"/>
+            <a:ext cx="1905000" cy="307777"/>
+          </a:xfrm>
+          <a:prstGeom prst="rect">
+            <a:avLst/>
+          </a:prstGeom>
+          <a:solidFill>
+            <a:schemeClr val="bg1"/>
+          </a:solidFill>
+        </p:spPr>
+        <p:txBody>
+          <a:bodyPr wrap="square" rtlCol="0">
+            <a:spAutoFit/>
+          </a:bodyPr>
+          <a:lstStyle/>
+          <a:p>
+            <a:r>
+              <a:rPr lang="en-US" sz="1400" dirty="0" smtClean="0"/>
+              <a:t>Balance book</a:t>
+            </a:r>
+            <a:endParaRPr lang="en-US" sz="1400" dirty="0"/>
+          </a:p>
+        </p:txBody>
+      </p:sp>
+      <p:sp>
+        <p:nvSpPr>
+          <p:cNvPr id="102" name="Rectangle 101"/>
+          <p:cNvSpPr/>
+          <p:nvPr/>
+        </p:nvSpPr>
+        <p:spPr>
+          <a:xfrm>
+            <a:off x="2895600" y="685800"/>
+            <a:ext cx="2514600" cy="5791200"/>
+          </a:xfrm>
+          <a:prstGeom prst="rect">
+            <a:avLst/>
+          </a:prstGeom>
+          <a:noFill/>
+        </p:spPr>
+        <p:style>
+          <a:lnRef idx="2">
+            <a:schemeClr val="accent1"/>
+          </a:lnRef>
+          <a:fillRef idx="1">
+            <a:schemeClr val="lt1"/>
+          </a:fillRef>
+          <a:effectRef idx="0">
+            <a:schemeClr val="accent1"/>
+          </a:effectRef>
+          <a:fontRef idx="minor">
+            <a:schemeClr val="dk1"/>
+          </a:fontRef>
+        </p:style>
+        <p:txBody>
+          <a:bodyPr rtlCol="0" anchor="ctr"/>
+          <a:lstStyle/>
+          <a:p>
+            <a:pPr algn="ctr"/>
+            <a:endParaRPr lang="en-US" dirty="0"/>
+          </a:p>
+        </p:txBody>
+      </p:sp>
+      <p:sp>
+        <p:nvSpPr>
+          <p:cNvPr id="103" name="Rectangle 102"/>
+          <p:cNvSpPr/>
+          <p:nvPr/>
+        </p:nvSpPr>
+        <p:spPr>
+          <a:xfrm>
+            <a:off x="5638800" y="685800"/>
+            <a:ext cx="3048000" cy="5791200"/>
+          </a:xfrm>
+          <a:prstGeom prst="rect">
+            <a:avLst/>
+          </a:prstGeom>
+          <a:noFill/>
+        </p:spPr>
+        <p:style>
+          <a:lnRef idx="2">
+            <a:schemeClr val="accent1"/>
+          </a:lnRef>
+          <a:fillRef idx="1">
+            <a:schemeClr val="lt1"/>
+          </a:fillRef>
+          <a:effectRef idx="0">
+            <a:schemeClr val="accent1"/>
+          </a:effectRef>
+          <a:fontRef idx="minor">
+            <a:schemeClr val="dk1"/>
+          </a:fontRef>
+        </p:style>
+        <p:txBody>
+          <a:bodyPr rtlCol="0" anchor="ctr"/>
+          <a:lstStyle/>
+          <a:p>
+            <a:pPr algn="ctr"/>
+            <a:endParaRPr lang="en-US"/>
+          </a:p>
+        </p:txBody>
+      </p:sp>
+      <p:sp>
+        <p:nvSpPr>
+          <p:cNvPr id="105" name="TextBox 104"/>
+          <p:cNvSpPr txBox="1"/>
+          <p:nvPr/>
+        </p:nvSpPr>
+        <p:spPr>
+          <a:xfrm>
+            <a:off x="2133600" y="685800"/>
+            <a:ext cx="838200" cy="246221"/>
+          </a:xfrm>
+          <a:prstGeom prst="rect">
+            <a:avLst/>
+          </a:prstGeom>
+          <a:noFill/>
+        </p:spPr>
+        <p:txBody>
+          <a:bodyPr wrap="square" rtlCol="0">
+            <a:spAutoFit/>
+          </a:bodyPr>
+          <a:lstStyle/>
+          <a:p>
+            <a:r>
+              <a:rPr lang="en-US" sz="1000" dirty="0" smtClean="0"/>
+              <a:t>10/01/2015</a:t>
+            </a:r>
+            <a:endParaRPr lang="en-US" sz="1000" dirty="0"/>
+          </a:p>
+        </p:txBody>
+      </p:sp>
+      <p:sp>
+        <p:nvSpPr>
+          <p:cNvPr id="106" name="TextBox 105"/>
+          <p:cNvSpPr txBox="1"/>
+          <p:nvPr/>
+        </p:nvSpPr>
+        <p:spPr>
+          <a:xfrm>
+            <a:off x="2895600" y="685800"/>
+            <a:ext cx="1295400" cy="246221"/>
+          </a:xfrm>
+          <a:prstGeom prst="rect">
+            <a:avLst/>
+          </a:prstGeom>
+          <a:noFill/>
+        </p:spPr>
+        <p:txBody>
+          <a:bodyPr wrap="square" rtlCol="0">
+            <a:spAutoFit/>
+          </a:bodyPr>
+          <a:lstStyle/>
+          <a:p>
+            <a:r>
+              <a:rPr lang="en-US" sz="1000" dirty="0" smtClean="0"/>
+              <a:t>Deposit</a:t>
+            </a:r>
+            <a:endParaRPr lang="en-US" sz="1000" dirty="0"/>
+          </a:p>
+        </p:txBody>
+      </p:sp>
+      <p:sp>
+        <p:nvSpPr>
+          <p:cNvPr id="107" name="TextBox 106"/>
+          <p:cNvSpPr txBox="1"/>
+          <p:nvPr/>
+        </p:nvSpPr>
+        <p:spPr>
+          <a:xfrm>
+            <a:off x="4495800" y="685800"/>
+            <a:ext cx="914400" cy="246221"/>
+          </a:xfrm>
+          <a:prstGeom prst="rect">
+            <a:avLst/>
+          </a:prstGeom>
+          <a:noFill/>
+        </p:spPr>
+        <p:txBody>
+          <a:bodyPr wrap="square" rtlCol="0">
+            <a:spAutoFit/>
+          </a:bodyPr>
+          <a:lstStyle/>
+          <a:p>
+            <a:pPr algn="r"/>
+            <a:r>
+              <a:rPr lang="en-US" sz="1000" dirty="0" smtClean="0"/>
+              <a:t>$200,000.00</a:t>
+            </a:r>
+            <a:endParaRPr lang="en-US" sz="1000" dirty="0"/>
+          </a:p>
+        </p:txBody>
+      </p:sp>
+      <p:sp>
+        <p:nvSpPr>
+          <p:cNvPr id="108" name="TextBox 107"/>
+          <p:cNvSpPr txBox="1"/>
+          <p:nvPr/>
+        </p:nvSpPr>
+        <p:spPr>
+          <a:xfrm>
+            <a:off x="2133600" y="914400"/>
+            <a:ext cx="838200" cy="246221"/>
+          </a:xfrm>
+          <a:prstGeom prst="rect">
+            <a:avLst/>
+          </a:prstGeom>
+          <a:noFill/>
+        </p:spPr>
+        <p:txBody>
+          <a:bodyPr wrap="square" rtlCol="0">
+            <a:spAutoFit/>
+          </a:bodyPr>
+          <a:lstStyle/>
+          <a:p>
+            <a:r>
+              <a:rPr lang="en-US" sz="1000" dirty="0" smtClean="0"/>
+              <a:t>12/01/2015</a:t>
+            </a:r>
+            <a:endParaRPr lang="en-US" sz="1000" dirty="0"/>
+          </a:p>
+        </p:txBody>
+      </p:sp>
+      <p:sp>
+        <p:nvSpPr>
+          <p:cNvPr id="109" name="TextBox 108"/>
+          <p:cNvSpPr txBox="1"/>
+          <p:nvPr/>
+        </p:nvSpPr>
+        <p:spPr>
+          <a:xfrm>
+            <a:off x="2895600" y="914400"/>
+            <a:ext cx="1295400" cy="246221"/>
+          </a:xfrm>
+          <a:prstGeom prst="rect">
+            <a:avLst/>
+          </a:prstGeom>
+          <a:noFill/>
+        </p:spPr>
+        <p:txBody>
+          <a:bodyPr wrap="square" rtlCol="0">
+            <a:spAutoFit/>
+          </a:bodyPr>
+          <a:lstStyle/>
+          <a:p>
+            <a:r>
+              <a:rPr lang="en-US" sz="1000" dirty="0" smtClean="0"/>
+              <a:t>MSFT purchase</a:t>
+            </a:r>
+            <a:endParaRPr lang="en-US" sz="1000" dirty="0"/>
+          </a:p>
+        </p:txBody>
+      </p:sp>
+      <p:sp>
+        <p:nvSpPr>
+          <p:cNvPr id="110" name="TextBox 109"/>
+          <p:cNvSpPr txBox="1"/>
+          <p:nvPr/>
+        </p:nvSpPr>
+        <p:spPr>
+          <a:xfrm>
+            <a:off x="4495800" y="914400"/>
+            <a:ext cx="914400" cy="246221"/>
+          </a:xfrm>
+          <a:prstGeom prst="rect">
+            <a:avLst/>
+          </a:prstGeom>
+          <a:noFill/>
+        </p:spPr>
+        <p:txBody>
+          <a:bodyPr wrap="square" rtlCol="0">
+            <a:spAutoFit/>
+          </a:bodyPr>
+          <a:lstStyle/>
+          <a:p>
+            <a:pPr algn="r"/>
+            <a:r>
+              <a:rPr lang="en-US" sz="1000" dirty="0" smtClean="0">
+                <a:solidFill>
+                  <a:srgbClr val="FF0000"/>
+                </a:solidFill>
+              </a:rPr>
+              <a:t>-$17,898.95</a:t>
+            </a:r>
+          </a:p>
+        </p:txBody>
+      </p:sp>
+      <p:sp>
+        <p:nvSpPr>
+          <p:cNvPr id="111" name="TextBox 110"/>
+          <p:cNvSpPr txBox="1"/>
+          <p:nvPr/>
+        </p:nvSpPr>
+        <p:spPr>
+          <a:xfrm>
+            <a:off x="6134100" y="914400"/>
+            <a:ext cx="609600" cy="246221"/>
+          </a:xfrm>
+          <a:prstGeom prst="rect">
+            <a:avLst/>
+          </a:prstGeom>
+          <a:noFill/>
+        </p:spPr>
+        <p:txBody>
+          <a:bodyPr wrap="square" rtlCol="0">
+            <a:spAutoFit/>
+          </a:bodyPr>
+          <a:lstStyle/>
+          <a:p>
+            <a:r>
+              <a:rPr lang="en-US" sz="1000" dirty="0" smtClean="0"/>
+              <a:t>MSFT</a:t>
+            </a:r>
+            <a:endParaRPr lang="en-US" sz="1000" dirty="0"/>
+          </a:p>
+        </p:txBody>
+      </p:sp>
+      <p:sp>
+        <p:nvSpPr>
+          <p:cNvPr id="112" name="TextBox 111"/>
+          <p:cNvSpPr txBox="1"/>
+          <p:nvPr/>
+        </p:nvSpPr>
+        <p:spPr>
+          <a:xfrm>
+            <a:off x="7772400" y="914400"/>
+            <a:ext cx="914400" cy="246221"/>
+          </a:xfrm>
+          <a:prstGeom prst="rect">
+            <a:avLst/>
+          </a:prstGeom>
+          <a:noFill/>
+        </p:spPr>
+        <p:txBody>
+          <a:bodyPr wrap="square" rtlCol="0">
+            <a:spAutoFit/>
+          </a:bodyPr>
+          <a:lstStyle/>
+          <a:p>
+            <a:pPr algn="r"/>
+            <a:r>
+              <a:rPr lang="en-US" sz="1000" dirty="0" smtClean="0"/>
+              <a:t>$17,898.95</a:t>
+            </a:r>
+            <a:endParaRPr lang="en-US" sz="1000" dirty="0"/>
+          </a:p>
+        </p:txBody>
+      </p:sp>
+      <p:sp>
+        <p:nvSpPr>
+          <p:cNvPr id="113" name="TextBox 112"/>
+          <p:cNvSpPr txBox="1"/>
+          <p:nvPr/>
+        </p:nvSpPr>
+        <p:spPr>
+          <a:xfrm>
+            <a:off x="6667500" y="914400"/>
+            <a:ext cx="533400" cy="246221"/>
+          </a:xfrm>
+          <a:prstGeom prst="rect">
+            <a:avLst/>
+          </a:prstGeom>
+          <a:noFill/>
+        </p:spPr>
+        <p:txBody>
+          <a:bodyPr wrap="square" rtlCol="0">
+            <a:spAutoFit/>
+          </a:bodyPr>
+          <a:lstStyle/>
+          <a:p>
+            <a:pPr algn="r"/>
+            <a:r>
+              <a:rPr lang="en-US" sz="1000" dirty="0" smtClean="0"/>
+              <a:t>300</a:t>
+            </a:r>
+            <a:endParaRPr lang="en-US" sz="1000" dirty="0"/>
+          </a:p>
+        </p:txBody>
+      </p:sp>
+      <p:sp>
+        <p:nvSpPr>
+          <p:cNvPr id="114" name="TextBox 113"/>
+          <p:cNvSpPr txBox="1"/>
+          <p:nvPr/>
+        </p:nvSpPr>
+        <p:spPr>
+          <a:xfrm>
+            <a:off x="7200900" y="914400"/>
+            <a:ext cx="685800" cy="246221"/>
+          </a:xfrm>
+          <a:prstGeom prst="rect">
+            <a:avLst/>
+          </a:prstGeom>
+          <a:noFill/>
+        </p:spPr>
+        <p:txBody>
+          <a:bodyPr wrap="square" rtlCol="0">
+            <a:spAutoFit/>
+          </a:bodyPr>
+          <a:lstStyle/>
+          <a:p>
+            <a:pPr algn="r"/>
+            <a:r>
+              <a:rPr lang="en-US" sz="1000" dirty="0" smtClean="0"/>
+              <a:t>$59.63</a:t>
+            </a:r>
+            <a:endParaRPr lang="en-US" sz="1000" dirty="0"/>
           </a:p>
         </p:txBody>
       </p:sp>
@@ -12910,342 +13248,6 @@
           </a:p>
         </p:txBody>
       </p:sp>
-      <p:sp>
-        <p:nvSpPr>
-          <p:cNvPr id="65" name="Rectangle 64"/>
-          <p:cNvSpPr/>
-          <p:nvPr/>
-        </p:nvSpPr>
-        <p:spPr>
-          <a:xfrm>
-            <a:off x="2895600" y="3200400"/>
-            <a:ext cx="5791200" cy="228600"/>
-          </a:xfrm>
-          <a:prstGeom prst="rect">
-            <a:avLst/>
-          </a:prstGeom>
-          <a:solidFill>
-            <a:srgbClr val="C6D9F1">
-              <a:alpha val="30196"/>
-            </a:srgbClr>
-          </a:solidFill>
-          <a:ln>
-            <a:noFill/>
-          </a:ln>
-        </p:spPr>
-        <p:style>
-          <a:lnRef idx="2">
-            <a:schemeClr val="accent1">
-              <a:shade val="50000"/>
-            </a:schemeClr>
-          </a:lnRef>
-          <a:fillRef idx="1">
-            <a:schemeClr val="accent1"/>
-          </a:fillRef>
-          <a:effectRef idx="0">
-            <a:schemeClr val="accent1"/>
-          </a:effectRef>
-          <a:fontRef idx="minor">
-            <a:schemeClr val="lt1"/>
-          </a:fontRef>
-        </p:style>
-        <p:txBody>
-          <a:bodyPr rtlCol="0" anchor="ctr"/>
-          <a:lstStyle/>
-          <a:p>
-            <a:pPr algn="ctr"/>
-            <a:endParaRPr lang="en-US"/>
-          </a:p>
-        </p:txBody>
-      </p:sp>
-      <p:sp>
-        <p:nvSpPr>
-          <p:cNvPr id="66" name="Rectangle 65"/>
-          <p:cNvSpPr/>
-          <p:nvPr/>
-        </p:nvSpPr>
-        <p:spPr>
-          <a:xfrm>
-            <a:off x="2895600" y="3657600"/>
-            <a:ext cx="5791200" cy="228600"/>
-          </a:xfrm>
-          <a:prstGeom prst="rect">
-            <a:avLst/>
-          </a:prstGeom>
-          <a:solidFill>
-            <a:srgbClr val="C6D9F1">
-              <a:alpha val="30196"/>
-            </a:srgbClr>
-          </a:solidFill>
-          <a:ln>
-            <a:noFill/>
-          </a:ln>
-        </p:spPr>
-        <p:style>
-          <a:lnRef idx="2">
-            <a:schemeClr val="accent1">
-              <a:shade val="50000"/>
-            </a:schemeClr>
-          </a:lnRef>
-          <a:fillRef idx="1">
-            <a:schemeClr val="accent1"/>
-          </a:fillRef>
-          <a:effectRef idx="0">
-            <a:schemeClr val="accent1"/>
-          </a:effectRef>
-          <a:fontRef idx="minor">
-            <a:schemeClr val="lt1"/>
-          </a:fontRef>
-        </p:style>
-        <p:txBody>
-          <a:bodyPr rtlCol="0" anchor="ctr"/>
-          <a:lstStyle/>
-          <a:p>
-            <a:pPr algn="ctr"/>
-            <a:endParaRPr lang="en-US"/>
-          </a:p>
-        </p:txBody>
-      </p:sp>
-      <p:sp>
-        <p:nvSpPr>
-          <p:cNvPr id="80" name="Rectangle 79"/>
-          <p:cNvSpPr/>
-          <p:nvPr/>
-        </p:nvSpPr>
-        <p:spPr>
-          <a:xfrm>
-            <a:off x="2895600" y="4114800"/>
-            <a:ext cx="5791200" cy="228600"/>
-          </a:xfrm>
-          <a:prstGeom prst="rect">
-            <a:avLst/>
-          </a:prstGeom>
-          <a:solidFill>
-            <a:srgbClr val="C6D9F1">
-              <a:alpha val="30196"/>
-            </a:srgbClr>
-          </a:solidFill>
-          <a:ln>
-            <a:noFill/>
-          </a:ln>
-        </p:spPr>
-        <p:style>
-          <a:lnRef idx="2">
-            <a:schemeClr val="accent1">
-              <a:shade val="50000"/>
-            </a:schemeClr>
-          </a:lnRef>
-          <a:fillRef idx="1">
-            <a:schemeClr val="accent1"/>
-          </a:fillRef>
-          <a:effectRef idx="0">
-            <a:schemeClr val="accent1"/>
-          </a:effectRef>
-          <a:fontRef idx="minor">
-            <a:schemeClr val="lt1"/>
-          </a:fontRef>
-        </p:style>
-        <p:txBody>
-          <a:bodyPr rtlCol="0" anchor="ctr"/>
-          <a:lstStyle/>
-          <a:p>
-            <a:pPr algn="ctr"/>
-            <a:endParaRPr lang="en-US"/>
-          </a:p>
-        </p:txBody>
-      </p:sp>
-      <p:sp>
-        <p:nvSpPr>
-          <p:cNvPr id="81" name="Rectangle 80"/>
-          <p:cNvSpPr/>
-          <p:nvPr/>
-        </p:nvSpPr>
-        <p:spPr>
-          <a:xfrm>
-            <a:off x="2895600" y="4572000"/>
-            <a:ext cx="5791200" cy="228600"/>
-          </a:xfrm>
-          <a:prstGeom prst="rect">
-            <a:avLst/>
-          </a:prstGeom>
-          <a:solidFill>
-            <a:srgbClr val="C6D9F1">
-              <a:alpha val="30196"/>
-            </a:srgbClr>
-          </a:solidFill>
-          <a:ln>
-            <a:noFill/>
-          </a:ln>
-        </p:spPr>
-        <p:style>
-          <a:lnRef idx="2">
-            <a:schemeClr val="accent1">
-              <a:shade val="50000"/>
-            </a:schemeClr>
-          </a:lnRef>
-          <a:fillRef idx="1">
-            <a:schemeClr val="accent1"/>
-          </a:fillRef>
-          <a:effectRef idx="0">
-            <a:schemeClr val="accent1"/>
-          </a:effectRef>
-          <a:fontRef idx="minor">
-            <a:schemeClr val="lt1"/>
-          </a:fontRef>
-        </p:style>
-        <p:txBody>
-          <a:bodyPr rtlCol="0" anchor="ctr"/>
-          <a:lstStyle/>
-          <a:p>
-            <a:pPr algn="ctr"/>
-            <a:endParaRPr lang="en-US"/>
-          </a:p>
-        </p:txBody>
-      </p:sp>
-      <p:sp>
-        <p:nvSpPr>
-          <p:cNvPr id="82" name="Rectangle 81"/>
-          <p:cNvSpPr/>
-          <p:nvPr/>
-        </p:nvSpPr>
-        <p:spPr>
-          <a:xfrm>
-            <a:off x="2895600" y="5029200"/>
-            <a:ext cx="5791200" cy="228600"/>
-          </a:xfrm>
-          <a:prstGeom prst="rect">
-            <a:avLst/>
-          </a:prstGeom>
-          <a:solidFill>
-            <a:srgbClr val="C6D9F1">
-              <a:alpha val="30196"/>
-            </a:srgbClr>
-          </a:solidFill>
-          <a:ln>
-            <a:noFill/>
-          </a:ln>
-        </p:spPr>
-        <p:style>
-          <a:lnRef idx="2">
-            <a:schemeClr val="accent1">
-              <a:shade val="50000"/>
-            </a:schemeClr>
-          </a:lnRef>
-          <a:fillRef idx="1">
-            <a:schemeClr val="accent1"/>
-          </a:fillRef>
-          <a:effectRef idx="0">
-            <a:schemeClr val="accent1"/>
-          </a:effectRef>
-          <a:fontRef idx="minor">
-            <a:schemeClr val="lt1"/>
-          </a:fontRef>
-        </p:style>
-        <p:txBody>
-          <a:bodyPr rtlCol="0" anchor="ctr"/>
-          <a:lstStyle/>
-          <a:p>
-            <a:pPr algn="ctr"/>
-            <a:endParaRPr lang="en-US"/>
-          </a:p>
-        </p:txBody>
-      </p:sp>
-      <p:sp>
-        <p:nvSpPr>
-          <p:cNvPr id="83" name="Rectangle 82"/>
-          <p:cNvSpPr/>
-          <p:nvPr/>
-        </p:nvSpPr>
-        <p:spPr>
-          <a:xfrm>
-            <a:off x="2895600" y="5486400"/>
-            <a:ext cx="5791200" cy="228600"/>
-          </a:xfrm>
-          <a:prstGeom prst="rect">
-            <a:avLst/>
-          </a:prstGeom>
-          <a:solidFill>
-            <a:srgbClr val="C6D9F1">
-              <a:alpha val="30196"/>
-            </a:srgbClr>
-          </a:solidFill>
-          <a:ln>
-            <a:noFill/>
-          </a:ln>
-        </p:spPr>
-        <p:style>
-          <a:lnRef idx="2">
-            <a:schemeClr val="accent1">
-              <a:shade val="50000"/>
-            </a:schemeClr>
-          </a:lnRef>
-          <a:fillRef idx="1">
-            <a:schemeClr val="accent1"/>
-          </a:fillRef>
-          <a:effectRef idx="0">
-            <a:schemeClr val="accent1"/>
-          </a:effectRef>
-          <a:fontRef idx="minor">
-            <a:schemeClr val="lt1"/>
-          </a:fontRef>
-        </p:style>
-        <p:txBody>
-          <a:bodyPr rtlCol="0" anchor="ctr"/>
-          <a:lstStyle/>
-          <a:p>
-            <a:pPr algn="ctr"/>
-            <a:endParaRPr lang="en-US"/>
-          </a:p>
-        </p:txBody>
-      </p:sp>
-      <p:sp>
-        <p:nvSpPr>
-          <p:cNvPr id="84" name="Rectangle 83"/>
-          <p:cNvSpPr/>
-          <p:nvPr/>
-        </p:nvSpPr>
-        <p:spPr>
-          <a:xfrm>
-            <a:off x="2895600" y="5943600"/>
-            <a:ext cx="5791200" cy="228600"/>
-          </a:xfrm>
-          <a:prstGeom prst="rect">
-            <a:avLst/>
-          </a:prstGeom>
-          <a:solidFill>
-            <a:srgbClr val="C6D9F1">
-              <a:alpha val="30196"/>
-            </a:srgbClr>
-          </a:solidFill>
-          <a:ln>
-            <a:noFill/>
-          </a:ln>
-        </p:spPr>
-        <p:style>
-          <a:lnRef idx="2">
-            <a:schemeClr val="accent1">
-              <a:shade val="50000"/>
-            </a:schemeClr>
-          </a:lnRef>
-          <a:fillRef idx="1">
-            <a:schemeClr val="accent1"/>
-          </a:fillRef>
-          <a:effectRef idx="0">
-            <a:schemeClr val="accent1"/>
-          </a:effectRef>
-          <a:fontRef idx="minor">
-            <a:schemeClr val="lt1"/>
-          </a:fontRef>
-        </p:style>
-        <p:txBody>
-          <a:bodyPr rtlCol="0" anchor="ctr"/>
-          <a:lstStyle/>
-          <a:p>
-            <a:pPr algn="ctr"/>
-            <a:endParaRPr lang="en-US"/>
-          </a:p>
-        </p:txBody>
-      </p:sp>
     </p:spTree>
   </p:cSld>
   <p:clrMapOvr>
@@ -13716,7 +13718,6 @@
               <a:rPr lang="en-US" sz="1000" dirty="0" smtClean="0"/>
               <a:t>$182,101.05</a:t>
             </a:r>
-            <a:endParaRPr lang="en-US" sz="1000" dirty="0" smtClean="0"/>
           </a:p>
         </p:txBody>
       </p:sp>
@@ -14409,7 +14410,6 @@
               <a:rPr lang="en-US" sz="1000" dirty="0" smtClean="0"/>
               <a:t>$182,590.05</a:t>
             </a:r>
-            <a:endParaRPr lang="en-US" sz="1000" dirty="0" smtClean="0"/>
           </a:p>
         </p:txBody>
       </p:sp>
@@ -14611,7 +14611,6 @@
               <a:rPr lang="en-US" sz="1000" dirty="0" smtClean="0"/>
               <a:t>$189,012.05</a:t>
             </a:r>
-            <a:endParaRPr lang="en-US" sz="1000" dirty="0" smtClean="0"/>
           </a:p>
         </p:txBody>
       </p:sp>
@@ -15824,15 +15823,7 @@
                   <a:schemeClr val="accent1"/>
                 </a:solidFill>
               </a:rPr>
-              <a:t>Creat</a:t>
-            </a:r>
-            <a:r>
-              <a:rPr lang="en-US" sz="1000" b="1" dirty="0" smtClean="0">
-                <a:solidFill>
-                  <a:schemeClr val="accent1"/>
-                </a:solidFill>
-              </a:rPr>
-              <a:t>e new transaction…</a:t>
+              <a:t>Create new transaction…</a:t>
             </a:r>
             <a:endParaRPr lang="en-US" sz="1000" b="1" dirty="0">
               <a:solidFill>
@@ -16317,7 +16308,6 @@
               <a:rPr lang="en-US" sz="1000" dirty="0" smtClean="0"/>
               <a:t>$182,101.05</a:t>
             </a:r>
-            <a:endParaRPr lang="en-US" sz="1000" dirty="0" smtClean="0"/>
           </a:p>
         </p:txBody>
       </p:sp>
@@ -17010,7 +17000,6 @@
               <a:rPr lang="en-US" sz="1000" dirty="0" smtClean="0"/>
               <a:t>$182,590.05</a:t>
             </a:r>
-            <a:endParaRPr lang="en-US" sz="1000" dirty="0" smtClean="0"/>
           </a:p>
         </p:txBody>
       </p:sp>
@@ -17212,7 +17201,6 @@
               <a:rPr lang="en-US" sz="1000" dirty="0" smtClean="0"/>
               <a:t>$189,012.05</a:t>
             </a:r>
-            <a:endParaRPr lang="en-US" sz="1000" dirty="0" smtClean="0"/>
           </a:p>
         </p:txBody>
       </p:sp>
